--- a/presentation_backup/Persistent homology and topological statistics of hyperuniform point clouds.pptx
+++ b/presentation_backup/Persistent homology and topological statistics of hyperuniform point clouds.pptx
@@ -1,43 +1,49 @@
 
 <file path=ppt/presentation.xml><?xml version="1.0" encoding="utf-8"?>
-<p:presentation xmlns:a="http://schemas.openxmlformats.org/drawingml/2006/main" xmlns:r="http://schemas.openxmlformats.org/officeDocument/2006/relationships" xmlns:p="http://schemas.openxmlformats.org/presentationml/2006/main" saveSubsetFonts="1" embedTrueTypeFonts="true">
+<p:presentation xmlns:a="http://schemas.openxmlformats.org/drawingml/2006/main" xmlns:r="http://schemas.openxmlformats.org/officeDocument/2006/relationships" xmlns:p="http://schemas.openxmlformats.org/presentationml/2006/main" embedTrueTypeFonts="1" saveSubsetFonts="1">
   <p:sldMasterIdLst>
     <p:sldMasterId id="2147483648" r:id="rId1"/>
   </p:sldMasterIdLst>
   <p:sldIdLst>
-    <p:sldId id="256" r:id="rId6"/>
-    <p:sldId id="257" r:id="rId7"/>
-    <p:sldId id="258" r:id="rId8"/>
-    <p:sldId id="259" r:id="rId9"/>
-    <p:sldId id="260" r:id="rId10"/>
-    <p:sldId id="261" r:id="rId11"/>
-    <p:sldId id="262" r:id="rId12"/>
-    <p:sldId id="263" r:id="rId13"/>
-    <p:sldId id="264" r:id="rId14"/>
-    <p:sldId id="265" r:id="rId15"/>
-    <p:sldId id="266" r:id="rId16"/>
-    <p:sldId id="267" r:id="rId17"/>
-    <p:sldId id="268" r:id="rId18"/>
-    <p:sldId id="269" r:id="rId19"/>
+    <p:sldId id="256" r:id="rId2"/>
+    <p:sldId id="257" r:id="rId3"/>
+    <p:sldId id="258" r:id="rId4"/>
+    <p:sldId id="259" r:id="rId5"/>
+    <p:sldId id="260" r:id="rId6"/>
+    <p:sldId id="261" r:id="rId7"/>
+    <p:sldId id="262" r:id="rId8"/>
+    <p:sldId id="263" r:id="rId9"/>
+    <p:sldId id="264" r:id="rId10"/>
+    <p:sldId id="265" r:id="rId11"/>
+    <p:sldId id="267" r:id="rId12"/>
+    <p:sldId id="268" r:id="rId13"/>
+    <p:sldId id="269" r:id="rId14"/>
   </p:sldIdLst>
   <p:sldSz cx="18288000" cy="10287000"/>
   <p:notesSz cx="6858000" cy="9144000"/>
   <p:embeddedFontLst>
     <p:embeddedFont>
-      <p:font typeface="Open Sans" charset="1" panose="00000000000000000000"/>
+      <p:font typeface="Calibri" panose="020F0502020204030204" pitchFamily="34" charset="0"/>
+      <p:regular r:id="rId15"/>
+      <p:bold r:id="rId16"/>
+      <p:italic r:id="rId17"/>
+      <p:boldItalic r:id="rId18"/>
+    </p:embeddedFont>
+    <p:embeddedFont>
+      <p:font typeface="Open Sans Bold" panose="020B0604020202020204" charset="0"/>
+      <p:regular r:id="rId19"/>
+    </p:embeddedFont>
+    <p:embeddedFont>
+      <p:font typeface="Canva Sans" panose="020B0604020202020204" charset="0"/>
       <p:regular r:id="rId20"/>
     </p:embeddedFont>
     <p:embeddedFont>
-      <p:font typeface="Open Sans Bold" charset="1" panose="00000000000000000000"/>
+      <p:font typeface="Open Sans Italics" panose="020B0604020202020204" charset="0"/>
       <p:regular r:id="rId21"/>
     </p:embeddedFont>
     <p:embeddedFont>
-      <p:font typeface="Canva Sans" charset="1" panose="020B0503030501040103"/>
+      <p:font typeface="Open Sans" panose="020B0604020202020204" charset="0"/>
       <p:regular r:id="rId22"/>
-    </p:embeddedFont>
-    <p:embeddedFont>
-      <p:font typeface="Open Sans Italics" charset="1" panose="00000000000000000000"/>
-      <p:regular r:id="rId23"/>
     </p:embeddedFont>
   </p:embeddedFontLst>
   <p:defaultTextStyle>
@@ -135,6 +141,22 @@
       </a:defRPr>
     </a:lvl9pPr>
   </p:defaultTextStyle>
+  <p:extLst>
+    <p:ext uri="{EFAFB233-063F-42B5-8137-9DF3F51BA10A}">
+      <p15:sldGuideLst xmlns:p15="http://schemas.microsoft.com/office/powerpoint/2012/main">
+        <p15:guide id="1" orient="horz" pos="2160">
+          <p15:clr>
+            <a:srgbClr val="A4A3A4"/>
+          </p15:clr>
+        </p15:guide>
+        <p15:guide id="2" pos="2880">
+          <p15:clr>
+            <a:srgbClr val="A4A3A4"/>
+          </p15:clr>
+        </p15:guide>
+      </p15:sldGuideLst>
+    </p:ext>
+  </p:extLst>
 </p:presentation>
 </file>
 
@@ -320,7 +342,7 @@
             <a:fld id="{1D8BD707-D9CF-40AE-B4C6-C98DA3205C09}" type="datetimeFigureOut">
               <a:rPr lang="en-US" smtClean="0"/>
               <a:pPr/>
-              <a:t>8/1/2011</a:t>
+              <a:t>5/11/2025</a:t>
             </a:fld>
             <a:endParaRPr lang="en-US"/>
           </a:p>
@@ -487,7 +509,7 @@
             <a:fld id="{1D8BD707-D9CF-40AE-B4C6-C98DA3205C09}" type="datetimeFigureOut">
               <a:rPr lang="en-US" smtClean="0"/>
               <a:pPr/>
-              <a:t>8/1/2011</a:t>
+              <a:t>5/11/2025</a:t>
             </a:fld>
             <a:endParaRPr lang="en-US"/>
           </a:p>
@@ -664,7 +686,7 @@
             <a:fld id="{1D8BD707-D9CF-40AE-B4C6-C98DA3205C09}" type="datetimeFigureOut">
               <a:rPr lang="en-US" smtClean="0"/>
               <a:pPr/>
-              <a:t>8/1/2011</a:t>
+              <a:t>5/11/2025</a:t>
             </a:fld>
             <a:endParaRPr lang="en-US"/>
           </a:p>
@@ -831,7 +853,7 @@
             <a:fld id="{1D8BD707-D9CF-40AE-B4C6-C98DA3205C09}" type="datetimeFigureOut">
               <a:rPr lang="en-US" smtClean="0"/>
               <a:pPr/>
-              <a:t>8/1/2011</a:t>
+              <a:t>5/11/2025</a:t>
             </a:fld>
             <a:endParaRPr lang="en-US"/>
           </a:p>
@@ -1074,7 +1096,7 @@
             <a:fld id="{1D8BD707-D9CF-40AE-B4C6-C98DA3205C09}" type="datetimeFigureOut">
               <a:rPr lang="en-US" smtClean="0"/>
               <a:pPr/>
-              <a:t>8/1/2011</a:t>
+              <a:t>5/11/2025</a:t>
             </a:fld>
             <a:endParaRPr lang="en-US"/>
           </a:p>
@@ -1359,7 +1381,7 @@
             <a:fld id="{1D8BD707-D9CF-40AE-B4C6-C98DA3205C09}" type="datetimeFigureOut">
               <a:rPr lang="en-US" smtClean="0"/>
               <a:pPr/>
-              <a:t>8/1/2011</a:t>
+              <a:t>5/11/2025</a:t>
             </a:fld>
             <a:endParaRPr lang="en-US"/>
           </a:p>
@@ -1778,7 +1800,7 @@
             <a:fld id="{1D8BD707-D9CF-40AE-B4C6-C98DA3205C09}" type="datetimeFigureOut">
               <a:rPr lang="en-US" smtClean="0"/>
               <a:pPr/>
-              <a:t>8/1/2011</a:t>
+              <a:t>5/11/2025</a:t>
             </a:fld>
             <a:endParaRPr lang="en-US"/>
           </a:p>
@@ -1893,7 +1915,7 @@
             <a:fld id="{1D8BD707-D9CF-40AE-B4C6-C98DA3205C09}" type="datetimeFigureOut">
               <a:rPr lang="en-US" smtClean="0"/>
               <a:pPr/>
-              <a:t>8/1/2011</a:t>
+              <a:t>5/11/2025</a:t>
             </a:fld>
             <a:endParaRPr lang="en-US"/>
           </a:p>
@@ -1985,7 +2007,7 @@
             <a:fld id="{1D8BD707-D9CF-40AE-B4C6-C98DA3205C09}" type="datetimeFigureOut">
               <a:rPr lang="en-US" smtClean="0"/>
               <a:pPr/>
-              <a:t>8/1/2011</a:t>
+              <a:t>5/11/2025</a:t>
             </a:fld>
             <a:endParaRPr lang="en-US"/>
           </a:p>
@@ -2259,7 +2281,7 @@
             <a:fld id="{1D8BD707-D9CF-40AE-B4C6-C98DA3205C09}" type="datetimeFigureOut">
               <a:rPr lang="en-US" smtClean="0"/>
               <a:pPr/>
-              <a:t>8/1/2011</a:t>
+              <a:t>5/11/2025</a:t>
             </a:fld>
             <a:endParaRPr lang="en-US"/>
           </a:p>
@@ -2509,7 +2531,7 @@
             <a:fld id="{1D8BD707-D9CF-40AE-B4C6-C98DA3205C09}" type="datetimeFigureOut">
               <a:rPr lang="en-US" smtClean="0"/>
               <a:pPr/>
-              <a:t>8/1/2011</a:t>
+              <a:t>5/11/2025</a:t>
             </a:fld>
             <a:endParaRPr lang="en-US"/>
           </a:p>
@@ -2719,7 +2741,7 @@
             <a:fld id="{1D8BD707-D9CF-40AE-B4C6-C98DA3205C09}" type="datetimeFigureOut">
               <a:rPr lang="en-US" smtClean="0"/>
               <a:pPr/>
-              <a:t>8/1/2011</a:t>
+              <a:t>5/11/2025</a:t>
             </a:fld>
             <a:endParaRPr lang="en-US"/>
           </a:p>
@@ -3074,7 +3096,7 @@
 </file>
 
 <file path=ppt/slides/slide1.xml><?xml version="1.0" encoding="utf-8"?>
-<p:sld xmlns:p="http://schemas.openxmlformats.org/presentationml/2006/main" xmlns:a="http://schemas.openxmlformats.org/drawingml/2006/main" xmlns:r="http://schemas.openxmlformats.org/officeDocument/2006/relationships">
+<p:sld xmlns:a="http://schemas.openxmlformats.org/drawingml/2006/main" xmlns:r="http://schemas.openxmlformats.org/officeDocument/2006/relationships" xmlns:p="http://schemas.openxmlformats.org/presentationml/2006/main">
   <p:cSld>
     <p:spTree>
       <p:nvGrpSpPr>
@@ -3092,12 +3114,12 @@
       </p:grpSpPr>
       <p:grpSp>
         <p:nvGrpSpPr>
-          <p:cNvPr name="Group 2" id="2"/>
+          <p:cNvPr id="2" name="Group 2"/>
           <p:cNvGrpSpPr/>
           <p:nvPr/>
         </p:nvGrpSpPr>
         <p:grpSpPr>
-          <a:xfrm rot="0">
+          <a:xfrm>
             <a:off x="3716655" y="9479696"/>
             <a:ext cx="6727507" cy="553998"/>
             <a:chOff x="0" y="0"/>
@@ -3106,12 +3128,12 @@
         </p:grpSpPr>
         <p:sp>
           <p:nvSpPr>
-            <p:cNvPr name="Freeform 3" id="3"/>
+            <p:cNvPr id="3" name="Freeform 3"/>
             <p:cNvSpPr/>
             <p:nvPr/>
           </p:nvSpPr>
           <p:spPr>
-            <a:xfrm flipH="false" flipV="false" rot="0">
+            <a:xfrm>
               <a:off x="0" y="0"/>
               <a:ext cx="8970010" cy="738664"/>
             </a:xfrm>
@@ -3120,9 +3142,9 @@
               <a:gdLst/>
               <a:ahLst/>
               <a:cxnLst/>
-              <a:rect r="r" b="b" t="t" l="l"/>
+              <a:rect l="l" t="t" r="r" b="b"/>
               <a:pathLst>
-                <a:path h="738664" w="8970010">
+                <a:path w="8970010" h="738664">
                   <a:moveTo>
                     <a:pt x="0" y="0"/>
                   </a:moveTo>
@@ -3148,8 +3170,8 @@
         </p:sp>
         <p:sp>
           <p:nvSpPr>
-            <p:cNvPr name="TextBox 4" id="4"/>
-            <p:cNvSpPr txBox="true"/>
+            <p:cNvPr id="4" name="TextBox 4"/>
+            <p:cNvSpPr txBox="1"/>
             <p:nvPr/>
           </p:nvSpPr>
           <p:spPr>
@@ -3162,7 +3184,7 @@
             </a:prstGeom>
           </p:spPr>
           <p:txBody>
-            <a:bodyPr anchor="b" rtlCol="false" tIns="0" lIns="0" bIns="0" rIns="0"/>
+            <a:bodyPr lIns="0" tIns="0" rIns="0" bIns="0" rtlCol="0" anchor="b"/>
             <a:lstStyle/>
             <a:p>
               <a:pPr algn="l">
@@ -3226,12 +3248,12 @@
       </p:grpSp>
       <p:grpSp>
         <p:nvGrpSpPr>
-          <p:cNvPr name="Group 5" id="5"/>
+          <p:cNvPr id="5" name="Group 5"/>
           <p:cNvGrpSpPr/>
           <p:nvPr/>
         </p:nvGrpSpPr>
         <p:grpSpPr>
-          <a:xfrm rot="0">
+          <a:xfrm>
             <a:off x="10736580" y="9459666"/>
             <a:ext cx="1057275" cy="553998"/>
             <a:chOff x="0" y="0"/>
@@ -3240,12 +3262,12 @@
         </p:grpSpPr>
         <p:sp>
           <p:nvSpPr>
-            <p:cNvPr name="Freeform 6" id="6"/>
+            <p:cNvPr id="6" name="Freeform 6"/>
             <p:cNvSpPr/>
             <p:nvPr/>
           </p:nvSpPr>
           <p:spPr>
-            <a:xfrm flipH="false" flipV="false" rot="0">
+            <a:xfrm>
               <a:off x="0" y="0"/>
               <a:ext cx="1409700" cy="738664"/>
             </a:xfrm>
@@ -3254,9 +3276,9 @@
               <a:gdLst/>
               <a:ahLst/>
               <a:cxnLst/>
-              <a:rect r="r" b="b" t="t" l="l"/>
+              <a:rect l="l" t="t" r="r" b="b"/>
               <a:pathLst>
-                <a:path h="738664" w="1409700">
+                <a:path w="1409700" h="738664">
                   <a:moveTo>
                     <a:pt x="0" y="0"/>
                   </a:moveTo>
@@ -3282,8 +3304,8 @@
         </p:sp>
         <p:sp>
           <p:nvSpPr>
-            <p:cNvPr name="TextBox 7" id="7"/>
-            <p:cNvSpPr txBox="true"/>
+            <p:cNvPr id="7" name="TextBox 7"/>
+            <p:cNvSpPr txBox="1"/>
             <p:nvPr/>
           </p:nvSpPr>
           <p:spPr>
@@ -3296,7 +3318,7 @@
             </a:prstGeom>
           </p:spPr>
           <p:txBody>
-            <a:bodyPr anchor="b" rtlCol="false" tIns="0" lIns="0" bIns="0" rIns="0"/>
+            <a:bodyPr lIns="0" tIns="0" rIns="0" bIns="0" rtlCol="0" anchor="b"/>
             <a:lstStyle/>
             <a:p>
               <a:pPr algn="l">
@@ -3304,6 +3326,7 @@
                   <a:spcPts val="1439"/>
                 </a:lnSpc>
               </a:pPr>
+              <a:endParaRPr/>
             </a:p>
             <a:p>
               <a:pPr algn="l">
@@ -3330,18 +3353,27 @@
                   <a:spcPts val="1439"/>
                 </a:lnSpc>
               </a:pPr>
+              <a:endParaRPr lang="en-US" sz="1200">
+                <a:solidFill>
+                  <a:srgbClr val="727277"/>
+                </a:solidFill>
+                <a:latin typeface="Open Sans"/>
+                <a:ea typeface="Open Sans"/>
+                <a:cs typeface="Open Sans"/>
+                <a:sym typeface="Open Sans"/>
+              </a:endParaRPr>
             </a:p>
           </p:txBody>
         </p:sp>
       </p:grpSp>
       <p:sp>
         <p:nvSpPr>
-          <p:cNvPr name="Freeform 8" id="8"/>
+          <p:cNvPr id="8" name="Freeform 8"/>
           <p:cNvSpPr/>
           <p:nvPr/>
         </p:nvSpPr>
         <p:spPr>
-          <a:xfrm flipH="false" flipV="false" rot="0">
+          <a:xfrm>
             <a:off x="757300" y="9501072"/>
             <a:ext cx="1674276" cy="486000"/>
           </a:xfrm>
@@ -3350,9 +3382,9 @@
             <a:gdLst/>
             <a:ahLst/>
             <a:cxnLst/>
-            <a:rect r="r" b="b" t="t" l="l"/>
+            <a:rect l="l" t="t" r="r" b="b"/>
             <a:pathLst>
-              <a:path h="486000" w="1674276">
+              <a:path w="1674276" h="486000">
                 <a:moveTo>
                   <a:pt x="0" y="0"/>
                 </a:moveTo>
@@ -3375,19 +3407,19 @@
           <a:blipFill>
             <a:blip r:embed="rId2"/>
             <a:stretch>
-              <a:fillRect l="-53" t="0" r="-53" b="0"/>
+              <a:fillRect l="-53" r="-53"/>
             </a:stretch>
           </a:blipFill>
         </p:spPr>
       </p:sp>
       <p:sp>
         <p:nvSpPr>
-          <p:cNvPr name="Freeform 9" id="9"/>
+          <p:cNvPr id="9" name="Freeform 9"/>
           <p:cNvSpPr/>
           <p:nvPr/>
         </p:nvSpPr>
         <p:spPr>
-          <a:xfrm flipH="false" flipV="false" rot="0">
+          <a:xfrm>
             <a:off x="16382397" y="9473664"/>
             <a:ext cx="1455718" cy="540000"/>
           </a:xfrm>
@@ -3396,9 +3428,9 @@
             <a:gdLst/>
             <a:ahLst/>
             <a:cxnLst/>
-            <a:rect r="r" b="b" t="t" l="l"/>
+            <a:rect l="l" t="t" r="r" b="b"/>
             <a:pathLst>
-              <a:path h="540000" w="1455718">
+              <a:path w="1455718" h="540000">
                 <a:moveTo>
                   <a:pt x="0" y="0"/>
                 </a:moveTo>
@@ -3421,19 +3453,19 @@
           <a:blipFill>
             <a:blip r:embed="rId3"/>
             <a:stretch>
-              <a:fillRect l="0" t="-328" r="0" b="-328"/>
+              <a:fillRect t="-328" b="-328"/>
             </a:stretch>
           </a:blipFill>
         </p:spPr>
       </p:sp>
       <p:sp>
         <p:nvSpPr>
-          <p:cNvPr name="Freeform 10" id="10"/>
+          <p:cNvPr id="10" name="Freeform 10"/>
           <p:cNvSpPr/>
           <p:nvPr/>
         </p:nvSpPr>
         <p:spPr>
-          <a:xfrm flipH="false" flipV="false" rot="0">
+          <a:xfrm>
             <a:off x="15609522" y="495162"/>
             <a:ext cx="2202069" cy="816858"/>
           </a:xfrm>
@@ -3442,9 +3474,9 @@
             <a:gdLst/>
             <a:ahLst/>
             <a:cxnLst/>
-            <a:rect r="r" b="b" t="t" l="l"/>
+            <a:rect l="l" t="t" r="r" b="b"/>
             <a:pathLst>
-              <a:path h="816858" w="2202069">
+              <a:path w="2202069" h="816858">
                 <a:moveTo>
                   <a:pt x="0" y="0"/>
                 </a:moveTo>
@@ -3467,19 +3499,19 @@
           <a:blipFill>
             <a:blip r:embed="rId4"/>
             <a:stretch>
-              <a:fillRect l="0" t="-20" r="0" b="-20"/>
+              <a:fillRect t="-20" b="-20"/>
             </a:stretch>
           </a:blipFill>
         </p:spPr>
       </p:sp>
       <p:sp>
         <p:nvSpPr>
-          <p:cNvPr name="Freeform 11" id="11"/>
+          <p:cNvPr id="11" name="Freeform 11"/>
           <p:cNvSpPr/>
           <p:nvPr/>
         </p:nvSpPr>
         <p:spPr>
-          <a:xfrm flipH="false" flipV="false" rot="0">
+          <a:xfrm>
             <a:off x="435456" y="524974"/>
             <a:ext cx="2646000" cy="767368"/>
           </a:xfrm>
@@ -3488,9 +3520,9 @@
             <a:gdLst/>
             <a:ahLst/>
             <a:cxnLst/>
-            <a:rect r="r" b="b" t="t" l="l"/>
+            <a:rect l="l" t="t" r="r" b="b"/>
             <a:pathLst>
-              <a:path h="767368" w="2646000">
+              <a:path w="2646000" h="767368">
                 <a:moveTo>
                   <a:pt x="0" y="0"/>
                 </a:moveTo>
@@ -3513,19 +3545,19 @@
           <a:blipFill>
             <a:blip r:embed="rId5"/>
             <a:stretch>
-              <a:fillRect l="0" t="-14" r="0" b="-14"/>
+              <a:fillRect t="-14" b="-14"/>
             </a:stretch>
           </a:blipFill>
         </p:spPr>
       </p:sp>
       <p:grpSp>
         <p:nvGrpSpPr>
-          <p:cNvPr name="Group 12" id="12"/>
+          <p:cNvPr id="12" name="Group 12"/>
           <p:cNvGrpSpPr/>
           <p:nvPr/>
         </p:nvGrpSpPr>
         <p:grpSpPr>
-          <a:xfrm rot="0">
+          <a:xfrm>
             <a:off x="0" y="1807368"/>
             <a:ext cx="18288000" cy="8479634"/>
             <a:chOff x="0" y="0"/>
@@ -3534,12 +3566,12 @@
         </p:grpSpPr>
         <p:sp>
           <p:nvSpPr>
-            <p:cNvPr name="Freeform 13" id="13"/>
+            <p:cNvPr id="13" name="Freeform 13"/>
             <p:cNvSpPr/>
             <p:nvPr/>
           </p:nvSpPr>
           <p:spPr>
-            <a:xfrm flipH="false" flipV="false" rot="0">
+            <a:xfrm>
               <a:off x="0" y="0"/>
               <a:ext cx="24384000" cy="11306175"/>
             </a:xfrm>
@@ -3548,9 +3580,9 @@
               <a:gdLst/>
               <a:ahLst/>
               <a:cxnLst/>
-              <a:rect r="r" b="b" t="t" l="l"/>
+              <a:rect l="l" t="t" r="r" b="b"/>
               <a:pathLst>
-                <a:path h="11306175" w="24384000">
+                <a:path w="24384000" h="11306175">
                   <a:moveTo>
                     <a:pt x="0" y="0"/>
                   </a:moveTo>
@@ -3567,7 +3599,7 @@
                 </a:path>
               </a:pathLst>
             </a:custGeom>
-            <a:gradFill rotWithShape="true">
+            <a:gradFill rotWithShape="1">
               <a:gsLst>
                 <a:gs pos="14000">
                   <a:srgbClr val="0069B4">
@@ -3587,12 +3619,12 @@
       </p:grpSp>
       <p:grpSp>
         <p:nvGrpSpPr>
-          <p:cNvPr name="Group 14" id="14"/>
+          <p:cNvPr id="14" name="Group 14"/>
           <p:cNvGrpSpPr/>
           <p:nvPr/>
         </p:nvGrpSpPr>
         <p:grpSpPr>
-          <a:xfrm rot="0">
+          <a:xfrm>
             <a:off x="1324212" y="4278174"/>
             <a:ext cx="3320622" cy="496639"/>
             <a:chOff x="0" y="0"/>
@@ -3601,12 +3633,12 @@
         </p:grpSpPr>
         <p:sp>
           <p:nvSpPr>
-            <p:cNvPr name="Freeform 15" id="15"/>
+            <p:cNvPr id="15" name="Freeform 15"/>
             <p:cNvSpPr/>
             <p:nvPr/>
           </p:nvSpPr>
           <p:spPr>
-            <a:xfrm flipH="false" flipV="false" rot="0">
+            <a:xfrm>
               <a:off x="0" y="0"/>
               <a:ext cx="4427496" cy="662186"/>
             </a:xfrm>
@@ -3615,9 +3647,9 @@
               <a:gdLst/>
               <a:ahLst/>
               <a:cxnLst/>
-              <a:rect r="r" b="b" t="t" l="l"/>
+              <a:rect l="l" t="t" r="r" b="b"/>
               <a:pathLst>
-                <a:path h="662186" w="4427496">
+                <a:path w="4427496" h="662186">
                   <a:moveTo>
                     <a:pt x="0" y="0"/>
                   </a:moveTo>
@@ -3643,8 +3675,8 @@
         </p:sp>
         <p:sp>
           <p:nvSpPr>
-            <p:cNvPr name="TextBox 16" id="16"/>
-            <p:cNvSpPr txBox="true"/>
+            <p:cNvPr id="16" name="TextBox 16"/>
+            <p:cNvSpPr txBox="1"/>
             <p:nvPr/>
           </p:nvSpPr>
           <p:spPr>
@@ -3657,7 +3689,7 @@
             </a:prstGeom>
           </p:spPr>
           <p:txBody>
-            <a:bodyPr anchor="t" rtlCol="false" tIns="0" lIns="0" bIns="0" rIns="0"/>
+            <a:bodyPr lIns="0" tIns="0" rIns="0" bIns="0" rtlCol="0" anchor="t"/>
             <a:lstStyle/>
             <a:p>
               <a:pPr algn="l">
@@ -3666,7 +3698,7 @@
                 </a:lnSpc>
               </a:pPr>
               <a:r>
-                <a:rPr lang="en-US" sz="2400" b="true">
+                <a:rPr lang="en-US" sz="2400" b="1">
                   <a:solidFill>
                     <a:srgbClr val="FFFFFF"/>
                   </a:solidFill>
@@ -3683,12 +3715,12 @@
       </p:grpSp>
       <p:grpSp>
         <p:nvGrpSpPr>
-          <p:cNvPr name="Group 17" id="17"/>
+          <p:cNvPr id="17" name="Group 17"/>
           <p:cNvGrpSpPr/>
           <p:nvPr/>
         </p:nvGrpSpPr>
         <p:grpSpPr>
-          <a:xfrm rot="0">
+          <a:xfrm>
             <a:off x="1324157" y="5753559"/>
             <a:ext cx="8150101" cy="993279"/>
             <a:chOff x="0" y="0"/>
@@ -3697,12 +3729,12 @@
         </p:grpSpPr>
         <p:sp>
           <p:nvSpPr>
-            <p:cNvPr name="Freeform 18" id="18"/>
+            <p:cNvPr id="18" name="Freeform 18"/>
             <p:cNvSpPr/>
             <p:nvPr/>
           </p:nvSpPr>
           <p:spPr>
-            <a:xfrm flipH="false" flipV="false" rot="0">
+            <a:xfrm>
               <a:off x="0" y="0"/>
               <a:ext cx="10866801" cy="1324372"/>
             </a:xfrm>
@@ -3711,9 +3743,9 @@
               <a:gdLst/>
               <a:ahLst/>
               <a:cxnLst/>
-              <a:rect r="r" b="b" t="t" l="l"/>
+              <a:rect l="l" t="t" r="r" b="b"/>
               <a:pathLst>
-                <a:path h="1324372" w="10866801">
+                <a:path w="10866801" h="1324372">
                   <a:moveTo>
                     <a:pt x="0" y="0"/>
                   </a:moveTo>
@@ -3739,8 +3771,8 @@
         </p:sp>
         <p:sp>
           <p:nvSpPr>
-            <p:cNvPr name="TextBox 19" id="19"/>
-            <p:cNvSpPr txBox="true"/>
+            <p:cNvPr id="19" name="TextBox 19"/>
+            <p:cNvSpPr txBox="1"/>
             <p:nvPr/>
           </p:nvSpPr>
           <p:spPr>
@@ -3753,7 +3785,7 @@
             </a:prstGeom>
           </p:spPr>
           <p:txBody>
-            <a:bodyPr anchor="t" rtlCol="false" tIns="0" lIns="0" bIns="0" rIns="0"/>
+            <a:bodyPr lIns="0" tIns="0" rIns="0" bIns="0" rtlCol="0" anchor="t"/>
             <a:lstStyle/>
             <a:p>
               <a:pPr algn="l">
@@ -3762,7 +3794,7 @@
                 </a:lnSpc>
               </a:pPr>
               <a:r>
-                <a:rPr lang="en-US" sz="4800" b="true">
+                <a:rPr lang="en-US" sz="4800" b="1">
                   <a:solidFill>
                     <a:srgbClr val="FFFFFF"/>
                   </a:solidFill>
@@ -3779,12 +3811,12 @@
       </p:grpSp>
       <p:grpSp>
         <p:nvGrpSpPr>
-          <p:cNvPr name="Group 20" id="20"/>
+          <p:cNvPr id="20" name="Group 20"/>
           <p:cNvGrpSpPr/>
           <p:nvPr/>
         </p:nvGrpSpPr>
         <p:grpSpPr>
-          <a:xfrm rot="0">
+          <a:xfrm>
             <a:off x="1324158" y="7542354"/>
             <a:ext cx="12064456" cy="496639"/>
             <a:chOff x="0" y="0"/>
@@ -3793,12 +3825,12 @@
         </p:grpSpPr>
         <p:sp>
           <p:nvSpPr>
-            <p:cNvPr name="Freeform 21" id="21"/>
+            <p:cNvPr id="21" name="Freeform 21"/>
             <p:cNvSpPr/>
             <p:nvPr/>
           </p:nvSpPr>
           <p:spPr>
-            <a:xfrm flipH="false" flipV="false" rot="0">
+            <a:xfrm>
               <a:off x="0" y="0"/>
               <a:ext cx="16085942" cy="662186"/>
             </a:xfrm>
@@ -3807,9 +3839,9 @@
               <a:gdLst/>
               <a:ahLst/>
               <a:cxnLst/>
-              <a:rect r="r" b="b" t="t" l="l"/>
+              <a:rect l="l" t="t" r="r" b="b"/>
               <a:pathLst>
-                <a:path h="662186" w="16085942">
+                <a:path w="16085942" h="662186">
                   <a:moveTo>
                     <a:pt x="0" y="0"/>
                   </a:moveTo>
@@ -3835,8 +3867,8 @@
         </p:sp>
         <p:sp>
           <p:nvSpPr>
-            <p:cNvPr name="TextBox 22" id="22"/>
-            <p:cNvSpPr txBox="true"/>
+            <p:cNvPr id="22" name="TextBox 22"/>
+            <p:cNvSpPr txBox="1"/>
             <p:nvPr/>
           </p:nvSpPr>
           <p:spPr>
@@ -3849,7 +3881,7 @@
             </a:prstGeom>
           </p:spPr>
           <p:txBody>
-            <a:bodyPr anchor="t" rtlCol="false" tIns="0" lIns="0" bIns="0" rIns="0"/>
+            <a:bodyPr lIns="0" tIns="0" rIns="0" bIns="0" rtlCol="0" anchor="t"/>
             <a:lstStyle/>
             <a:p>
               <a:pPr algn="l">
@@ -3867,19 +3899,7 @@
                   <a:cs typeface="Open Sans"/>
                   <a:sym typeface="Open Sans"/>
                 </a:rPr>
-                <a:t>Gene</a:t>
-              </a:r>
-              <a:r>
-                <a:rPr lang="en-US" sz="2400">
-                  <a:solidFill>
-                    <a:srgbClr val="FFFFFF"/>
-                  </a:solidFill>
-                  <a:latin typeface="Open Sans"/>
-                  <a:ea typeface="Open Sans"/>
-                  <a:cs typeface="Open Sans"/>
-                  <a:sym typeface="Open Sans"/>
-                </a:rPr>
-                <a:t>ration of hyperuniform structures and their analysis</a:t>
+                <a:t>Generation of hyperuniform structures and their analysis</a:t>
               </a:r>
             </a:p>
           </p:txBody>
@@ -3887,12 +3907,12 @@
       </p:grpSp>
       <p:grpSp>
         <p:nvGrpSpPr>
-          <p:cNvPr name="Group 23" id="23"/>
+          <p:cNvPr id="23" name="Group 23"/>
           <p:cNvGrpSpPr/>
           <p:nvPr/>
         </p:nvGrpSpPr>
         <p:grpSpPr>
-          <a:xfrm rot="0">
+          <a:xfrm>
             <a:off x="1324155" y="6563413"/>
             <a:ext cx="14351910" cy="993279"/>
             <a:chOff x="0" y="0"/>
@@ -3901,12 +3921,12 @@
         </p:grpSpPr>
         <p:sp>
           <p:nvSpPr>
-            <p:cNvPr name="Freeform 24" id="24"/>
+            <p:cNvPr id="24" name="Freeform 24"/>
             <p:cNvSpPr/>
             <p:nvPr/>
           </p:nvSpPr>
           <p:spPr>
-            <a:xfrm flipH="false" flipV="false" rot="0">
+            <a:xfrm>
               <a:off x="0" y="0"/>
               <a:ext cx="19135880" cy="1324372"/>
             </a:xfrm>
@@ -3915,9 +3935,9 @@
               <a:gdLst/>
               <a:ahLst/>
               <a:cxnLst/>
-              <a:rect r="r" b="b" t="t" l="l"/>
+              <a:rect l="l" t="t" r="r" b="b"/>
               <a:pathLst>
-                <a:path h="1324372" w="19135880">
+                <a:path w="19135880" h="1324372">
                   <a:moveTo>
                     <a:pt x="0" y="0"/>
                   </a:moveTo>
@@ -3943,8 +3963,8 @@
         </p:sp>
         <p:sp>
           <p:nvSpPr>
-            <p:cNvPr name="TextBox 25" id="25"/>
-            <p:cNvSpPr txBox="true"/>
+            <p:cNvPr id="25" name="TextBox 25"/>
+            <p:cNvSpPr txBox="1"/>
             <p:nvPr/>
           </p:nvSpPr>
           <p:spPr>
@@ -3957,7 +3977,7 @@
             </a:prstGeom>
           </p:spPr>
           <p:txBody>
-            <a:bodyPr anchor="t" rtlCol="false" tIns="0" lIns="0" bIns="0" rIns="0"/>
+            <a:bodyPr lIns="0" tIns="0" rIns="0" bIns="0" rtlCol="0" anchor="t"/>
             <a:lstStyle/>
             <a:p>
               <a:pPr algn="l">
@@ -3990,7 +4010,7 @@
 </file>
 
 <file path=ppt/slides/slide10.xml><?xml version="1.0" encoding="utf-8"?>
-<p:sld xmlns:p="http://schemas.openxmlformats.org/presentationml/2006/main" xmlns:a="http://schemas.openxmlformats.org/drawingml/2006/main" xmlns:r="http://schemas.openxmlformats.org/officeDocument/2006/relationships">
+<p:sld xmlns:a="http://schemas.openxmlformats.org/drawingml/2006/main" xmlns:r="http://schemas.openxmlformats.org/officeDocument/2006/relationships" xmlns:p="http://schemas.openxmlformats.org/presentationml/2006/main">
   <p:cSld>
     <p:spTree>
       <p:nvGrpSpPr>
@@ -4008,12 +4028,12 @@
       </p:grpSpPr>
       <p:sp>
         <p:nvSpPr>
-          <p:cNvPr name="Freeform 2" id="2"/>
+          <p:cNvPr id="2" name="Freeform 2"/>
           <p:cNvSpPr/>
           <p:nvPr/>
         </p:nvSpPr>
         <p:spPr>
-          <a:xfrm flipH="false" flipV="false" rot="0">
+          <a:xfrm>
             <a:off x="757300" y="9501072"/>
             <a:ext cx="1674276" cy="486000"/>
           </a:xfrm>
@@ -4022,9 +4042,9 @@
             <a:gdLst/>
             <a:ahLst/>
             <a:cxnLst/>
-            <a:rect r="r" b="b" t="t" l="l"/>
+            <a:rect l="l" t="t" r="r" b="b"/>
             <a:pathLst>
-              <a:path h="486000" w="1674276">
+              <a:path w="1674276" h="486000">
                 <a:moveTo>
                   <a:pt x="0" y="0"/>
                 </a:moveTo>
@@ -4047,19 +4067,19 @@
           <a:blipFill>
             <a:blip r:embed="rId2"/>
             <a:stretch>
-              <a:fillRect l="-53" t="0" r="-53" b="0"/>
+              <a:fillRect l="-53" r="-53"/>
             </a:stretch>
           </a:blipFill>
         </p:spPr>
       </p:sp>
       <p:sp>
         <p:nvSpPr>
-          <p:cNvPr name="Freeform 3" id="3"/>
+          <p:cNvPr id="3" name="Freeform 3"/>
           <p:cNvSpPr/>
           <p:nvPr/>
         </p:nvSpPr>
         <p:spPr>
-          <a:xfrm flipH="false" flipV="false" rot="0">
+          <a:xfrm>
             <a:off x="16382397" y="9473664"/>
             <a:ext cx="1455718" cy="540000"/>
           </a:xfrm>
@@ -4068,9 +4088,9 @@
             <a:gdLst/>
             <a:ahLst/>
             <a:cxnLst/>
-            <a:rect r="r" b="b" t="t" l="l"/>
+            <a:rect l="l" t="t" r="r" b="b"/>
             <a:pathLst>
-              <a:path h="540000" w="1455718">
+              <a:path w="1455718" h="540000">
                 <a:moveTo>
                   <a:pt x="0" y="0"/>
                 </a:moveTo>
@@ -4093,19 +4113,19 @@
           <a:blipFill>
             <a:blip r:embed="rId3"/>
             <a:stretch>
-              <a:fillRect l="0" t="-328" r="0" b="-328"/>
+              <a:fillRect t="-328" b="-328"/>
             </a:stretch>
           </a:blipFill>
         </p:spPr>
       </p:sp>
       <p:grpSp>
         <p:nvGrpSpPr>
-          <p:cNvPr name="Group 4" id="4"/>
+          <p:cNvPr id="4" name="Group 4"/>
           <p:cNvGrpSpPr/>
           <p:nvPr/>
         </p:nvGrpSpPr>
         <p:grpSpPr>
-          <a:xfrm rot="0">
+          <a:xfrm>
             <a:off x="0" y="3"/>
             <a:ext cx="18288000" cy="9194004"/>
             <a:chOff x="0" y="0"/>
@@ -4114,12 +4134,12 @@
         </p:grpSpPr>
         <p:sp>
           <p:nvSpPr>
-            <p:cNvPr name="Freeform 5" id="5"/>
+            <p:cNvPr id="5" name="Freeform 5"/>
             <p:cNvSpPr/>
             <p:nvPr/>
           </p:nvSpPr>
           <p:spPr>
-            <a:xfrm flipH="false" flipV="false" rot="0">
+            <a:xfrm>
               <a:off x="0" y="0"/>
               <a:ext cx="24384000" cy="12258675"/>
             </a:xfrm>
@@ -4128,9 +4148,9 @@
               <a:gdLst/>
               <a:ahLst/>
               <a:cxnLst/>
-              <a:rect r="r" b="b" t="t" l="l"/>
+              <a:rect l="l" t="t" r="r" b="b"/>
               <a:pathLst>
-                <a:path h="12258675" w="24384000">
+                <a:path w="24384000" h="12258675">
                   <a:moveTo>
                     <a:pt x="0" y="0"/>
                   </a:moveTo>
@@ -4147,7 +4167,7 @@
                 </a:path>
               </a:pathLst>
             </a:custGeom>
-            <a:gradFill rotWithShape="true">
+            <a:gradFill rotWithShape="1">
               <a:gsLst>
                 <a:gs pos="14000">
                   <a:srgbClr val="0069B4">
@@ -4167,37 +4187,37 @@
       </p:grpSp>
       <p:grpSp>
         <p:nvGrpSpPr>
-          <p:cNvPr name="Group 6" id="6"/>
+          <p:cNvPr id="6" name="Group 6"/>
           <p:cNvGrpSpPr/>
           <p:nvPr/>
         </p:nvGrpSpPr>
         <p:grpSpPr>
-          <a:xfrm rot="0">
+          <a:xfrm>
             <a:off x="1312068" y="5080889"/>
-            <a:ext cx="15871030" cy="1797736"/>
+            <a:ext cx="15871030" cy="1941351"/>
             <a:chOff x="0" y="0"/>
-            <a:chExt cx="21161374" cy="2396982"/>
+            <a:chExt cx="21161374" cy="2588468"/>
           </a:xfrm>
         </p:grpSpPr>
         <p:sp>
           <p:nvSpPr>
-            <p:cNvPr name="Freeform 7" id="7"/>
+            <p:cNvPr id="7" name="Freeform 7"/>
             <p:cNvSpPr/>
             <p:nvPr/>
           </p:nvSpPr>
           <p:spPr>
-            <a:xfrm flipH="false" flipV="false" rot="0">
+            <a:xfrm>
               <a:off x="0" y="0"/>
-              <a:ext cx="21161373" cy="2396982"/>
+              <a:ext cx="21161373" cy="2588468"/>
             </a:xfrm>
             <a:custGeom>
               <a:avLst/>
               <a:gdLst/>
               <a:ahLst/>
               <a:cxnLst/>
-              <a:rect r="r" b="b" t="t" l="l"/>
+              <a:rect l="l" t="t" r="r" b="b"/>
               <a:pathLst>
-                <a:path h="2396982" w="21161373">
+                <a:path w="21161373" h="2588468">
                   <a:moveTo>
                     <a:pt x="0" y="0"/>
                   </a:moveTo>
@@ -4205,10 +4225,10 @@
                     <a:pt x="21161373" y="0"/>
                   </a:lnTo>
                   <a:lnTo>
-                    <a:pt x="21161373" y="2396982"/>
-                  </a:lnTo>
-                  <a:lnTo>
-                    <a:pt x="0" y="2396982"/>
+                    <a:pt x="21161373" y="2588468"/>
+                  </a:lnTo>
+                  <a:lnTo>
+                    <a:pt x="0" y="2588468"/>
                   </a:lnTo>
                   <a:close/>
                 </a:path>
@@ -4223,21 +4243,21 @@
         </p:sp>
         <p:sp>
           <p:nvSpPr>
-            <p:cNvPr name="TextBox 8" id="8"/>
-            <p:cNvSpPr txBox="true"/>
+            <p:cNvPr id="8" name="TextBox 8"/>
+            <p:cNvSpPr txBox="1"/>
             <p:nvPr/>
           </p:nvSpPr>
           <p:spPr>
             <a:xfrm>
               <a:off x="0" y="0"/>
-              <a:ext cx="21161374" cy="2396982"/>
+              <a:ext cx="21161374" cy="2588468"/>
             </a:xfrm>
             <a:prstGeom prst="rect">
               <a:avLst/>
             </a:prstGeom>
           </p:spPr>
           <p:txBody>
-            <a:bodyPr anchor="t" rtlCol="false" tIns="0" lIns="0" bIns="0" rIns="0"/>
+            <a:bodyPr lIns="0" tIns="0" rIns="0" bIns="0" rtlCol="0" anchor="t"/>
             <a:lstStyle/>
             <a:p>
               <a:pPr algn="l">
@@ -4246,7 +4266,7 @@
                 </a:lnSpc>
               </a:pPr>
               <a:r>
-                <a:rPr lang="en-US" sz="5400" b="true">
+                <a:rPr lang="en-US" sz="5400" b="1">
                   <a:solidFill>
                     <a:srgbClr val="FFFFFF"/>
                   </a:solidFill>
@@ -4255,7 +4275,7 @@
                   <a:cs typeface="Open Sans Bold"/>
                   <a:sym typeface="Open Sans Bold"/>
                 </a:rPr>
-                <a:t>Subtitle</a:t>
+                <a:t>Persistent homology and topological statistics of hyperuniform point clouds [SSDV24] </a:t>
               </a:r>
             </a:p>
           </p:txBody>
@@ -4263,12 +4283,12 @@
       </p:grpSp>
       <p:sp>
         <p:nvSpPr>
-          <p:cNvPr name="TextBox 9" id="9"/>
-          <p:cNvSpPr txBox="true"/>
+          <p:cNvPr id="9" name="TextBox 9"/>
+          <p:cNvSpPr txBox="1"/>
           <p:nvPr/>
         </p:nvSpPr>
         <p:spPr>
-          <a:xfrm rot="0">
+          <a:xfrm>
             <a:off x="10993470" y="9635487"/>
             <a:ext cx="152400" cy="171450"/>
           </a:xfrm>
@@ -4277,7 +4297,7 @@
           </a:prstGeom>
         </p:spPr>
         <p:txBody>
-          <a:bodyPr anchor="t" rtlCol="false" tIns="0" lIns="0" bIns="0" rIns="0" wrap="none">
+          <a:bodyPr wrap="none" lIns="0" tIns="0" rIns="0" bIns="0" rtlCol="0" anchor="t">
             <a:spAutoFit/>
           </a:bodyPr>
           <a:lstStyle/>
@@ -4300,19 +4320,19 @@
                 <a:cs typeface="Canva Sans"/>
                 <a:sym typeface="Canva Sans"/>
               </a:rPr>
-              <a:t>Page 10 of 14</a:t>
+              <a:t>Page 10 of 17</a:t>
             </a:r>
           </a:p>
         </p:txBody>
       </p:sp>
       <p:grpSp>
         <p:nvGrpSpPr>
-          <p:cNvPr name="Group 10" id="10"/>
+          <p:cNvPr id="10" name="Group 10"/>
           <p:cNvGrpSpPr/>
           <p:nvPr/>
         </p:nvGrpSpPr>
         <p:grpSpPr>
-          <a:xfrm rot="0">
+          <a:xfrm>
             <a:off x="3716655" y="9479695"/>
             <a:ext cx="6727507" cy="610270"/>
             <a:chOff x="0" y="0"/>
@@ -4321,12 +4341,12 @@
         </p:grpSpPr>
         <p:sp>
           <p:nvSpPr>
-            <p:cNvPr name="Freeform 11" id="11"/>
+            <p:cNvPr id="11" name="Freeform 11"/>
             <p:cNvSpPr/>
             <p:nvPr/>
           </p:nvSpPr>
           <p:spPr>
-            <a:xfrm flipH="false" flipV="false" rot="0">
+            <a:xfrm>
               <a:off x="0" y="0"/>
               <a:ext cx="8970010" cy="813693"/>
             </a:xfrm>
@@ -4335,9 +4355,9 @@
               <a:gdLst/>
               <a:ahLst/>
               <a:cxnLst/>
-              <a:rect r="r" b="b" t="t" l="l"/>
+              <a:rect l="l" t="t" r="r" b="b"/>
               <a:pathLst>
-                <a:path h="813693" w="8970010">
+                <a:path w="8970010" h="813693">
                   <a:moveTo>
                     <a:pt x="0" y="0"/>
                   </a:moveTo>
@@ -4363,8 +4383,8 @@
         </p:sp>
         <p:sp>
           <p:nvSpPr>
-            <p:cNvPr name="TextBox 12" id="12"/>
-            <p:cNvSpPr txBox="true"/>
+            <p:cNvPr id="12" name="TextBox 12"/>
+            <p:cNvSpPr txBox="1"/>
             <p:nvPr/>
           </p:nvSpPr>
           <p:spPr>
@@ -4377,7 +4397,7 @@
             </a:prstGeom>
           </p:spPr>
           <p:txBody>
-            <a:bodyPr anchor="b" rtlCol="false" tIns="0" lIns="0" bIns="0" rIns="0"/>
+            <a:bodyPr lIns="0" tIns="0" rIns="0" bIns="0" rtlCol="0" anchor="b"/>
             <a:lstStyle/>
             <a:p>
               <a:pPr algn="l">
@@ -4448,7 +4468,7 @@
 </file>
 
 <file path=ppt/slides/slide11.xml><?xml version="1.0" encoding="utf-8"?>
-<p:sld xmlns:p="http://schemas.openxmlformats.org/presentationml/2006/main" xmlns:a="http://schemas.openxmlformats.org/drawingml/2006/main" xmlns:r="http://schemas.openxmlformats.org/officeDocument/2006/relationships">
+<p:sld xmlns:a="http://schemas.openxmlformats.org/drawingml/2006/main" xmlns:r="http://schemas.openxmlformats.org/officeDocument/2006/relationships" xmlns:p="http://schemas.openxmlformats.org/presentationml/2006/main">
   <p:cSld>
     <p:spTree>
       <p:nvGrpSpPr>
@@ -4466,12 +4486,12 @@
       </p:grpSpPr>
       <p:sp>
         <p:nvSpPr>
-          <p:cNvPr name="Freeform 2" id="2"/>
+          <p:cNvPr id="2" name="Freeform 2"/>
           <p:cNvSpPr/>
           <p:nvPr/>
         </p:nvSpPr>
         <p:spPr>
-          <a:xfrm flipH="false" flipV="false" rot="0">
+          <a:xfrm>
             <a:off x="757300" y="9501072"/>
             <a:ext cx="1674276" cy="486000"/>
           </a:xfrm>
@@ -4480,9 +4500,9 @@
             <a:gdLst/>
             <a:ahLst/>
             <a:cxnLst/>
-            <a:rect r="r" b="b" t="t" l="l"/>
+            <a:rect l="l" t="t" r="r" b="b"/>
             <a:pathLst>
-              <a:path h="486000" w="1674276">
+              <a:path w="1674276" h="486000">
                 <a:moveTo>
                   <a:pt x="0" y="0"/>
                 </a:moveTo>
@@ -4505,19 +4525,19 @@
           <a:blipFill>
             <a:blip r:embed="rId2"/>
             <a:stretch>
-              <a:fillRect l="-53" t="0" r="-53" b="0"/>
+              <a:fillRect l="-53" r="-53"/>
             </a:stretch>
           </a:blipFill>
         </p:spPr>
       </p:sp>
       <p:sp>
         <p:nvSpPr>
-          <p:cNvPr name="Freeform 3" id="3"/>
+          <p:cNvPr id="3" name="Freeform 3"/>
           <p:cNvSpPr/>
           <p:nvPr/>
         </p:nvSpPr>
         <p:spPr>
-          <a:xfrm flipH="false" flipV="false" rot="0">
+          <a:xfrm>
             <a:off x="16382397" y="9473664"/>
             <a:ext cx="1455718" cy="540000"/>
           </a:xfrm>
@@ -4526,9 +4546,9 @@
             <a:gdLst/>
             <a:ahLst/>
             <a:cxnLst/>
-            <a:rect r="r" b="b" t="t" l="l"/>
+            <a:rect l="l" t="t" r="r" b="b"/>
             <a:pathLst>
-              <a:path h="540000" w="1455718">
+              <a:path w="1455718" h="540000">
                 <a:moveTo>
                   <a:pt x="0" y="0"/>
                 </a:moveTo>
@@ -4551,19 +4571,19 @@
           <a:blipFill>
             <a:blip r:embed="rId3"/>
             <a:stretch>
-              <a:fillRect l="0" t="-328" r="0" b="-328"/>
+              <a:fillRect t="-328" b="-328"/>
             </a:stretch>
           </a:blipFill>
         </p:spPr>
       </p:sp>
       <p:grpSp>
         <p:nvGrpSpPr>
-          <p:cNvPr name="Group 4" id="4"/>
+          <p:cNvPr id="4" name="Group 4"/>
           <p:cNvGrpSpPr/>
           <p:nvPr/>
         </p:nvGrpSpPr>
         <p:grpSpPr>
-          <a:xfrm rot="0">
+          <a:xfrm>
             <a:off x="1312068" y="519112"/>
             <a:ext cx="15871030" cy="1295399"/>
             <a:chOff x="0" y="0"/>
@@ -4572,12 +4592,12 @@
         </p:grpSpPr>
         <p:sp>
           <p:nvSpPr>
-            <p:cNvPr name="Freeform 5" id="5"/>
+            <p:cNvPr id="5" name="Freeform 5"/>
             <p:cNvSpPr/>
             <p:nvPr/>
           </p:nvSpPr>
           <p:spPr>
-            <a:xfrm flipH="false" flipV="false" rot="0">
+            <a:xfrm>
               <a:off x="0" y="0"/>
               <a:ext cx="21161373" cy="1727199"/>
             </a:xfrm>
@@ -4586,9 +4606,9 @@
               <a:gdLst/>
               <a:ahLst/>
               <a:cxnLst/>
-              <a:rect r="r" b="b" t="t" l="l"/>
+              <a:rect l="l" t="t" r="r" b="b"/>
               <a:pathLst>
-                <a:path h="1727199" w="21161373">
+                <a:path w="21161373" h="1727199">
                   <a:moveTo>
                     <a:pt x="0" y="0"/>
                   </a:moveTo>
@@ -4614,8 +4634,8 @@
         </p:sp>
         <p:sp>
           <p:nvSpPr>
-            <p:cNvPr name="TextBox 6" id="6"/>
-            <p:cNvSpPr txBox="true"/>
+            <p:cNvPr id="6" name="TextBox 6"/>
+            <p:cNvSpPr txBox="1"/>
             <p:nvPr/>
           </p:nvSpPr>
           <p:spPr>
@@ -4628,7 +4648,7 @@
             </a:prstGeom>
           </p:spPr>
           <p:txBody>
-            <a:bodyPr anchor="t" rtlCol="false" tIns="0" lIns="0" bIns="0" rIns="0"/>
+            <a:bodyPr lIns="0" tIns="0" rIns="0" bIns="0" rtlCol="0" anchor="t"/>
             <a:lstStyle/>
             <a:p>
               <a:pPr algn="l">
@@ -4637,7 +4657,7 @@
                 </a:lnSpc>
               </a:pPr>
               <a:r>
-                <a:rPr lang="en-US" sz="3600" b="true">
+                <a:rPr lang="en-US" sz="3600" b="1" dirty="0">
                   <a:solidFill>
                     <a:srgbClr val="00305D"/>
                   </a:solidFill>
@@ -4646,7 +4666,7 @@
                   <a:cs typeface="Open Sans Bold"/>
                   <a:sym typeface="Open Sans Bold"/>
                 </a:rPr>
-                <a:t>Title</a:t>
+                <a:t>Persistent homology [SSDV24]</a:t>
               </a:r>
             </a:p>
             <a:p>
@@ -4656,7 +4676,7 @@
                 </a:lnSpc>
               </a:pPr>
               <a:r>
-                <a:rPr lang="en-US" sz="3600">
+                <a:rPr lang="en-US" sz="3600" dirty="0">
                   <a:solidFill>
                     <a:srgbClr val="00305D"/>
                   </a:solidFill>
@@ -4665,20 +4685,65 @@
                   <a:cs typeface="Open Sans"/>
                   <a:sym typeface="Open Sans"/>
                 </a:rPr>
-                <a:t>Subtitle</a:t>
+                <a:t>Persistent Homology and Topological </a:t>
               </a:r>
+              <a:r>
+                <a:rPr lang="en-US" sz="3600" dirty="0" smtClean="0">
+                  <a:solidFill>
+                    <a:srgbClr val="00305D"/>
+                  </a:solidFill>
+                  <a:latin typeface="Open Sans"/>
+                  <a:ea typeface="Open Sans"/>
+                  <a:cs typeface="Open Sans"/>
+                  <a:sym typeface="Open Sans"/>
+                </a:rPr>
+                <a:t>Analysis (Responsible: </a:t>
+              </a:r>
+              <a:r>
+                <a:rPr lang="en-US" sz="3600" dirty="0" err="1" smtClean="0">
+                  <a:solidFill>
+                    <a:srgbClr val="00305D"/>
+                  </a:solidFill>
+                  <a:latin typeface="Open Sans"/>
+                  <a:ea typeface="Open Sans"/>
+                  <a:cs typeface="Open Sans"/>
+                  <a:sym typeface="Open Sans"/>
+                </a:rPr>
+                <a:t>Bekzat</a:t>
+              </a:r>
+              <a:r>
+                <a:rPr lang="en-US" sz="3600" dirty="0" smtClean="0">
+                  <a:solidFill>
+                    <a:srgbClr val="00305D"/>
+                  </a:solidFill>
+                  <a:latin typeface="Open Sans"/>
+                  <a:ea typeface="Open Sans"/>
+                  <a:cs typeface="Open Sans"/>
+                  <a:sym typeface="Open Sans"/>
+                </a:rPr>
+                <a:t>)</a:t>
+              </a:r>
+              <a:endParaRPr lang="en-US" sz="3600" dirty="0">
+                <a:solidFill>
+                  <a:srgbClr val="00305D"/>
+                </a:solidFill>
+                <a:latin typeface="Open Sans"/>
+                <a:ea typeface="Open Sans"/>
+                <a:cs typeface="Open Sans"/>
+                <a:sym typeface="Open Sans"/>
+              </a:endParaRPr>
             </a:p>
           </p:txBody>
         </p:sp>
       </p:grpSp>
       <p:grpSp>
         <p:nvGrpSpPr>
-          <p:cNvPr name="Group 7" id="7"/>
+          <p:cNvPr id="7" name="Group 7"/>
           <p:cNvGrpSpPr/>
           <p:nvPr/>
         </p:nvGrpSpPr>
         <p:grpSpPr>
-          <a:xfrm rot="0">
+          <a:xfrm>
             <a:off x="1312067" y="2226470"/>
             <a:ext cx="15871032" cy="6517481"/>
             <a:chOff x="0" y="0"/>
@@ -4687,12 +4752,12 @@
         </p:grpSpPr>
         <p:sp>
           <p:nvSpPr>
-            <p:cNvPr name="Freeform 8" id="8"/>
+            <p:cNvPr id="8" name="Freeform 8"/>
             <p:cNvSpPr/>
             <p:nvPr/>
           </p:nvSpPr>
           <p:spPr>
-            <a:xfrm flipH="false" flipV="false" rot="0">
+            <a:xfrm>
               <a:off x="0" y="0"/>
               <a:ext cx="21161377" cy="8689974"/>
             </a:xfrm>
@@ -4701,9 +4766,9 @@
               <a:gdLst/>
               <a:ahLst/>
               <a:cxnLst/>
-              <a:rect r="r" b="b" t="t" l="l"/>
+              <a:rect l="l" t="t" r="r" b="b"/>
               <a:pathLst>
-                <a:path h="8689974" w="21161377">
+                <a:path w="21161377" h="8689974">
                   <a:moveTo>
                     <a:pt x="0" y="0"/>
                   </a:moveTo>
@@ -4729,8 +4794,8 @@
         </p:sp>
         <p:sp>
           <p:nvSpPr>
-            <p:cNvPr name="TextBox 9" id="9"/>
-            <p:cNvSpPr txBox="true"/>
+            <p:cNvPr id="9" name="TextBox 9"/>
+            <p:cNvSpPr txBox="1"/>
             <p:nvPr/>
           </p:nvSpPr>
           <p:spPr>
@@ -4743,10 +4808,10 @@
             </a:prstGeom>
           </p:spPr>
           <p:txBody>
-            <a:bodyPr anchor="t" rtlCol="false" tIns="0" lIns="0" bIns="0" rIns="0"/>
+            <a:bodyPr lIns="0" tIns="0" rIns="0" bIns="0" rtlCol="0" anchor="t"/>
             <a:lstStyle/>
             <a:p>
-              <a:pPr algn="l" marL="518160" indent="-259080" lvl="1">
+              <a:pPr marL="518160" lvl="1" indent="-259080" algn="l">
                 <a:lnSpc>
                   <a:spcPts val="2879"/>
                 </a:lnSpc>
@@ -4763,11 +4828,11 @@
                   <a:cs typeface="Open Sans"/>
                   <a:sym typeface="Open Sans"/>
                 </a:rPr>
-                <a:t>point 1</a:t>
+                <a:t>A Vietoris–Rips complex is built by growing balls of radius rrr around each point</a:t>
               </a:r>
             </a:p>
             <a:p>
-              <a:pPr algn="l" marL="518160" indent="-259080" lvl="1">
+              <a:pPr marL="518160" lvl="1" indent="-259080" algn="l">
                 <a:lnSpc>
                   <a:spcPts val="2879"/>
                 </a:lnSpc>
@@ -4784,7 +4849,182 @@
                   <a:cs typeface="Open Sans"/>
                   <a:sym typeface="Open Sans"/>
                 </a:rPr>
-                <a:t>point 2</a:t>
+                <a:t>Homological features are computed: ​</a:t>
+              </a:r>
+              <a:r>
+                <a:rPr lang="en-US" sz="2400" i="1">
+                  <a:solidFill>
+                    <a:srgbClr val="00305D"/>
+                  </a:solidFill>
+                  <a:latin typeface="Open Sans Italics"/>
+                  <a:ea typeface="Open Sans Italics"/>
+                  <a:cs typeface="Open Sans Italics"/>
+                  <a:sym typeface="Open Sans Italics"/>
+                </a:rPr>
+                <a:t>h0 </a:t>
+              </a:r>
+              <a:r>
+                <a:rPr lang="en-US" sz="2400">
+                  <a:solidFill>
+                    <a:srgbClr val="00305D"/>
+                  </a:solidFill>
+                  <a:latin typeface="Open Sans"/>
+                  <a:ea typeface="Open Sans"/>
+                  <a:cs typeface="Open Sans"/>
+                  <a:sym typeface="Open Sans"/>
+                </a:rPr>
+                <a:t>(connected components), </a:t>
+              </a:r>
+              <a:r>
+                <a:rPr lang="en-US" sz="2400" i="1">
+                  <a:solidFill>
+                    <a:srgbClr val="00305D"/>
+                  </a:solidFill>
+                  <a:latin typeface="Open Sans Italics"/>
+                  <a:ea typeface="Open Sans Italics"/>
+                  <a:cs typeface="Open Sans Italics"/>
+                  <a:sym typeface="Open Sans Italics"/>
+                </a:rPr>
+                <a:t>h1</a:t>
+              </a:r>
+              <a:r>
+                <a:rPr lang="en-US" sz="2400">
+                  <a:solidFill>
+                    <a:srgbClr val="00305D"/>
+                  </a:solidFill>
+                  <a:latin typeface="Open Sans"/>
+                  <a:ea typeface="Open Sans"/>
+                  <a:cs typeface="Open Sans"/>
+                  <a:sym typeface="Open Sans"/>
+                </a:rPr>
+                <a:t>​ (loops)</a:t>
+              </a:r>
+            </a:p>
+            <a:p>
+              <a:pPr algn="l">
+                <a:lnSpc>
+                  <a:spcPts val="2879"/>
+                </a:lnSpc>
+              </a:pPr>
+              <a:endParaRPr lang="en-US" sz="2400">
+                <a:solidFill>
+                  <a:srgbClr val="00305D"/>
+                </a:solidFill>
+                <a:latin typeface="Open Sans"/>
+                <a:ea typeface="Open Sans"/>
+                <a:cs typeface="Open Sans"/>
+                <a:sym typeface="Open Sans"/>
+              </a:endParaRPr>
+            </a:p>
+            <a:p>
+              <a:pPr algn="l">
+                <a:lnSpc>
+                  <a:spcPts val="2879"/>
+                </a:lnSpc>
+              </a:pPr>
+              <a:endParaRPr lang="en-US" sz="2400">
+                <a:solidFill>
+                  <a:srgbClr val="00305D"/>
+                </a:solidFill>
+                <a:latin typeface="Open Sans"/>
+                <a:ea typeface="Open Sans"/>
+                <a:cs typeface="Open Sans"/>
+                <a:sym typeface="Open Sans"/>
+              </a:endParaRPr>
+            </a:p>
+            <a:p>
+              <a:pPr algn="l">
+                <a:lnSpc>
+                  <a:spcPts val="2879"/>
+                </a:lnSpc>
+              </a:pPr>
+              <a:endParaRPr lang="en-US" sz="2400">
+                <a:solidFill>
+                  <a:srgbClr val="00305D"/>
+                </a:solidFill>
+                <a:latin typeface="Open Sans"/>
+                <a:ea typeface="Open Sans"/>
+                <a:cs typeface="Open Sans"/>
+                <a:sym typeface="Open Sans"/>
+              </a:endParaRPr>
+            </a:p>
+            <a:p>
+              <a:pPr algn="l">
+                <a:lnSpc>
+                  <a:spcPts val="2879"/>
+                </a:lnSpc>
+              </a:pPr>
+              <a:r>
+                <a:rPr lang="en-US" sz="2400" b="1" u="sng">
+                  <a:solidFill>
+                    <a:srgbClr val="00305D"/>
+                  </a:solidFill>
+                  <a:latin typeface="Open Sans Bold"/>
+                  <a:ea typeface="Open Sans Bold"/>
+                  <a:cs typeface="Open Sans Bold"/>
+                  <a:sym typeface="Open Sans Bold"/>
+                </a:rPr>
+                <a:t>Task:</a:t>
+              </a:r>
+              <a:r>
+                <a:rPr lang="en-US" sz="2400">
+                  <a:solidFill>
+                    <a:srgbClr val="00305D"/>
+                  </a:solidFill>
+                  <a:latin typeface="Open Sans"/>
+                  <a:ea typeface="Open Sans"/>
+                  <a:cs typeface="Open Sans"/>
+                  <a:sym typeface="Open Sans"/>
+                </a:rPr>
+                <a:t> Use </a:t>
+              </a:r>
+              <a:r>
+                <a:rPr lang="en-US" sz="2400" i="1">
+                  <a:solidFill>
+                    <a:srgbClr val="00305D"/>
+                  </a:solidFill>
+                  <a:latin typeface="Open Sans Italics"/>
+                  <a:ea typeface="Open Sans Italics"/>
+                  <a:cs typeface="Open Sans Italics"/>
+                  <a:sym typeface="Open Sans Italics"/>
+                </a:rPr>
+                <a:t>ripser </a:t>
+              </a:r>
+              <a:r>
+                <a:rPr lang="en-US" sz="2400">
+                  <a:solidFill>
+                    <a:srgbClr val="00305D"/>
+                  </a:solidFill>
+                  <a:latin typeface="Open Sans"/>
+                  <a:ea typeface="Open Sans"/>
+                  <a:cs typeface="Open Sans"/>
+                  <a:sym typeface="Open Sans"/>
+                </a:rPr>
+                <a:t>or </a:t>
+              </a:r>
+              <a:r>
+                <a:rPr lang="en-US" sz="2400" i="1">
+                  <a:solidFill>
+                    <a:srgbClr val="00305D"/>
+                  </a:solidFill>
+                  <a:latin typeface="Open Sans Italics"/>
+                  <a:ea typeface="Open Sans Italics"/>
+                  <a:cs typeface="Open Sans Italics"/>
+                  <a:sym typeface="Open Sans Italics"/>
+                </a:rPr>
+                <a:t>GUDHI </a:t>
+              </a:r>
+              <a:r>
+                <a:rPr lang="en-US" sz="2400">
+                  <a:solidFill>
+                    <a:srgbClr val="00305D"/>
+                  </a:solidFill>
+                  <a:latin typeface="Open Sans"/>
+                  <a:ea typeface="Open Sans"/>
+                  <a:cs typeface="Open Sans"/>
+                  <a:sym typeface="Open Sans"/>
+                </a:rPr>
+                <a:t>to compute persistent homology and analyze the resulting diagrams</a:t>
               </a:r>
             </a:p>
           </p:txBody>
@@ -4792,12 +5032,12 @@
       </p:grpSp>
       <p:sp>
         <p:nvSpPr>
-          <p:cNvPr name="TextBox 10" id="10"/>
-          <p:cNvSpPr txBox="true"/>
+          <p:cNvPr id="10" name="TextBox 10"/>
+          <p:cNvSpPr txBox="1"/>
           <p:nvPr/>
         </p:nvSpPr>
         <p:spPr>
-          <a:xfrm rot="0">
+          <a:xfrm>
             <a:off x="10993470" y="9635487"/>
             <a:ext cx="152400" cy="171450"/>
           </a:xfrm>
@@ -4806,7 +5046,7 @@
           </a:prstGeom>
         </p:spPr>
         <p:txBody>
-          <a:bodyPr anchor="t" rtlCol="false" tIns="0" lIns="0" bIns="0" rIns="0" wrap="none">
+          <a:bodyPr wrap="none" lIns="0" tIns="0" rIns="0" bIns="0" rtlCol="0" anchor="t">
             <a:spAutoFit/>
           </a:bodyPr>
           <a:lstStyle/>
@@ -4829,19 +5069,19 @@
                 <a:cs typeface="Canva Sans"/>
                 <a:sym typeface="Canva Sans"/>
               </a:rPr>
-              <a:t>Page 11 of 14</a:t>
+              <a:t>Page 12 of 17</a:t>
             </a:r>
           </a:p>
         </p:txBody>
       </p:sp>
       <p:grpSp>
         <p:nvGrpSpPr>
-          <p:cNvPr name="Group 11" id="11"/>
+          <p:cNvPr id="11" name="Group 11"/>
           <p:cNvGrpSpPr/>
           <p:nvPr/>
         </p:nvGrpSpPr>
         <p:grpSpPr>
-          <a:xfrm rot="0">
+          <a:xfrm>
             <a:off x="3716655" y="9479695"/>
             <a:ext cx="6727507" cy="610270"/>
             <a:chOff x="0" y="0"/>
@@ -4850,12 +5090,12 @@
         </p:grpSpPr>
         <p:sp>
           <p:nvSpPr>
-            <p:cNvPr name="Freeform 12" id="12"/>
+            <p:cNvPr id="12" name="Freeform 12"/>
             <p:cNvSpPr/>
             <p:nvPr/>
           </p:nvSpPr>
           <p:spPr>
-            <a:xfrm flipH="false" flipV="false" rot="0">
+            <a:xfrm>
               <a:off x="0" y="0"/>
               <a:ext cx="8970010" cy="813693"/>
             </a:xfrm>
@@ -4864,9 +5104,9 @@
               <a:gdLst/>
               <a:ahLst/>
               <a:cxnLst/>
-              <a:rect r="r" b="b" t="t" l="l"/>
+              <a:rect l="l" t="t" r="r" b="b"/>
               <a:pathLst>
-                <a:path h="813693" w="8970010">
+                <a:path w="8970010" h="813693">
                   <a:moveTo>
                     <a:pt x="0" y="0"/>
                   </a:moveTo>
@@ -4892,8 +5132,8 @@
         </p:sp>
         <p:sp>
           <p:nvSpPr>
-            <p:cNvPr name="TextBox 13" id="13"/>
-            <p:cNvSpPr txBox="true"/>
+            <p:cNvPr id="13" name="TextBox 13"/>
+            <p:cNvSpPr txBox="1"/>
             <p:nvPr/>
           </p:nvSpPr>
           <p:spPr>
@@ -4906,7 +5146,7 @@
             </a:prstGeom>
           </p:spPr>
           <p:txBody>
-            <a:bodyPr anchor="b" rtlCol="false" tIns="0" lIns="0" bIns="0" rIns="0"/>
+            <a:bodyPr lIns="0" tIns="0" rIns="0" bIns="0" rtlCol="0" anchor="b"/>
             <a:lstStyle/>
             <a:p>
               <a:pPr algn="l">
@@ -4977,7 +5217,7 @@
 </file>
 
 <file path=ppt/slides/slide12.xml><?xml version="1.0" encoding="utf-8"?>
-<p:sld xmlns:p="http://schemas.openxmlformats.org/presentationml/2006/main" xmlns:a="http://schemas.openxmlformats.org/drawingml/2006/main" xmlns:r="http://schemas.openxmlformats.org/officeDocument/2006/relationships">
+<p:sld xmlns:a="http://schemas.openxmlformats.org/drawingml/2006/main" xmlns:r="http://schemas.openxmlformats.org/officeDocument/2006/relationships" xmlns:p="http://schemas.openxmlformats.org/presentationml/2006/main">
   <p:cSld>
     <p:spTree>
       <p:nvGrpSpPr>
@@ -4995,12 +5235,12 @@
       </p:grpSpPr>
       <p:sp>
         <p:nvSpPr>
-          <p:cNvPr name="Freeform 2" id="2"/>
+          <p:cNvPr id="2" name="Freeform 2"/>
           <p:cNvSpPr/>
           <p:nvPr/>
         </p:nvSpPr>
         <p:spPr>
-          <a:xfrm flipH="false" flipV="false" rot="0">
+          <a:xfrm>
             <a:off x="757300" y="9501072"/>
             <a:ext cx="1674276" cy="486000"/>
           </a:xfrm>
@@ -5009,9 +5249,9 @@
             <a:gdLst/>
             <a:ahLst/>
             <a:cxnLst/>
-            <a:rect r="r" b="b" t="t" l="l"/>
+            <a:rect l="l" t="t" r="r" b="b"/>
             <a:pathLst>
-              <a:path h="486000" w="1674276">
+              <a:path w="1674276" h="486000">
                 <a:moveTo>
                   <a:pt x="0" y="0"/>
                 </a:moveTo>
@@ -5034,19 +5274,19 @@
           <a:blipFill>
             <a:blip r:embed="rId2"/>
             <a:stretch>
-              <a:fillRect l="-53" t="0" r="-53" b="0"/>
+              <a:fillRect l="-53" r="-53"/>
             </a:stretch>
           </a:blipFill>
         </p:spPr>
       </p:sp>
       <p:sp>
         <p:nvSpPr>
-          <p:cNvPr name="Freeform 3" id="3"/>
+          <p:cNvPr id="3" name="Freeform 3"/>
           <p:cNvSpPr/>
           <p:nvPr/>
         </p:nvSpPr>
         <p:spPr>
-          <a:xfrm flipH="false" flipV="false" rot="0">
+          <a:xfrm>
             <a:off x="16382397" y="9473664"/>
             <a:ext cx="1455718" cy="540000"/>
           </a:xfrm>
@@ -5055,9 +5295,9 @@
             <a:gdLst/>
             <a:ahLst/>
             <a:cxnLst/>
-            <a:rect r="r" b="b" t="t" l="l"/>
+            <a:rect l="l" t="t" r="r" b="b"/>
             <a:pathLst>
-              <a:path h="540000" w="1455718">
+              <a:path w="1455718" h="540000">
                 <a:moveTo>
                   <a:pt x="0" y="0"/>
                 </a:moveTo>
@@ -5080,122 +5320,55 @@
           <a:blipFill>
             <a:blip r:embed="rId3"/>
             <a:stretch>
-              <a:fillRect l="0" t="-328" r="0" b="-328"/>
+              <a:fillRect t="-328" b="-328"/>
             </a:stretch>
           </a:blipFill>
         </p:spPr>
       </p:sp>
       <p:grpSp>
         <p:nvGrpSpPr>
-          <p:cNvPr name="Group 4" id="4"/>
+          <p:cNvPr id="4" name="Group 4"/>
           <p:cNvGrpSpPr/>
           <p:nvPr/>
         </p:nvGrpSpPr>
         <p:grpSpPr>
-          <a:xfrm rot="0">
-            <a:off x="0" y="3"/>
-            <a:ext cx="18288000" cy="9194004"/>
+          <a:xfrm>
+            <a:off x="1312068" y="519112"/>
+            <a:ext cx="15871030" cy="1295399"/>
             <a:chOff x="0" y="0"/>
-            <a:chExt cx="24384000" cy="12258672"/>
+            <a:chExt cx="21161374" cy="1727199"/>
           </a:xfrm>
         </p:grpSpPr>
         <p:sp>
           <p:nvSpPr>
-            <p:cNvPr name="Freeform 5" id="5"/>
+            <p:cNvPr id="5" name="Freeform 5"/>
             <p:cNvSpPr/>
             <p:nvPr/>
           </p:nvSpPr>
           <p:spPr>
-            <a:xfrm flipH="false" flipV="false" rot="0">
+            <a:xfrm>
               <a:off x="0" y="0"/>
-              <a:ext cx="24384000" cy="12258675"/>
+              <a:ext cx="21161373" cy="1727199"/>
             </a:xfrm>
             <a:custGeom>
               <a:avLst/>
               <a:gdLst/>
               <a:ahLst/>
               <a:cxnLst/>
-              <a:rect r="r" b="b" t="t" l="l"/>
+              <a:rect l="l" t="t" r="r" b="b"/>
               <a:pathLst>
-                <a:path h="12258675" w="24384000">
+                <a:path w="21161373" h="1727199">
                   <a:moveTo>
                     <a:pt x="0" y="0"/>
                   </a:moveTo>
                   <a:lnTo>
-                    <a:pt x="24384000" y="0"/>
-                  </a:lnTo>
-                  <a:lnTo>
-                    <a:pt x="24384000" y="12258675"/>
-                  </a:lnTo>
-                  <a:lnTo>
-                    <a:pt x="0" y="12258675"/>
-                  </a:lnTo>
-                  <a:close/>
-                </a:path>
-              </a:pathLst>
-            </a:custGeom>
-            <a:gradFill rotWithShape="true">
-              <a:gsLst>
-                <a:gs pos="14000">
-                  <a:srgbClr val="0069B4">
-                    <a:alpha val="100000"/>
-                  </a:srgbClr>
-                </a:gs>
-                <a:gs pos="100000">
-                  <a:srgbClr val="00305D">
-                    <a:alpha val="100000"/>
-                  </a:srgbClr>
-                </a:gs>
-              </a:gsLst>
-              <a:lin ang="15000000"/>
-            </a:gradFill>
-          </p:spPr>
-        </p:sp>
-      </p:grpSp>
-      <p:grpSp>
-        <p:nvGrpSpPr>
-          <p:cNvPr name="Group 6" id="6"/>
-          <p:cNvGrpSpPr/>
-          <p:nvPr/>
-        </p:nvGrpSpPr>
-        <p:grpSpPr>
-          <a:xfrm rot="0">
-            <a:off x="1312068" y="5080889"/>
-            <a:ext cx="15871030" cy="1797736"/>
-            <a:chOff x="0" y="0"/>
-            <a:chExt cx="21161374" cy="2396982"/>
-          </a:xfrm>
-        </p:grpSpPr>
-        <p:sp>
-          <p:nvSpPr>
-            <p:cNvPr name="Freeform 7" id="7"/>
-            <p:cNvSpPr/>
-            <p:nvPr/>
-          </p:nvSpPr>
-          <p:spPr>
-            <a:xfrm flipH="false" flipV="false" rot="0">
-              <a:off x="0" y="0"/>
-              <a:ext cx="21161373" cy="2396982"/>
-            </a:xfrm>
-            <a:custGeom>
-              <a:avLst/>
-              <a:gdLst/>
-              <a:ahLst/>
-              <a:cxnLst/>
-              <a:rect r="r" b="b" t="t" l="l"/>
-              <a:pathLst>
-                <a:path h="2396982" w="21161373">
-                  <a:moveTo>
-                    <a:pt x="0" y="0"/>
-                  </a:moveTo>
-                  <a:lnTo>
                     <a:pt x="21161373" y="0"/>
                   </a:lnTo>
                   <a:lnTo>
-                    <a:pt x="21161373" y="2396982"/>
-                  </a:lnTo>
-                  <a:lnTo>
-                    <a:pt x="0" y="2396982"/>
+                    <a:pt x="21161373" y="1727199"/>
+                  </a:lnTo>
+                  <a:lnTo>
+                    <a:pt x="0" y="1727199"/>
                   </a:lnTo>
                   <a:close/>
                 </a:path>
@@ -5210,39 +5383,363 @@
         </p:sp>
         <p:sp>
           <p:nvSpPr>
-            <p:cNvPr name="TextBox 8" id="8"/>
-            <p:cNvSpPr txBox="true"/>
+            <p:cNvPr id="6" name="TextBox 6"/>
+            <p:cNvSpPr txBox="1"/>
             <p:nvPr/>
           </p:nvSpPr>
           <p:spPr>
             <a:xfrm>
               <a:off x="0" y="0"/>
-              <a:ext cx="21161374" cy="2396982"/>
+              <a:ext cx="21161374" cy="1727199"/>
             </a:xfrm>
             <a:prstGeom prst="rect">
               <a:avLst/>
             </a:prstGeom>
           </p:spPr>
           <p:txBody>
-            <a:bodyPr anchor="t" rtlCol="false" tIns="0" lIns="0" bIns="0" rIns="0"/>
+            <a:bodyPr lIns="0" tIns="0" rIns="0" bIns="0" rtlCol="0" anchor="t"/>
             <a:lstStyle/>
             <a:p>
               <a:pPr algn="l">
                 <a:lnSpc>
-                  <a:spcPts val="6480"/>
+                  <a:spcPts val="4320"/>
                 </a:lnSpc>
               </a:pPr>
               <a:r>
-                <a:rPr lang="en-US" sz="5400" b="true">
+                <a:rPr lang="en-US" sz="3600" b="1" dirty="0">
                   <a:solidFill>
-                    <a:srgbClr val="FFFFFF"/>
+                    <a:srgbClr val="00305D"/>
                   </a:solidFill>
                   <a:latin typeface="Open Sans Bold"/>
                   <a:ea typeface="Open Sans Bold"/>
                   <a:cs typeface="Open Sans Bold"/>
                   <a:sym typeface="Open Sans Bold"/>
                 </a:rPr>
-                <a:t>Subtitle</a:t>
+                <a:t>Persistent homology [SSDV24]</a:t>
+              </a:r>
+            </a:p>
+            <a:p>
+              <a:pPr algn="l">
+                <a:lnSpc>
+                  <a:spcPts val="4320"/>
+                </a:lnSpc>
+              </a:pPr>
+              <a:r>
+                <a:rPr lang="en-US" sz="3600" dirty="0">
+                  <a:solidFill>
+                    <a:srgbClr val="00305D"/>
+                  </a:solidFill>
+                  <a:latin typeface="Open Sans"/>
+                  <a:ea typeface="Open Sans"/>
+                  <a:cs typeface="Open Sans"/>
+                  <a:sym typeface="Open Sans"/>
+                </a:rPr>
+                <a:t>Topological Comparison and Robustness to Finite </a:t>
+              </a:r>
+              <a:r>
+                <a:rPr lang="en-US" sz="3600" dirty="0" smtClean="0">
+                  <a:solidFill>
+                    <a:srgbClr val="00305D"/>
+                  </a:solidFill>
+                  <a:latin typeface="Open Sans"/>
+                  <a:ea typeface="Open Sans"/>
+                  <a:cs typeface="Open Sans"/>
+                  <a:sym typeface="Open Sans"/>
+                </a:rPr>
+                <a:t>Sampling (Responsible: </a:t>
+              </a:r>
+              <a:r>
+                <a:rPr lang="en-US" sz="3600" dirty="0" err="1" smtClean="0">
+                  <a:solidFill>
+                    <a:srgbClr val="00305D"/>
+                  </a:solidFill>
+                  <a:latin typeface="Open Sans"/>
+                  <a:ea typeface="Open Sans"/>
+                  <a:cs typeface="Open Sans"/>
+                  <a:sym typeface="Open Sans"/>
+                </a:rPr>
+                <a:t>AbdulSalam</a:t>
+              </a:r>
+              <a:r>
+                <a:rPr lang="en-US" sz="3600" dirty="0" smtClean="0">
+                  <a:solidFill>
+                    <a:srgbClr val="00305D"/>
+                  </a:solidFill>
+                  <a:latin typeface="Open Sans"/>
+                  <a:ea typeface="Open Sans"/>
+                  <a:cs typeface="Open Sans"/>
+                  <a:sym typeface="Open Sans"/>
+                </a:rPr>
+                <a:t>, </a:t>
+              </a:r>
+              <a:r>
+                <a:rPr lang="en-US" sz="3600" dirty="0" err="1" smtClean="0">
+                  <a:solidFill>
+                    <a:srgbClr val="00305D"/>
+                  </a:solidFill>
+                  <a:latin typeface="Open Sans"/>
+                  <a:ea typeface="Open Sans"/>
+                  <a:cs typeface="Open Sans"/>
+                  <a:sym typeface="Open Sans"/>
+                </a:rPr>
+                <a:t>Nayan</a:t>
+              </a:r>
+              <a:r>
+                <a:rPr lang="en-US" sz="3600" dirty="0" smtClean="0">
+                  <a:solidFill>
+                    <a:srgbClr val="00305D"/>
+                  </a:solidFill>
+                  <a:latin typeface="Open Sans"/>
+                  <a:ea typeface="Open Sans"/>
+                  <a:cs typeface="Open Sans"/>
+                  <a:sym typeface="Open Sans"/>
+                </a:rPr>
+                <a:t>)</a:t>
+              </a:r>
+              <a:endParaRPr lang="en-US" sz="3600" dirty="0">
+                <a:solidFill>
+                  <a:srgbClr val="00305D"/>
+                </a:solidFill>
+                <a:latin typeface="Open Sans"/>
+                <a:ea typeface="Open Sans"/>
+                <a:cs typeface="Open Sans"/>
+                <a:sym typeface="Open Sans"/>
+              </a:endParaRPr>
+            </a:p>
+          </p:txBody>
+        </p:sp>
+      </p:grpSp>
+      <p:grpSp>
+        <p:nvGrpSpPr>
+          <p:cNvPr id="7" name="Group 7"/>
+          <p:cNvGrpSpPr/>
+          <p:nvPr/>
+        </p:nvGrpSpPr>
+        <p:grpSpPr>
+          <a:xfrm>
+            <a:off x="1312067" y="2226470"/>
+            <a:ext cx="15871032" cy="6517481"/>
+            <a:chOff x="0" y="0"/>
+            <a:chExt cx="21161376" cy="8689974"/>
+          </a:xfrm>
+        </p:grpSpPr>
+        <p:sp>
+          <p:nvSpPr>
+            <p:cNvPr id="8" name="Freeform 8"/>
+            <p:cNvSpPr/>
+            <p:nvPr/>
+          </p:nvSpPr>
+          <p:spPr>
+            <a:xfrm>
+              <a:off x="0" y="0"/>
+              <a:ext cx="21161377" cy="8689974"/>
+            </a:xfrm>
+            <a:custGeom>
+              <a:avLst/>
+              <a:gdLst/>
+              <a:ahLst/>
+              <a:cxnLst/>
+              <a:rect l="l" t="t" r="r" b="b"/>
+              <a:pathLst>
+                <a:path w="21161377" h="8689974">
+                  <a:moveTo>
+                    <a:pt x="0" y="0"/>
+                  </a:moveTo>
+                  <a:lnTo>
+                    <a:pt x="21161377" y="0"/>
+                  </a:lnTo>
+                  <a:lnTo>
+                    <a:pt x="21161377" y="8689974"/>
+                  </a:lnTo>
+                  <a:lnTo>
+                    <a:pt x="0" y="8689974"/>
+                  </a:lnTo>
+                  <a:close/>
+                </a:path>
+              </a:pathLst>
+            </a:custGeom>
+            <a:solidFill>
+              <a:srgbClr val="000000">
+                <a:alpha val="0"/>
+              </a:srgbClr>
+            </a:solidFill>
+          </p:spPr>
+        </p:sp>
+        <p:sp>
+          <p:nvSpPr>
+            <p:cNvPr id="9" name="TextBox 9"/>
+            <p:cNvSpPr txBox="1"/>
+            <p:nvPr/>
+          </p:nvSpPr>
+          <p:spPr>
+            <a:xfrm>
+              <a:off x="0" y="9525"/>
+              <a:ext cx="21161376" cy="8680449"/>
+            </a:xfrm>
+            <a:prstGeom prst="rect">
+              <a:avLst/>
+            </a:prstGeom>
+          </p:spPr>
+          <p:txBody>
+            <a:bodyPr lIns="0" tIns="0" rIns="0" bIns="0" rtlCol="0" anchor="t"/>
+            <a:lstStyle/>
+            <a:p>
+              <a:pPr marL="518160" lvl="1" indent="-259080" algn="l">
+                <a:lnSpc>
+                  <a:spcPts val="2879"/>
+                </a:lnSpc>
+                <a:buFont typeface="Arial"/>
+                <a:buChar char="•"/>
+              </a:pPr>
+              <a:r>
+                <a:rPr lang="en-US" sz="2400">
+                  <a:solidFill>
+                    <a:srgbClr val="00305D"/>
+                  </a:solidFill>
+                  <a:latin typeface="Open Sans"/>
+                  <a:ea typeface="Open Sans"/>
+                  <a:cs typeface="Open Sans"/>
+                  <a:sym typeface="Open Sans"/>
+                </a:rPr>
+                <a:t>Wasserstein distances W1W_1W1​, W2W_2W2​ are used to compare persistence diagrams:</a:t>
+              </a:r>
+            </a:p>
+            <a:p>
+              <a:pPr algn="l">
+                <a:lnSpc>
+                  <a:spcPts val="2879"/>
+                </a:lnSpc>
+              </a:pPr>
+              <a:r>
+                <a:rPr lang="en-US" sz="2400">
+                  <a:solidFill>
+                    <a:srgbClr val="00305D"/>
+                  </a:solidFill>
+                  <a:latin typeface="Open Sans"/>
+                  <a:ea typeface="Open Sans"/>
+                  <a:cs typeface="Open Sans"/>
+                  <a:sym typeface="Open Sans"/>
+                </a:rPr>
+                <a:t>          1. Across different pattern parameters</a:t>
+              </a:r>
+            </a:p>
+            <a:p>
+              <a:pPr algn="l">
+                <a:lnSpc>
+                  <a:spcPts val="2879"/>
+                </a:lnSpc>
+              </a:pPr>
+              <a:r>
+                <a:rPr lang="en-US" sz="2400">
+                  <a:solidFill>
+                    <a:srgbClr val="00305D"/>
+                  </a:solidFill>
+                  <a:latin typeface="Open Sans"/>
+                  <a:ea typeface="Open Sans"/>
+                  <a:cs typeface="Open Sans"/>
+                  <a:sym typeface="Open Sans"/>
+                </a:rPr>
+                <a:t>          2. Between full systems and cropped subsets</a:t>
+              </a:r>
+            </a:p>
+            <a:p>
+              <a:pPr marL="518160" lvl="1" indent="-259080" algn="l">
+                <a:lnSpc>
+                  <a:spcPts val="2879"/>
+                </a:lnSpc>
+                <a:buFont typeface="Arial"/>
+                <a:buChar char="•"/>
+              </a:pPr>
+              <a:r>
+                <a:rPr lang="en-US" sz="2400">
+                  <a:solidFill>
+                    <a:srgbClr val="00305D"/>
+                  </a:solidFill>
+                  <a:latin typeface="Open Sans"/>
+                  <a:ea typeface="Open Sans"/>
+                  <a:cs typeface="Open Sans"/>
+                  <a:sym typeface="Open Sans"/>
+                </a:rPr>
+                <a:t>The study shows that HU properties are preserved in subsets above a certain size</a:t>
+              </a:r>
+            </a:p>
+            <a:p>
+              <a:pPr algn="l">
+                <a:lnSpc>
+                  <a:spcPts val="2879"/>
+                </a:lnSpc>
+              </a:pPr>
+              <a:endParaRPr lang="en-US" sz="2400">
+                <a:solidFill>
+                  <a:srgbClr val="00305D"/>
+                </a:solidFill>
+                <a:latin typeface="Open Sans"/>
+                <a:ea typeface="Open Sans"/>
+                <a:cs typeface="Open Sans"/>
+                <a:sym typeface="Open Sans"/>
+              </a:endParaRPr>
+            </a:p>
+            <a:p>
+              <a:pPr algn="l">
+                <a:lnSpc>
+                  <a:spcPts val="2879"/>
+                </a:lnSpc>
+              </a:pPr>
+              <a:endParaRPr lang="en-US" sz="2400">
+                <a:solidFill>
+                  <a:srgbClr val="00305D"/>
+                </a:solidFill>
+                <a:latin typeface="Open Sans"/>
+                <a:ea typeface="Open Sans"/>
+                <a:cs typeface="Open Sans"/>
+                <a:sym typeface="Open Sans"/>
+              </a:endParaRPr>
+            </a:p>
+            <a:p>
+              <a:pPr algn="l">
+                <a:lnSpc>
+                  <a:spcPts val="2879"/>
+                </a:lnSpc>
+              </a:pPr>
+              <a:endParaRPr lang="en-US" sz="2400">
+                <a:solidFill>
+                  <a:srgbClr val="00305D"/>
+                </a:solidFill>
+                <a:latin typeface="Open Sans"/>
+                <a:ea typeface="Open Sans"/>
+                <a:cs typeface="Open Sans"/>
+                <a:sym typeface="Open Sans"/>
+              </a:endParaRPr>
+            </a:p>
+            <a:p>
+              <a:pPr algn="l">
+                <a:lnSpc>
+                  <a:spcPts val="2879"/>
+                </a:lnSpc>
+              </a:pPr>
+              <a:r>
+                <a:rPr lang="en-US" sz="2400" b="1" u="sng">
+                  <a:solidFill>
+                    <a:srgbClr val="00305D"/>
+                  </a:solidFill>
+                  <a:latin typeface="Open Sans Bold"/>
+                  <a:ea typeface="Open Sans Bold"/>
+                  <a:cs typeface="Open Sans Bold"/>
+                  <a:sym typeface="Open Sans Bold"/>
+                </a:rPr>
+                <a:t>Task:</a:t>
+              </a:r>
+              <a:r>
+                <a:rPr lang="en-US" sz="2400">
+                  <a:solidFill>
+                    <a:srgbClr val="00305D"/>
+                  </a:solidFill>
+                  <a:latin typeface="Open Sans"/>
+                  <a:ea typeface="Open Sans"/>
+                  <a:cs typeface="Open Sans"/>
+                  <a:sym typeface="Open Sans"/>
+                </a:rPr>
+                <a:t> Compare diagrams using Wasserstein distance, identify HU regions in parameter space, and analyze robustness to partial data</a:t>
               </a:r>
             </a:p>
           </p:txBody>
@@ -5250,12 +5747,12 @@
       </p:grpSp>
       <p:sp>
         <p:nvSpPr>
-          <p:cNvPr name="TextBox 9" id="9"/>
-          <p:cNvSpPr txBox="true"/>
+          <p:cNvPr id="10" name="TextBox 10"/>
+          <p:cNvSpPr txBox="1"/>
           <p:nvPr/>
         </p:nvSpPr>
         <p:spPr>
-          <a:xfrm rot="0">
+          <a:xfrm>
             <a:off x="10993470" y="9635487"/>
             <a:ext cx="152400" cy="171450"/>
           </a:xfrm>
@@ -5264,7 +5761,7 @@
           </a:prstGeom>
         </p:spPr>
         <p:txBody>
-          <a:bodyPr anchor="t" rtlCol="false" tIns="0" lIns="0" bIns="0" rIns="0" wrap="none">
+          <a:bodyPr wrap="none" lIns="0" tIns="0" rIns="0" bIns="0" rtlCol="0" anchor="t">
             <a:spAutoFit/>
           </a:bodyPr>
           <a:lstStyle/>
@@ -5287,19 +5784,19 @@
                 <a:cs typeface="Canva Sans"/>
                 <a:sym typeface="Canva Sans"/>
               </a:rPr>
-              <a:t>Page 12 of 14</a:t>
+              <a:t>Page 13 of 17</a:t>
             </a:r>
           </a:p>
         </p:txBody>
       </p:sp>
       <p:grpSp>
         <p:nvGrpSpPr>
-          <p:cNvPr name="Group 10" id="10"/>
+          <p:cNvPr id="11" name="Group 11"/>
           <p:cNvGrpSpPr/>
           <p:nvPr/>
         </p:nvGrpSpPr>
         <p:grpSpPr>
-          <a:xfrm rot="0">
+          <a:xfrm>
             <a:off x="3716655" y="9479695"/>
             <a:ext cx="6727507" cy="610270"/>
             <a:chOff x="0" y="0"/>
@@ -5308,12 +5805,12 @@
         </p:grpSpPr>
         <p:sp>
           <p:nvSpPr>
-            <p:cNvPr name="Freeform 11" id="11"/>
+            <p:cNvPr id="12" name="Freeform 12"/>
             <p:cNvSpPr/>
             <p:nvPr/>
           </p:nvSpPr>
           <p:spPr>
-            <a:xfrm flipH="false" flipV="false" rot="0">
+            <a:xfrm>
               <a:off x="0" y="0"/>
               <a:ext cx="8970010" cy="813693"/>
             </a:xfrm>
@@ -5322,9 +5819,9 @@
               <a:gdLst/>
               <a:ahLst/>
               <a:cxnLst/>
-              <a:rect r="r" b="b" t="t" l="l"/>
+              <a:rect l="l" t="t" r="r" b="b"/>
               <a:pathLst>
-                <a:path h="813693" w="8970010">
+                <a:path w="8970010" h="813693">
                   <a:moveTo>
                     <a:pt x="0" y="0"/>
                   </a:moveTo>
@@ -5350,8 +5847,8 @@
         </p:sp>
         <p:sp>
           <p:nvSpPr>
-            <p:cNvPr name="TextBox 12" id="12"/>
-            <p:cNvSpPr txBox="true"/>
+            <p:cNvPr id="13" name="TextBox 13"/>
+            <p:cNvSpPr txBox="1"/>
             <p:nvPr/>
           </p:nvSpPr>
           <p:spPr>
@@ -5364,7 +5861,7 @@
             </a:prstGeom>
           </p:spPr>
           <p:txBody>
-            <a:bodyPr anchor="b" rtlCol="false" tIns="0" lIns="0" bIns="0" rIns="0"/>
+            <a:bodyPr lIns="0" tIns="0" rIns="0" bIns="0" rtlCol="0" anchor="b"/>
             <a:lstStyle/>
             <a:p>
               <a:pPr algn="l">
@@ -5435,7 +5932,7 @@
 </file>
 
 <file path=ppt/slides/slide13.xml><?xml version="1.0" encoding="utf-8"?>
-<p:sld xmlns:p="http://schemas.openxmlformats.org/presentationml/2006/main" xmlns:a="http://schemas.openxmlformats.org/drawingml/2006/main" xmlns:r="http://schemas.openxmlformats.org/officeDocument/2006/relationships">
+<p:sld xmlns:a="http://schemas.openxmlformats.org/drawingml/2006/main" xmlns:r="http://schemas.openxmlformats.org/officeDocument/2006/relationships" xmlns:p="http://schemas.openxmlformats.org/presentationml/2006/main">
   <p:cSld>
     <p:spTree>
       <p:nvGrpSpPr>
@@ -5453,12 +5950,12 @@
       </p:grpSpPr>
       <p:sp>
         <p:nvSpPr>
-          <p:cNvPr name="Freeform 2" id="2"/>
+          <p:cNvPr id="2" name="Freeform 2"/>
           <p:cNvSpPr/>
           <p:nvPr/>
         </p:nvSpPr>
         <p:spPr>
-          <a:xfrm flipH="false" flipV="false" rot="0">
+          <a:xfrm>
             <a:off x="757300" y="9501072"/>
             <a:ext cx="1674276" cy="486000"/>
           </a:xfrm>
@@ -5467,9 +5964,9 @@
             <a:gdLst/>
             <a:ahLst/>
             <a:cxnLst/>
-            <a:rect r="r" b="b" t="t" l="l"/>
+            <a:rect l="l" t="t" r="r" b="b"/>
             <a:pathLst>
-              <a:path h="486000" w="1674276">
+              <a:path w="1674276" h="486000">
                 <a:moveTo>
                   <a:pt x="0" y="0"/>
                 </a:moveTo>
@@ -5492,19 +5989,19 @@
           <a:blipFill>
             <a:blip r:embed="rId2"/>
             <a:stretch>
-              <a:fillRect l="-53" t="0" r="-53" b="0"/>
+              <a:fillRect l="-53" r="-53"/>
             </a:stretch>
           </a:blipFill>
         </p:spPr>
       </p:sp>
       <p:sp>
         <p:nvSpPr>
-          <p:cNvPr name="Freeform 3" id="3"/>
+          <p:cNvPr id="3" name="Freeform 3"/>
           <p:cNvSpPr/>
           <p:nvPr/>
         </p:nvSpPr>
         <p:spPr>
-          <a:xfrm flipH="false" flipV="false" rot="0">
+          <a:xfrm>
             <a:off x="16382397" y="9473664"/>
             <a:ext cx="1455718" cy="540000"/>
           </a:xfrm>
@@ -5513,9 +6010,9 @@
             <a:gdLst/>
             <a:ahLst/>
             <a:cxnLst/>
-            <a:rect r="r" b="b" t="t" l="l"/>
+            <a:rect l="l" t="t" r="r" b="b"/>
             <a:pathLst>
-              <a:path h="540000" w="1455718">
+              <a:path w="1455718" h="540000">
                 <a:moveTo>
                   <a:pt x="0" y="0"/>
                 </a:moveTo>
@@ -5538,19 +6035,19 @@
           <a:blipFill>
             <a:blip r:embed="rId3"/>
             <a:stretch>
-              <a:fillRect l="0" t="-328" r="0" b="-328"/>
+              <a:fillRect t="-328" b="-328"/>
             </a:stretch>
           </a:blipFill>
         </p:spPr>
       </p:sp>
       <p:grpSp>
         <p:nvGrpSpPr>
-          <p:cNvPr name="Group 4" id="4"/>
+          <p:cNvPr id="4" name="Group 4"/>
           <p:cNvGrpSpPr/>
           <p:nvPr/>
         </p:nvGrpSpPr>
         <p:grpSpPr>
-          <a:xfrm rot="0">
+          <a:xfrm>
             <a:off x="1312068" y="519112"/>
             <a:ext cx="15871030" cy="1295399"/>
             <a:chOff x="0" y="0"/>
@@ -5559,12 +6056,12 @@
         </p:grpSpPr>
         <p:sp>
           <p:nvSpPr>
-            <p:cNvPr name="Freeform 5" id="5"/>
+            <p:cNvPr id="5" name="Freeform 5"/>
             <p:cNvSpPr/>
             <p:nvPr/>
           </p:nvSpPr>
           <p:spPr>
-            <a:xfrm flipH="false" flipV="false" rot="0">
+            <a:xfrm>
               <a:off x="0" y="0"/>
               <a:ext cx="21161373" cy="1727199"/>
             </a:xfrm>
@@ -5573,9 +6070,9 @@
               <a:gdLst/>
               <a:ahLst/>
               <a:cxnLst/>
-              <a:rect r="r" b="b" t="t" l="l"/>
+              <a:rect l="l" t="t" r="r" b="b"/>
               <a:pathLst>
-                <a:path h="1727199" w="21161373">
+                <a:path w="21161373" h="1727199">
                   <a:moveTo>
                     <a:pt x="0" y="0"/>
                   </a:moveTo>
@@ -5601,8 +6098,8 @@
         </p:sp>
         <p:sp>
           <p:nvSpPr>
-            <p:cNvPr name="TextBox 6" id="6"/>
-            <p:cNvSpPr txBox="true"/>
+            <p:cNvPr id="6" name="TextBox 6"/>
+            <p:cNvSpPr txBox="1"/>
             <p:nvPr/>
           </p:nvSpPr>
           <p:spPr>
@@ -5615,7 +6112,7 @@
             </a:prstGeom>
           </p:spPr>
           <p:txBody>
-            <a:bodyPr anchor="t" rtlCol="false" tIns="0" lIns="0" bIns="0" rIns="0"/>
+            <a:bodyPr lIns="0" tIns="0" rIns="0" bIns="0" rtlCol="0" anchor="t"/>
             <a:lstStyle/>
             <a:p>
               <a:pPr algn="l">
@@ -5624,7 +6121,7 @@
                 </a:lnSpc>
               </a:pPr>
               <a:r>
-                <a:rPr lang="en-US" sz="3600" b="true">
+                <a:rPr lang="en-US" sz="3600" b="1">
                   <a:solidFill>
                     <a:srgbClr val="00305D"/>
                   </a:solidFill>
@@ -5633,26 +6130,7 @@
                   <a:cs typeface="Open Sans Bold"/>
                   <a:sym typeface="Open Sans Bold"/>
                 </a:rPr>
-                <a:t>Title</a:t>
-              </a:r>
-            </a:p>
-            <a:p>
-              <a:pPr algn="l">
-                <a:lnSpc>
-                  <a:spcPts val="4320"/>
-                </a:lnSpc>
-              </a:pPr>
-              <a:r>
-                <a:rPr lang="en-US" sz="3600">
-                  <a:solidFill>
-                    <a:srgbClr val="00305D"/>
-                  </a:solidFill>
-                  <a:latin typeface="Open Sans"/>
-                  <a:ea typeface="Open Sans"/>
-                  <a:cs typeface="Open Sans"/>
-                  <a:sym typeface="Open Sans"/>
-                </a:rPr>
-                <a:t>Subtitle</a:t>
+                <a:t>Literature</a:t>
               </a:r>
             </a:p>
           </p:txBody>
@@ -5660,12 +6138,12 @@
       </p:grpSp>
       <p:grpSp>
         <p:nvGrpSpPr>
-          <p:cNvPr name="Group 7" id="7"/>
+          <p:cNvPr id="7" name="Group 7"/>
           <p:cNvGrpSpPr/>
           <p:nvPr/>
         </p:nvGrpSpPr>
         <p:grpSpPr>
-          <a:xfrm rot="0">
+          <a:xfrm>
             <a:off x="1312067" y="2226470"/>
             <a:ext cx="15871032" cy="6517481"/>
             <a:chOff x="0" y="0"/>
@@ -5674,12 +6152,12 @@
         </p:grpSpPr>
         <p:sp>
           <p:nvSpPr>
-            <p:cNvPr name="Freeform 8" id="8"/>
+            <p:cNvPr id="8" name="Freeform 8"/>
             <p:cNvSpPr/>
             <p:nvPr/>
           </p:nvSpPr>
           <p:spPr>
-            <a:xfrm flipH="false" flipV="false" rot="0">
+            <a:xfrm>
               <a:off x="0" y="0"/>
               <a:ext cx="21161377" cy="8689974"/>
             </a:xfrm>
@@ -5688,9 +6166,9 @@
               <a:gdLst/>
               <a:ahLst/>
               <a:cxnLst/>
-              <a:rect r="r" b="b" t="t" l="l"/>
+              <a:rect l="l" t="t" r="r" b="b"/>
               <a:pathLst>
-                <a:path h="8689974" w="21161377">
+                <a:path w="21161377" h="8689974">
                   <a:moveTo>
                     <a:pt x="0" y="0"/>
                   </a:moveTo>
@@ -5716,8 +6194,8 @@
         </p:sp>
         <p:sp>
           <p:nvSpPr>
-            <p:cNvPr name="TextBox 9" id="9"/>
-            <p:cNvSpPr txBox="true"/>
+            <p:cNvPr id="9" name="TextBox 9"/>
+            <p:cNvSpPr txBox="1"/>
             <p:nvPr/>
           </p:nvSpPr>
           <p:spPr>
@@ -5730,10 +6208,10 @@
             </a:prstGeom>
           </p:spPr>
           <p:txBody>
-            <a:bodyPr anchor="t" rtlCol="false" tIns="0" lIns="0" bIns="0" rIns="0"/>
+            <a:bodyPr lIns="0" tIns="0" rIns="0" bIns="0" rtlCol="0" anchor="t"/>
             <a:lstStyle/>
             <a:p>
-              <a:pPr algn="l" marL="518160" indent="-259080" lvl="1">
+              <a:pPr marL="518160" lvl="1" indent="-259080" algn="l">
                 <a:lnSpc>
                   <a:spcPts val="2879"/>
                 </a:lnSpc>
@@ -5750,11 +6228,11 @@
                   <a:cs typeface="Open Sans"/>
                   <a:sym typeface="Open Sans"/>
                 </a:rPr>
-                <a:t>point 1</a:t>
+                <a:t>[Tor18] Salvatore Torquato. Hyperuniform states of matter. Physics Reports, 745:1–95, 2018. Hyperuniform States of Matter.</a:t>
               </a:r>
             </a:p>
             <a:p>
-              <a:pPr algn="l" marL="518160" indent="-259080" lvl="1">
+              <a:pPr marL="518160" lvl="1" indent="-259080" algn="l">
                 <a:lnSpc>
                   <a:spcPts val="2879"/>
                 </a:lnSpc>
@@ -5771,7 +6249,49 @@
                   <a:cs typeface="Open Sans"/>
                   <a:sym typeface="Open Sans"/>
                 </a:rPr>
-                <a:t>point 2</a:t>
+                <a:t>[SSDV24] Marco Salvalaglio, Dominic J. Skinner, Jörn Dunkel, and Axel Voigt. Persistent homology and topological statistics of hyperuniform point clouds. Phys. Rev. Res., 6:023107, May 2024.</a:t>
+              </a:r>
+            </a:p>
+            <a:p>
+              <a:pPr marL="518160" lvl="1" indent="-259080" algn="l">
+                <a:lnSpc>
+                  <a:spcPts val="2879"/>
+                </a:lnSpc>
+                <a:buFont typeface="Arial"/>
+                <a:buChar char="•"/>
+              </a:pPr>
+              <a:r>
+                <a:rPr lang="en-US" sz="2400">
+                  <a:solidFill>
+                    <a:srgbClr val="00305D"/>
+                  </a:solidFill>
+                  <a:latin typeface="Open Sans"/>
+                  <a:ea typeface="Open Sans"/>
+                  <a:cs typeface="Open Sans"/>
+                  <a:sym typeface="Open Sans"/>
+                </a:rPr>
+                <a:t>[MT17] Zheng Ma and Salvatore Torquato. Random scalar fields and hyperuniformity. Journal of Applied Physics, 121(24):244904, 2017.</a:t>
+              </a:r>
+            </a:p>
+            <a:p>
+              <a:pPr marL="518160" lvl="1" indent="-259080" algn="l">
+                <a:lnSpc>
+                  <a:spcPts val="2879"/>
+                </a:lnSpc>
+                <a:buFont typeface="Arial"/>
+                <a:buChar char="•"/>
+              </a:pPr>
+              <a:r>
+                <a:rPr lang="en-US" sz="2400">
+                  <a:solidFill>
+                    <a:srgbClr val="00305D"/>
+                  </a:solidFill>
+                  <a:latin typeface="Open Sans"/>
+                  <a:ea typeface="Open Sans"/>
+                  <a:cs typeface="Open Sans"/>
+                  <a:sym typeface="Open Sans"/>
+                </a:rPr>
+                <a:t>[SCM24] Aaron Shih, Mathias Casiulis, and Stefano Martiniani. Fast generation of spectrally shaped disorder. Phys. Rev. E, 110:034122, Sep 2024.</a:t>
               </a:r>
             </a:p>
           </p:txBody>
@@ -5779,12 +6299,12 @@
       </p:grpSp>
       <p:sp>
         <p:nvSpPr>
-          <p:cNvPr name="TextBox 10" id="10"/>
-          <p:cNvSpPr txBox="true"/>
+          <p:cNvPr id="10" name="TextBox 10"/>
+          <p:cNvSpPr txBox="1"/>
           <p:nvPr/>
         </p:nvSpPr>
         <p:spPr>
-          <a:xfrm rot="0">
+          <a:xfrm>
             <a:off x="10993470" y="9635487"/>
             <a:ext cx="152400" cy="171450"/>
           </a:xfrm>
@@ -5793,7 +6313,7 @@
           </a:prstGeom>
         </p:spPr>
         <p:txBody>
-          <a:bodyPr anchor="t" rtlCol="false" tIns="0" lIns="0" bIns="0" rIns="0" wrap="none">
+          <a:bodyPr wrap="none" lIns="0" tIns="0" rIns="0" bIns="0" rtlCol="0" anchor="t">
             <a:spAutoFit/>
           </a:bodyPr>
           <a:lstStyle/>
@@ -5816,19 +6336,19 @@
                 <a:cs typeface="Canva Sans"/>
                 <a:sym typeface="Canva Sans"/>
               </a:rPr>
-              <a:t>Page 13 of 14</a:t>
+              <a:t>Page 14 of 17</a:t>
             </a:r>
           </a:p>
         </p:txBody>
       </p:sp>
       <p:grpSp>
         <p:nvGrpSpPr>
-          <p:cNvPr name="Group 11" id="11"/>
+          <p:cNvPr id="11" name="Group 11"/>
           <p:cNvGrpSpPr/>
           <p:nvPr/>
         </p:nvGrpSpPr>
         <p:grpSpPr>
-          <a:xfrm rot="0">
+          <a:xfrm>
             <a:off x="3716655" y="9479695"/>
             <a:ext cx="6727507" cy="610270"/>
             <a:chOff x="0" y="0"/>
@@ -5837,12 +6357,12 @@
         </p:grpSpPr>
         <p:sp>
           <p:nvSpPr>
-            <p:cNvPr name="Freeform 12" id="12"/>
+            <p:cNvPr id="12" name="Freeform 12"/>
             <p:cNvSpPr/>
             <p:nvPr/>
           </p:nvSpPr>
           <p:spPr>
-            <a:xfrm flipH="false" flipV="false" rot="0">
+            <a:xfrm>
               <a:off x="0" y="0"/>
               <a:ext cx="8970010" cy="813693"/>
             </a:xfrm>
@@ -5851,9 +6371,9 @@
               <a:gdLst/>
               <a:ahLst/>
               <a:cxnLst/>
-              <a:rect r="r" b="b" t="t" l="l"/>
+              <a:rect l="l" t="t" r="r" b="b"/>
               <a:pathLst>
-                <a:path h="813693" w="8970010">
+                <a:path w="8970010" h="813693">
                   <a:moveTo>
                     <a:pt x="0" y="0"/>
                   </a:moveTo>
@@ -5879,8 +6399,8 @@
         </p:sp>
         <p:sp>
           <p:nvSpPr>
-            <p:cNvPr name="TextBox 13" id="13"/>
-            <p:cNvSpPr txBox="true"/>
+            <p:cNvPr id="13" name="TextBox 13"/>
+            <p:cNvSpPr txBox="1"/>
             <p:nvPr/>
           </p:nvSpPr>
           <p:spPr>
@@ -5893,7 +6413,7 @@
             </a:prstGeom>
           </p:spPr>
           <p:txBody>
-            <a:bodyPr anchor="b" rtlCol="false" tIns="0" lIns="0" bIns="0" rIns="0"/>
+            <a:bodyPr lIns="0" tIns="0" rIns="0" bIns="0" rtlCol="0" anchor="b"/>
             <a:lstStyle/>
             <a:p>
               <a:pPr algn="l">
@@ -5963,8 +6483,8 @@
 </p:sld>
 </file>
 
-<file path=ppt/slides/slide14.xml><?xml version="1.0" encoding="utf-8"?>
-<p:sld xmlns:p="http://schemas.openxmlformats.org/presentationml/2006/main" xmlns:a="http://schemas.openxmlformats.org/drawingml/2006/main" xmlns:r="http://schemas.openxmlformats.org/officeDocument/2006/relationships">
+<file path=ppt/slides/slide2.xml><?xml version="1.0" encoding="utf-8"?>
+<p:sld xmlns:a="http://schemas.openxmlformats.org/drawingml/2006/main" xmlns:r="http://schemas.openxmlformats.org/officeDocument/2006/relationships" xmlns:p="http://schemas.openxmlformats.org/presentationml/2006/main">
   <p:cSld>
     <p:spTree>
       <p:nvGrpSpPr>
@@ -5980,142 +6500,50 @@
           <a:chExt cx="0" cy="0"/>
         </a:xfrm>
       </p:grpSpPr>
-      <p:sp>
-        <p:nvSpPr>
-          <p:cNvPr name="Freeform 2" id="2"/>
-          <p:cNvSpPr/>
-          <p:nvPr/>
-        </p:nvSpPr>
-        <p:spPr>
-          <a:xfrm flipH="false" flipV="false" rot="0">
-            <a:off x="757300" y="9501072"/>
-            <a:ext cx="1674276" cy="486000"/>
-          </a:xfrm>
-          <a:custGeom>
-            <a:avLst/>
-            <a:gdLst/>
-            <a:ahLst/>
-            <a:cxnLst/>
-            <a:rect r="r" b="b" t="t" l="l"/>
-            <a:pathLst>
-              <a:path h="486000" w="1674276">
-                <a:moveTo>
-                  <a:pt x="0" y="0"/>
-                </a:moveTo>
-                <a:lnTo>
-                  <a:pt x="1674276" y="0"/>
-                </a:lnTo>
-                <a:lnTo>
-                  <a:pt x="1674276" y="486000"/>
-                </a:lnTo>
-                <a:lnTo>
-                  <a:pt x="0" y="486000"/>
-                </a:lnTo>
-                <a:lnTo>
-                  <a:pt x="0" y="0"/>
-                </a:lnTo>
-                <a:close/>
-              </a:path>
-            </a:pathLst>
-          </a:custGeom>
-          <a:blipFill>
-            <a:blip r:embed="rId2"/>
-            <a:stretch>
-              <a:fillRect l="-53" t="0" r="-53" b="0"/>
-            </a:stretch>
-          </a:blipFill>
-        </p:spPr>
-      </p:sp>
-      <p:sp>
-        <p:nvSpPr>
-          <p:cNvPr name="Freeform 3" id="3"/>
-          <p:cNvSpPr/>
-          <p:nvPr/>
-        </p:nvSpPr>
-        <p:spPr>
-          <a:xfrm flipH="false" flipV="false" rot="0">
-            <a:off x="16382397" y="9473664"/>
-            <a:ext cx="1455718" cy="540000"/>
-          </a:xfrm>
-          <a:custGeom>
-            <a:avLst/>
-            <a:gdLst/>
-            <a:ahLst/>
-            <a:cxnLst/>
-            <a:rect r="r" b="b" t="t" l="l"/>
-            <a:pathLst>
-              <a:path h="540000" w="1455718">
-                <a:moveTo>
-                  <a:pt x="0" y="0"/>
-                </a:moveTo>
-                <a:lnTo>
-                  <a:pt x="1455719" y="0"/>
-                </a:lnTo>
-                <a:lnTo>
-                  <a:pt x="1455719" y="540000"/>
-                </a:lnTo>
-                <a:lnTo>
-                  <a:pt x="0" y="540000"/>
-                </a:lnTo>
-                <a:lnTo>
-                  <a:pt x="0" y="0"/>
-                </a:lnTo>
-                <a:close/>
-              </a:path>
-            </a:pathLst>
-          </a:custGeom>
-          <a:blipFill>
-            <a:blip r:embed="rId3"/>
-            <a:stretch>
-              <a:fillRect l="0" t="-328" r="0" b="-328"/>
-            </a:stretch>
-          </a:blipFill>
-        </p:spPr>
-      </p:sp>
       <p:grpSp>
         <p:nvGrpSpPr>
-          <p:cNvPr name="Group 4" id="4"/>
+          <p:cNvPr id="2" name="Group 2"/>
           <p:cNvGrpSpPr/>
           <p:nvPr/>
         </p:nvGrpSpPr>
         <p:grpSpPr>
-          <a:xfrm rot="0">
-            <a:off x="1312068" y="519112"/>
-            <a:ext cx="15871030" cy="1295399"/>
+          <a:xfrm>
+            <a:off x="3716655" y="9479695"/>
+            <a:ext cx="6727507" cy="610270"/>
             <a:chOff x="0" y="0"/>
-            <a:chExt cx="21161374" cy="1727199"/>
+            <a:chExt cx="8970010" cy="813693"/>
           </a:xfrm>
         </p:grpSpPr>
         <p:sp>
           <p:nvSpPr>
-            <p:cNvPr name="Freeform 5" id="5"/>
+            <p:cNvPr id="3" name="Freeform 3"/>
             <p:cNvSpPr/>
             <p:nvPr/>
           </p:nvSpPr>
           <p:spPr>
-            <a:xfrm flipH="false" flipV="false" rot="0">
+            <a:xfrm>
               <a:off x="0" y="0"/>
-              <a:ext cx="21161373" cy="1727199"/>
+              <a:ext cx="8970010" cy="813693"/>
             </a:xfrm>
             <a:custGeom>
               <a:avLst/>
               <a:gdLst/>
               <a:ahLst/>
               <a:cxnLst/>
-              <a:rect r="r" b="b" t="t" l="l"/>
+              <a:rect l="l" t="t" r="r" b="b"/>
               <a:pathLst>
-                <a:path h="1727199" w="21161373">
+                <a:path w="8970010" h="813693">
                   <a:moveTo>
                     <a:pt x="0" y="0"/>
                   </a:moveTo>
                   <a:lnTo>
-                    <a:pt x="21161373" y="0"/>
-                  </a:lnTo>
-                  <a:lnTo>
-                    <a:pt x="21161373" y="1727199"/>
-                  </a:lnTo>
-                  <a:lnTo>
-                    <a:pt x="0" y="1727199"/>
+                    <a:pt x="8970010" y="0"/>
+                  </a:lnTo>
+                  <a:lnTo>
+                    <a:pt x="8970010" y="813693"/>
+                  </a:lnTo>
+                  <a:lnTo>
+                    <a:pt x="0" y="813693"/>
                   </a:lnTo>
                   <a:close/>
                 </a:path>
@@ -6130,88 +6558,218 @@
         </p:sp>
         <p:sp>
           <p:nvSpPr>
-            <p:cNvPr name="TextBox 6" id="6"/>
-            <p:cNvSpPr txBox="true"/>
+            <p:cNvPr id="4" name="TextBox 4"/>
+            <p:cNvSpPr txBox="1"/>
             <p:nvPr/>
           </p:nvSpPr>
           <p:spPr>
             <a:xfrm>
               <a:off x="0" y="0"/>
-              <a:ext cx="21161374" cy="1727199"/>
+              <a:ext cx="8970010" cy="813693"/>
             </a:xfrm>
             <a:prstGeom prst="rect">
               <a:avLst/>
             </a:prstGeom>
           </p:spPr>
           <p:txBody>
-            <a:bodyPr anchor="t" rtlCol="false" tIns="0" lIns="0" bIns="0" rIns="0"/>
+            <a:bodyPr lIns="0" tIns="0" rIns="0" bIns="0" rtlCol="0" anchor="b"/>
             <a:lstStyle/>
             <a:p>
               <a:pPr algn="l">
                 <a:lnSpc>
-                  <a:spcPts val="4320"/>
+                  <a:spcPts val="1439"/>
                 </a:lnSpc>
               </a:pPr>
               <a:r>
-                <a:rPr lang="en-US" sz="3600" b="true">
+                <a:rPr lang="en-US" sz="1200">
                   <a:solidFill>
-                    <a:srgbClr val="00305D"/>
+                    <a:srgbClr val="727277"/>
                   </a:solidFill>
-                  <a:latin typeface="Open Sans Bold"/>
-                  <a:ea typeface="Open Sans Bold"/>
-                  <a:cs typeface="Open Sans Bold"/>
-                  <a:sym typeface="Open Sans Bold"/>
+                  <a:latin typeface="Open Sans"/>
+                  <a:ea typeface="Open Sans"/>
+                  <a:cs typeface="Open Sans"/>
+                  <a:sym typeface="Open Sans"/>
                 </a:rPr>
-                <a:t>Literature</a:t>
+                <a:t>Hyperuniformity</a:t>
+              </a:r>
+            </a:p>
+            <a:p>
+              <a:pPr algn="l">
+                <a:lnSpc>
+                  <a:spcPts val="1439"/>
+                </a:lnSpc>
+              </a:pPr>
+              <a:r>
+                <a:rPr lang="en-US" sz="1200">
+                  <a:solidFill>
+                    <a:srgbClr val="727277"/>
+                  </a:solidFill>
+                  <a:latin typeface="Open Sans"/>
+                  <a:ea typeface="Open Sans"/>
+                  <a:cs typeface="Open Sans"/>
+                  <a:sym typeface="Open Sans"/>
+                </a:rPr>
+                <a:t>Generation of hyperuniform structures and their analysis</a:t>
+              </a:r>
+            </a:p>
+            <a:p>
+              <a:pPr algn="l">
+                <a:lnSpc>
+                  <a:spcPts val="1439"/>
+                </a:lnSpc>
+              </a:pPr>
+              <a:r>
+                <a:rPr lang="en-US" sz="1200">
+                  <a:solidFill>
+                    <a:srgbClr val="727277"/>
+                  </a:solidFill>
+                  <a:latin typeface="Open Sans"/>
+                  <a:ea typeface="Open Sans"/>
+                  <a:cs typeface="Open Sans"/>
+                  <a:sym typeface="Open Sans"/>
+                </a:rPr>
+                <a:t>MOD-SEM SuSe25 // May 12, 2025</a:t>
               </a:r>
             </a:p>
           </p:txBody>
         </p:sp>
       </p:grpSp>
+      <p:sp>
+        <p:nvSpPr>
+          <p:cNvPr id="5" name="Freeform 5"/>
+          <p:cNvSpPr/>
+          <p:nvPr/>
+        </p:nvSpPr>
+        <p:spPr>
+          <a:xfrm>
+            <a:off x="757300" y="9501072"/>
+            <a:ext cx="1674276" cy="486000"/>
+          </a:xfrm>
+          <a:custGeom>
+            <a:avLst/>
+            <a:gdLst/>
+            <a:ahLst/>
+            <a:cxnLst/>
+            <a:rect l="l" t="t" r="r" b="b"/>
+            <a:pathLst>
+              <a:path w="1674276" h="486000">
+                <a:moveTo>
+                  <a:pt x="0" y="0"/>
+                </a:moveTo>
+                <a:lnTo>
+                  <a:pt x="1674276" y="0"/>
+                </a:lnTo>
+                <a:lnTo>
+                  <a:pt x="1674276" y="486000"/>
+                </a:lnTo>
+                <a:lnTo>
+                  <a:pt x="0" y="486000"/>
+                </a:lnTo>
+                <a:lnTo>
+                  <a:pt x="0" y="0"/>
+                </a:lnTo>
+                <a:close/>
+              </a:path>
+            </a:pathLst>
+          </a:custGeom>
+          <a:blipFill>
+            <a:blip r:embed="rId2"/>
+            <a:stretch>
+              <a:fillRect l="-53" r="-53"/>
+            </a:stretch>
+          </a:blipFill>
+        </p:spPr>
+      </p:sp>
+      <p:sp>
+        <p:nvSpPr>
+          <p:cNvPr id="6" name="Freeform 6"/>
+          <p:cNvSpPr/>
+          <p:nvPr/>
+        </p:nvSpPr>
+        <p:spPr>
+          <a:xfrm>
+            <a:off x="16382397" y="9473664"/>
+            <a:ext cx="1455718" cy="540000"/>
+          </a:xfrm>
+          <a:custGeom>
+            <a:avLst/>
+            <a:gdLst/>
+            <a:ahLst/>
+            <a:cxnLst/>
+            <a:rect l="l" t="t" r="r" b="b"/>
+            <a:pathLst>
+              <a:path w="1455718" h="540000">
+                <a:moveTo>
+                  <a:pt x="0" y="0"/>
+                </a:moveTo>
+                <a:lnTo>
+                  <a:pt x="1455719" y="0"/>
+                </a:lnTo>
+                <a:lnTo>
+                  <a:pt x="1455719" y="540000"/>
+                </a:lnTo>
+                <a:lnTo>
+                  <a:pt x="0" y="540000"/>
+                </a:lnTo>
+                <a:lnTo>
+                  <a:pt x="0" y="0"/>
+                </a:lnTo>
+                <a:close/>
+              </a:path>
+            </a:pathLst>
+          </a:custGeom>
+          <a:blipFill>
+            <a:blip r:embed="rId3"/>
+            <a:stretch>
+              <a:fillRect t="-328" b="-328"/>
+            </a:stretch>
+          </a:blipFill>
+        </p:spPr>
+      </p:sp>
       <p:grpSp>
         <p:nvGrpSpPr>
-          <p:cNvPr name="Group 7" id="7"/>
+          <p:cNvPr id="7" name="Group 7"/>
           <p:cNvGrpSpPr/>
           <p:nvPr/>
         </p:nvGrpSpPr>
         <p:grpSpPr>
-          <a:xfrm rot="0">
-            <a:off x="1312067" y="2226470"/>
-            <a:ext cx="15871032" cy="6517481"/>
+          <a:xfrm>
+            <a:off x="1312068" y="519112"/>
+            <a:ext cx="15871030" cy="1026319"/>
             <a:chOff x="0" y="0"/>
-            <a:chExt cx="21161376" cy="8689974"/>
+            <a:chExt cx="21161374" cy="1368426"/>
           </a:xfrm>
         </p:grpSpPr>
         <p:sp>
           <p:nvSpPr>
-            <p:cNvPr name="Freeform 8" id="8"/>
+            <p:cNvPr id="8" name="Freeform 8"/>
             <p:cNvSpPr/>
             <p:nvPr/>
           </p:nvSpPr>
           <p:spPr>
-            <a:xfrm flipH="false" flipV="false" rot="0">
+            <a:xfrm>
               <a:off x="0" y="0"/>
-              <a:ext cx="21161377" cy="8689974"/>
+              <a:ext cx="21161373" cy="1368426"/>
             </a:xfrm>
             <a:custGeom>
               <a:avLst/>
               <a:gdLst/>
               <a:ahLst/>
               <a:cxnLst/>
-              <a:rect r="r" b="b" t="t" l="l"/>
+              <a:rect l="l" t="t" r="r" b="b"/>
               <a:pathLst>
-                <a:path h="8689974" w="21161377">
+                <a:path w="21161373" h="1368426">
                   <a:moveTo>
                     <a:pt x="0" y="0"/>
                   </a:moveTo>
                   <a:lnTo>
-                    <a:pt x="21161377" y="0"/>
-                  </a:lnTo>
-                  <a:lnTo>
-                    <a:pt x="21161377" y="8689974"/>
-                  </a:lnTo>
-                  <a:lnTo>
-                    <a:pt x="0" y="8689974"/>
+                    <a:pt x="21161373" y="0"/>
+                  </a:lnTo>
+                  <a:lnTo>
+                    <a:pt x="21161373" y="1368426"/>
+                  </a:lnTo>
+                  <a:lnTo>
+                    <a:pt x="0" y="1368426"/>
                   </a:lnTo>
                   <a:close/>
                 </a:path>
@@ -6226,29 +6784,133 @@
         </p:sp>
         <p:sp>
           <p:nvSpPr>
-            <p:cNvPr name="TextBox 9" id="9"/>
-            <p:cNvSpPr txBox="true"/>
+            <p:cNvPr id="9" name="TextBox 9"/>
+            <p:cNvSpPr txBox="1"/>
             <p:nvPr/>
           </p:nvSpPr>
           <p:spPr>
             <a:xfrm>
-              <a:off x="0" y="9525"/>
-              <a:ext cx="21161376" cy="8680449"/>
+              <a:off x="0" y="0"/>
+              <a:ext cx="21161374" cy="1368426"/>
             </a:xfrm>
             <a:prstGeom prst="rect">
               <a:avLst/>
             </a:prstGeom>
           </p:spPr>
           <p:txBody>
-            <a:bodyPr anchor="t" rtlCol="false" tIns="0" lIns="0" bIns="0" rIns="0"/>
+            <a:bodyPr lIns="0" tIns="0" rIns="0" bIns="0" rtlCol="0" anchor="t"/>
             <a:lstStyle/>
             <a:p>
-              <a:pPr algn="l" marL="518160" indent="-259080" lvl="1">
-                <a:lnSpc>
-                  <a:spcPts val="2879"/>
+              <a:pPr algn="l">
+                <a:lnSpc>
+                  <a:spcPts val="4320"/>
+                </a:lnSpc>
+              </a:pPr>
+              <a:r>
+                <a:rPr lang="en-US" sz="3600" b="1">
+                  <a:solidFill>
+                    <a:srgbClr val="00305D"/>
+                  </a:solidFill>
+                  <a:latin typeface="Open Sans Bold"/>
+                  <a:ea typeface="Open Sans Bold"/>
+                  <a:cs typeface="Open Sans Bold"/>
+                  <a:sym typeface="Open Sans Bold"/>
+                </a:rPr>
+                <a:t>Contents -Phase 1</a:t>
+              </a:r>
+            </a:p>
+          </p:txBody>
+        </p:sp>
+      </p:grpSp>
+      <p:grpSp>
+        <p:nvGrpSpPr>
+          <p:cNvPr id="10" name="Group 10"/>
+          <p:cNvGrpSpPr/>
+          <p:nvPr/>
+        </p:nvGrpSpPr>
+        <p:grpSpPr>
+          <a:xfrm>
+            <a:off x="1388268" y="2250808"/>
+            <a:ext cx="15871032" cy="6517481"/>
+            <a:chOff x="0" y="0"/>
+            <a:chExt cx="21161376" cy="8689974"/>
+          </a:xfrm>
+        </p:grpSpPr>
+        <p:sp>
+          <p:nvSpPr>
+            <p:cNvPr id="11" name="Freeform 11"/>
+            <p:cNvSpPr/>
+            <p:nvPr/>
+          </p:nvSpPr>
+          <p:spPr>
+            <a:xfrm>
+              <a:off x="0" y="0"/>
+              <a:ext cx="21161377" cy="8689974"/>
+            </a:xfrm>
+            <a:custGeom>
+              <a:avLst/>
+              <a:gdLst/>
+              <a:ahLst/>
+              <a:cxnLst/>
+              <a:rect l="l" t="t" r="r" b="b"/>
+              <a:pathLst>
+                <a:path w="21161377" h="8689974">
+                  <a:moveTo>
+                    <a:pt x="0" y="0"/>
+                  </a:moveTo>
+                  <a:lnTo>
+                    <a:pt x="21161377" y="0"/>
+                  </a:lnTo>
+                  <a:lnTo>
+                    <a:pt x="21161377" y="8689974"/>
+                  </a:lnTo>
+                  <a:lnTo>
+                    <a:pt x="0" y="8689974"/>
+                  </a:lnTo>
+                  <a:close/>
+                </a:path>
+              </a:pathLst>
+            </a:custGeom>
+            <a:solidFill>
+              <a:srgbClr val="000000">
+                <a:alpha val="0"/>
+              </a:srgbClr>
+            </a:solidFill>
+          </p:spPr>
+        </p:sp>
+        <p:sp>
+          <p:nvSpPr>
+            <p:cNvPr id="12" name="TextBox 12"/>
+            <p:cNvSpPr txBox="1"/>
+            <p:nvPr/>
+          </p:nvSpPr>
+          <p:spPr>
+            <a:xfrm>
+              <a:off x="0" y="-85725"/>
+              <a:ext cx="21161376" cy="8775699"/>
+            </a:xfrm>
+            <a:prstGeom prst="rect">
+              <a:avLst/>
+            </a:prstGeom>
+          </p:spPr>
+          <p:txBody>
+            <a:bodyPr lIns="0" tIns="0" rIns="0" bIns="0" rtlCol="0" anchor="t"/>
+            <a:lstStyle/>
+            <a:p>
+              <a:pPr algn="l">
+                <a:lnSpc>
+                  <a:spcPts val="3816"/>
+                </a:lnSpc>
+              </a:pPr>
+              <a:endParaRPr/>
+            </a:p>
+            <a:p>
+              <a:pPr marL="518160" lvl="3" indent="-129540" algn="l">
+                <a:lnSpc>
+                  <a:spcPts val="3816"/>
                 </a:lnSpc>
                 <a:buFont typeface="Arial"/>
-                <a:buChar char="•"/>
+                <a:buChar char="￭"/>
               </a:pPr>
               <a:r>
                 <a:rPr lang="en-US" sz="2400">
@@ -6260,16 +6922,16 @@
                   <a:cs typeface="Open Sans"/>
                   <a:sym typeface="Open Sans"/>
                 </a:rPr>
-                <a:t>[Tor18] Salvatore Torquato. Hyperuniform states of matter. Physics Reports, 745:1–95, 2018. Hyperuniform States of Matter.</a:t>
+                <a:t>Introduction to hyperuniformity</a:t>
               </a:r>
             </a:p>
             <a:p>
-              <a:pPr algn="l" marL="518160" indent="-259080" lvl="1">
-                <a:lnSpc>
-                  <a:spcPts val="2879"/>
+              <a:pPr marL="518160" lvl="3" indent="-129540" algn="l">
+                <a:lnSpc>
+                  <a:spcPts val="3816"/>
                 </a:lnSpc>
                 <a:buFont typeface="Arial"/>
-                <a:buChar char="•"/>
+                <a:buChar char="￭"/>
               </a:pPr>
               <a:r>
                 <a:rPr lang="en-US" sz="2400">
@@ -6281,16 +6943,16 @@
                   <a:cs typeface="Open Sans"/>
                   <a:sym typeface="Open Sans"/>
                 </a:rPr>
-                <a:t>[SSDV24] Marco Salvalaglio, Dominic J. Skinner, Jörn Dunkel, and Axel Voigt. Persistent homology and topological statistics of hyperuniform point clouds. Phys. Rev. Res., 6:023107, May 2024.</a:t>
+                <a:t>Generation of hyperuniform structures and their analysis</a:t>
               </a:r>
             </a:p>
             <a:p>
-              <a:pPr algn="l" marL="518160" indent="-259080" lvl="1">
-                <a:lnSpc>
-                  <a:spcPts val="2879"/>
+              <a:pPr marL="1036320" lvl="2" indent="-345440" algn="l">
+                <a:lnSpc>
+                  <a:spcPts val="3816"/>
                 </a:lnSpc>
                 <a:buFont typeface="Arial"/>
-                <a:buChar char="•"/>
+                <a:buChar char="⚬"/>
               </a:pPr>
               <a:r>
                 <a:rPr lang="en-US" sz="2400">
@@ -6302,16 +6964,16 @@
                   <a:cs typeface="Open Sans"/>
                   <a:sym typeface="Open Sans"/>
                 </a:rPr>
-                <a:t>[MT17] Zheng Ma and Salvatore Torquato. Random scalar fields and hyperuniformity. Journal of Applied Physics, 121(24):244904, 2017.</a:t>
+                <a:t>Generation of HU point patterns</a:t>
               </a:r>
             </a:p>
             <a:p>
-              <a:pPr algn="l" marL="518160" indent="-259080" lvl="1">
-                <a:lnSpc>
-                  <a:spcPts val="2879"/>
+              <a:pPr marL="1036320" lvl="2" indent="-345440" algn="l">
+                <a:lnSpc>
+                  <a:spcPts val="3816"/>
                 </a:lnSpc>
                 <a:buFont typeface="Arial"/>
-                <a:buChar char="•"/>
+                <a:buChar char="⚬"/>
               </a:pPr>
               <a:r>
                 <a:rPr lang="en-US" sz="2400">
@@ -6323,7 +6985,70 @@
                   <a:cs typeface="Open Sans"/>
                   <a:sym typeface="Open Sans"/>
                 </a:rPr>
-                <a:t>[SCM24] Aaron Shih, Mathias Casiulis, and Stefano Martiniani. Fast generation of spectrally shaped disorder. Phys. Rev. E, 110:034122, Sep 2024.</a:t>
+                <a:t>...</a:t>
+              </a:r>
+            </a:p>
+            <a:p>
+              <a:pPr marL="1036320" lvl="2" indent="-345440" algn="l">
+                <a:lnSpc>
+                  <a:spcPts val="3816"/>
+                </a:lnSpc>
+                <a:buFont typeface="Arial"/>
+                <a:buChar char="⚬"/>
+              </a:pPr>
+              <a:r>
+                <a:rPr lang="en-US" sz="2400">
+                  <a:solidFill>
+                    <a:srgbClr val="00305D"/>
+                  </a:solidFill>
+                  <a:latin typeface="Open Sans"/>
+                  <a:ea typeface="Open Sans"/>
+                  <a:cs typeface="Open Sans"/>
+                  <a:sym typeface="Open Sans"/>
+                </a:rPr>
+                <a:t>...</a:t>
+              </a:r>
+            </a:p>
+            <a:p>
+              <a:pPr marL="1036320" lvl="2" indent="-345440" algn="l">
+                <a:lnSpc>
+                  <a:spcPts val="3816"/>
+                </a:lnSpc>
+                <a:buFont typeface="Arial"/>
+                <a:buChar char="⚬"/>
+              </a:pPr>
+              <a:r>
+                <a:rPr lang="en-US" sz="2400">
+                  <a:solidFill>
+                    <a:srgbClr val="00305D"/>
+                  </a:solidFill>
+                  <a:latin typeface="Open Sans"/>
+                  <a:ea typeface="Open Sans"/>
+                  <a:cs typeface="Open Sans"/>
+                  <a:sym typeface="Open Sans"/>
+                </a:rPr>
+                <a:t>...</a:t>
+              </a:r>
+            </a:p>
+            <a:p>
+              <a:pPr marL="434340" lvl="3" indent="-108585" algn="l">
+                <a:lnSpc>
+                  <a:spcPts val="3816"/>
+                </a:lnSpc>
+                <a:buFont typeface="Arial"/>
+                <a:buChar char="￭"/>
+              </a:pPr>
+              <a:r>
+                <a:rPr lang="en-US" sz="2400">
+                  <a:solidFill>
+                    <a:srgbClr val="00305D"/>
+                  </a:solidFill>
+                  <a:latin typeface="Open Sans"/>
+                  <a:ea typeface="Open Sans"/>
+                  <a:cs typeface="Open Sans"/>
+                  <a:sym typeface="Open Sans"/>
+                </a:rPr>
+                <a:t>Literature </a:t>
               </a:r>
             </a:p>
           </p:txBody>
@@ -6331,12 +7056,12 @@
       </p:grpSp>
       <p:sp>
         <p:nvSpPr>
-          <p:cNvPr name="TextBox 10" id="10"/>
-          <p:cNvSpPr txBox="true"/>
+          <p:cNvPr id="13" name="TextBox 13"/>
+          <p:cNvSpPr txBox="1"/>
           <p:nvPr/>
         </p:nvSpPr>
         <p:spPr>
-          <a:xfrm rot="0">
+          <a:xfrm>
             <a:off x="10993470" y="9635487"/>
             <a:ext cx="152400" cy="171450"/>
           </a:xfrm>
@@ -6345,7 +7070,7 @@
           </a:prstGeom>
         </p:spPr>
         <p:txBody>
-          <a:bodyPr anchor="t" rtlCol="false" tIns="0" lIns="0" bIns="0" rIns="0" wrap="none">
+          <a:bodyPr wrap="none" lIns="0" tIns="0" rIns="0" bIns="0" rtlCol="0" anchor="t">
             <a:spAutoFit/>
           </a:bodyPr>
           <a:lstStyle/>
@@ -6368,145 +7093,11 @@
                 <a:cs typeface="Canva Sans"/>
                 <a:sym typeface="Canva Sans"/>
               </a:rPr>
-              <a:t>Page 14 of 14</a:t>
+              <a:t>Page 2 of 17</a:t>
             </a:r>
           </a:p>
         </p:txBody>
       </p:sp>
-      <p:grpSp>
-        <p:nvGrpSpPr>
-          <p:cNvPr name="Group 11" id="11"/>
-          <p:cNvGrpSpPr/>
-          <p:nvPr/>
-        </p:nvGrpSpPr>
-        <p:grpSpPr>
-          <a:xfrm rot="0">
-            <a:off x="3716655" y="9479695"/>
-            <a:ext cx="6727507" cy="610270"/>
-            <a:chOff x="0" y="0"/>
-            <a:chExt cx="8970010" cy="813693"/>
-          </a:xfrm>
-        </p:grpSpPr>
-        <p:sp>
-          <p:nvSpPr>
-            <p:cNvPr name="Freeform 12" id="12"/>
-            <p:cNvSpPr/>
-            <p:nvPr/>
-          </p:nvSpPr>
-          <p:spPr>
-            <a:xfrm flipH="false" flipV="false" rot="0">
-              <a:off x="0" y="0"/>
-              <a:ext cx="8970010" cy="813693"/>
-            </a:xfrm>
-            <a:custGeom>
-              <a:avLst/>
-              <a:gdLst/>
-              <a:ahLst/>
-              <a:cxnLst/>
-              <a:rect r="r" b="b" t="t" l="l"/>
-              <a:pathLst>
-                <a:path h="813693" w="8970010">
-                  <a:moveTo>
-                    <a:pt x="0" y="0"/>
-                  </a:moveTo>
-                  <a:lnTo>
-                    <a:pt x="8970010" y="0"/>
-                  </a:lnTo>
-                  <a:lnTo>
-                    <a:pt x="8970010" y="813693"/>
-                  </a:lnTo>
-                  <a:lnTo>
-                    <a:pt x="0" y="813693"/>
-                  </a:lnTo>
-                  <a:close/>
-                </a:path>
-              </a:pathLst>
-            </a:custGeom>
-            <a:solidFill>
-              <a:srgbClr val="000000">
-                <a:alpha val="0"/>
-              </a:srgbClr>
-            </a:solidFill>
-          </p:spPr>
-        </p:sp>
-        <p:sp>
-          <p:nvSpPr>
-            <p:cNvPr name="TextBox 13" id="13"/>
-            <p:cNvSpPr txBox="true"/>
-            <p:nvPr/>
-          </p:nvSpPr>
-          <p:spPr>
-            <a:xfrm>
-              <a:off x="0" y="0"/>
-              <a:ext cx="8970010" cy="813693"/>
-            </a:xfrm>
-            <a:prstGeom prst="rect">
-              <a:avLst/>
-            </a:prstGeom>
-          </p:spPr>
-          <p:txBody>
-            <a:bodyPr anchor="b" rtlCol="false" tIns="0" lIns="0" bIns="0" rIns="0"/>
-            <a:lstStyle/>
-            <a:p>
-              <a:pPr algn="l">
-                <a:lnSpc>
-                  <a:spcPts val="1439"/>
-                </a:lnSpc>
-              </a:pPr>
-              <a:r>
-                <a:rPr lang="en-US" sz="1200">
-                  <a:solidFill>
-                    <a:srgbClr val="727277"/>
-                  </a:solidFill>
-                  <a:latin typeface="Open Sans"/>
-                  <a:ea typeface="Open Sans"/>
-                  <a:cs typeface="Open Sans"/>
-                  <a:sym typeface="Open Sans"/>
-                </a:rPr>
-                <a:t>Hyperuniformity</a:t>
-              </a:r>
-            </a:p>
-            <a:p>
-              <a:pPr algn="l">
-                <a:lnSpc>
-                  <a:spcPts val="1439"/>
-                </a:lnSpc>
-              </a:pPr>
-              <a:r>
-                <a:rPr lang="en-US" sz="1200">
-                  <a:solidFill>
-                    <a:srgbClr val="727277"/>
-                  </a:solidFill>
-                  <a:latin typeface="Open Sans"/>
-                  <a:ea typeface="Open Sans"/>
-                  <a:cs typeface="Open Sans"/>
-                  <a:sym typeface="Open Sans"/>
-                </a:rPr>
-                <a:t>Generation of hyperuniform structures and their analysis</a:t>
-              </a:r>
-            </a:p>
-            <a:p>
-              <a:pPr algn="l">
-                <a:lnSpc>
-                  <a:spcPts val="1439"/>
-                </a:lnSpc>
-              </a:pPr>
-              <a:r>
-                <a:rPr lang="en-US" sz="1200">
-                  <a:solidFill>
-                    <a:srgbClr val="727277"/>
-                  </a:solidFill>
-                  <a:latin typeface="Open Sans"/>
-                  <a:ea typeface="Open Sans"/>
-                  <a:cs typeface="Open Sans"/>
-                  <a:sym typeface="Open Sans"/>
-                </a:rPr>
-                <a:t>MOD-SEM SuSe25 // May 12, 2025</a:t>
-              </a:r>
-            </a:p>
-          </p:txBody>
-        </p:sp>
-      </p:grpSp>
     </p:spTree>
   </p:cSld>
   <p:clrMapOvr>
@@ -6515,8 +7106,8 @@
 </p:sld>
 </file>
 
-<file path=ppt/slides/slide2.xml><?xml version="1.0" encoding="utf-8"?>
-<p:sld xmlns:p="http://schemas.openxmlformats.org/presentationml/2006/main" xmlns:a="http://schemas.openxmlformats.org/drawingml/2006/main" xmlns:r="http://schemas.openxmlformats.org/officeDocument/2006/relationships">
+<file path=ppt/slides/slide3.xml><?xml version="1.0" encoding="utf-8"?>
+<p:sld xmlns:a="http://schemas.openxmlformats.org/drawingml/2006/main" xmlns:r="http://schemas.openxmlformats.org/officeDocument/2006/relationships" xmlns:p="http://schemas.openxmlformats.org/presentationml/2006/main">
   <p:cSld>
     <p:spTree>
       <p:nvGrpSpPr>
@@ -6532,50 +7123,142 @@
           <a:chExt cx="0" cy="0"/>
         </a:xfrm>
       </p:grpSpPr>
+      <p:sp>
+        <p:nvSpPr>
+          <p:cNvPr id="2" name="Freeform 2"/>
+          <p:cNvSpPr/>
+          <p:nvPr/>
+        </p:nvSpPr>
+        <p:spPr>
+          <a:xfrm>
+            <a:off x="757300" y="9501072"/>
+            <a:ext cx="1674276" cy="486000"/>
+          </a:xfrm>
+          <a:custGeom>
+            <a:avLst/>
+            <a:gdLst/>
+            <a:ahLst/>
+            <a:cxnLst/>
+            <a:rect l="l" t="t" r="r" b="b"/>
+            <a:pathLst>
+              <a:path w="1674276" h="486000">
+                <a:moveTo>
+                  <a:pt x="0" y="0"/>
+                </a:moveTo>
+                <a:lnTo>
+                  <a:pt x="1674276" y="0"/>
+                </a:lnTo>
+                <a:lnTo>
+                  <a:pt x="1674276" y="486000"/>
+                </a:lnTo>
+                <a:lnTo>
+                  <a:pt x="0" y="486000"/>
+                </a:lnTo>
+                <a:lnTo>
+                  <a:pt x="0" y="0"/>
+                </a:lnTo>
+                <a:close/>
+              </a:path>
+            </a:pathLst>
+          </a:custGeom>
+          <a:blipFill>
+            <a:blip r:embed="rId2"/>
+            <a:stretch>
+              <a:fillRect l="-53" r="-53"/>
+            </a:stretch>
+          </a:blipFill>
+        </p:spPr>
+      </p:sp>
+      <p:sp>
+        <p:nvSpPr>
+          <p:cNvPr id="3" name="Freeform 3"/>
+          <p:cNvSpPr/>
+          <p:nvPr/>
+        </p:nvSpPr>
+        <p:spPr>
+          <a:xfrm>
+            <a:off x="16382397" y="9473664"/>
+            <a:ext cx="1455718" cy="540000"/>
+          </a:xfrm>
+          <a:custGeom>
+            <a:avLst/>
+            <a:gdLst/>
+            <a:ahLst/>
+            <a:cxnLst/>
+            <a:rect l="l" t="t" r="r" b="b"/>
+            <a:pathLst>
+              <a:path w="1455718" h="540000">
+                <a:moveTo>
+                  <a:pt x="0" y="0"/>
+                </a:moveTo>
+                <a:lnTo>
+                  <a:pt x="1455719" y="0"/>
+                </a:lnTo>
+                <a:lnTo>
+                  <a:pt x="1455719" y="540000"/>
+                </a:lnTo>
+                <a:lnTo>
+                  <a:pt x="0" y="540000"/>
+                </a:lnTo>
+                <a:lnTo>
+                  <a:pt x="0" y="0"/>
+                </a:lnTo>
+                <a:close/>
+              </a:path>
+            </a:pathLst>
+          </a:custGeom>
+          <a:blipFill>
+            <a:blip r:embed="rId3"/>
+            <a:stretch>
+              <a:fillRect t="-328" b="-328"/>
+            </a:stretch>
+          </a:blipFill>
+        </p:spPr>
+      </p:sp>
       <p:grpSp>
         <p:nvGrpSpPr>
-          <p:cNvPr name="Group 2" id="2"/>
+          <p:cNvPr id="4" name="Group 4"/>
           <p:cNvGrpSpPr/>
           <p:nvPr/>
         </p:nvGrpSpPr>
         <p:grpSpPr>
-          <a:xfrm rot="0">
-            <a:off x="3716655" y="9479695"/>
-            <a:ext cx="6727507" cy="610270"/>
+          <a:xfrm>
+            <a:off x="1312068" y="519112"/>
+            <a:ext cx="15871030" cy="1830809"/>
             <a:chOff x="0" y="0"/>
-            <a:chExt cx="8970010" cy="813693"/>
+            <a:chExt cx="21161374" cy="2441079"/>
           </a:xfrm>
         </p:grpSpPr>
         <p:sp>
           <p:nvSpPr>
-            <p:cNvPr name="Freeform 3" id="3"/>
+            <p:cNvPr id="5" name="Freeform 5"/>
             <p:cNvSpPr/>
             <p:nvPr/>
           </p:nvSpPr>
           <p:spPr>
-            <a:xfrm flipH="false" flipV="false" rot="0">
+            <a:xfrm>
               <a:off x="0" y="0"/>
-              <a:ext cx="8970010" cy="813693"/>
+              <a:ext cx="21161373" cy="2441079"/>
             </a:xfrm>
             <a:custGeom>
               <a:avLst/>
               <a:gdLst/>
               <a:ahLst/>
               <a:cxnLst/>
-              <a:rect r="r" b="b" t="t" l="l"/>
+              <a:rect l="l" t="t" r="r" b="b"/>
               <a:pathLst>
-                <a:path h="813693" w="8970010">
+                <a:path w="21161373" h="2441079">
                   <a:moveTo>
                     <a:pt x="0" y="0"/>
                   </a:moveTo>
                   <a:lnTo>
-                    <a:pt x="8970010" y="0"/>
-                  </a:lnTo>
-                  <a:lnTo>
-                    <a:pt x="8970010" y="813693"/>
-                  </a:lnTo>
-                  <a:lnTo>
-                    <a:pt x="0" y="813693"/>
+                    <a:pt x="21161373" y="0"/>
+                  </a:lnTo>
+                  <a:lnTo>
+                    <a:pt x="21161373" y="2441079"/>
+                  </a:lnTo>
+                  <a:lnTo>
+                    <a:pt x="0" y="2441079"/>
                   </a:lnTo>
                   <a:close/>
                 </a:path>
@@ -6590,218 +7273,107 @@
         </p:sp>
         <p:sp>
           <p:nvSpPr>
-            <p:cNvPr name="TextBox 4" id="4"/>
-            <p:cNvSpPr txBox="true"/>
+            <p:cNvPr id="6" name="TextBox 6"/>
+            <p:cNvSpPr txBox="1"/>
             <p:nvPr/>
           </p:nvSpPr>
           <p:spPr>
             <a:xfrm>
               <a:off x="0" y="0"/>
-              <a:ext cx="8970010" cy="813693"/>
+              <a:ext cx="21161374" cy="2441079"/>
             </a:xfrm>
             <a:prstGeom prst="rect">
               <a:avLst/>
             </a:prstGeom>
           </p:spPr>
           <p:txBody>
-            <a:bodyPr anchor="b" rtlCol="false" tIns="0" lIns="0" bIns="0" rIns="0"/>
+            <a:bodyPr lIns="0" tIns="0" rIns="0" bIns="0" rtlCol="0" anchor="t"/>
             <a:lstStyle/>
             <a:p>
               <a:pPr algn="l">
                 <a:lnSpc>
-                  <a:spcPts val="1439"/>
+                  <a:spcPts val="4320"/>
                 </a:lnSpc>
               </a:pPr>
               <a:r>
-                <a:rPr lang="en-US" sz="1200">
+                <a:rPr lang="en-US" sz="3600" b="1">
                   <a:solidFill>
-                    <a:srgbClr val="727277"/>
+                    <a:srgbClr val="00305D"/>
                   </a:solidFill>
-                  <a:latin typeface="Open Sans"/>
-                  <a:ea typeface="Open Sans"/>
-                  <a:cs typeface="Open Sans"/>
-                  <a:sym typeface="Open Sans"/>
+                  <a:latin typeface="Open Sans Bold"/>
+                  <a:ea typeface="Open Sans Bold"/>
+                  <a:cs typeface="Open Sans Bold"/>
+                  <a:sym typeface="Open Sans Bold"/>
                 </a:rPr>
-                <a:t>Hyperuniformity</a:t>
+                <a:t>Introduction</a:t>
               </a:r>
             </a:p>
             <a:p>
               <a:pPr algn="l">
                 <a:lnSpc>
-                  <a:spcPts val="1439"/>
+                  <a:spcPts val="4320"/>
                 </a:lnSpc>
               </a:pPr>
               <a:r>
-                <a:rPr lang="en-US" sz="1200">
+                <a:rPr lang="en-US" sz="3600" i="1">
                   <a:solidFill>
-                    <a:srgbClr val="727277"/>
+                    <a:srgbClr val="00305D"/>
                   </a:solidFill>
-                  <a:latin typeface="Open Sans"/>
-                  <a:ea typeface="Open Sans"/>
-                  <a:cs typeface="Open Sans"/>
-                  <a:sym typeface="Open Sans"/>
+                  <a:latin typeface="Open Sans Italics"/>
+                  <a:ea typeface="Open Sans Italics"/>
+                  <a:cs typeface="Open Sans Italics"/>
+                  <a:sym typeface="Open Sans Italics"/>
                 </a:rPr>
-                <a:t>Generation of hyperuniform structures and their analysis</a:t>
-              </a:r>
-            </a:p>
-            <a:p>
-              <a:pPr algn="l">
-                <a:lnSpc>
-                  <a:spcPts val="1439"/>
-                </a:lnSpc>
-              </a:pPr>
-              <a:r>
-                <a:rPr lang="en-US" sz="1200">
-                  <a:solidFill>
-                    <a:srgbClr val="727277"/>
-                  </a:solidFill>
-                  <a:latin typeface="Open Sans"/>
-                  <a:ea typeface="Open Sans"/>
-                  <a:cs typeface="Open Sans"/>
-                  <a:sym typeface="Open Sans"/>
-                </a:rPr>
-                <a:t>MOD-SEM SuSe25 // May 12, 2025</a:t>
+                <a:t>Hyperuniform systems are defined by the suppression of density fluctuations over large spatial scales.</a:t>
               </a:r>
             </a:p>
           </p:txBody>
         </p:sp>
       </p:grpSp>
-      <p:sp>
-        <p:nvSpPr>
-          <p:cNvPr name="Freeform 5" id="5"/>
-          <p:cNvSpPr/>
-          <p:nvPr/>
-        </p:nvSpPr>
-        <p:spPr>
-          <a:xfrm flipH="false" flipV="false" rot="0">
-            <a:off x="757300" y="9501072"/>
-            <a:ext cx="1674276" cy="486000"/>
-          </a:xfrm>
-          <a:custGeom>
-            <a:avLst/>
-            <a:gdLst/>
-            <a:ahLst/>
-            <a:cxnLst/>
-            <a:rect r="r" b="b" t="t" l="l"/>
-            <a:pathLst>
-              <a:path h="486000" w="1674276">
-                <a:moveTo>
-                  <a:pt x="0" y="0"/>
-                </a:moveTo>
-                <a:lnTo>
-                  <a:pt x="1674276" y="0"/>
-                </a:lnTo>
-                <a:lnTo>
-                  <a:pt x="1674276" y="486000"/>
-                </a:lnTo>
-                <a:lnTo>
-                  <a:pt x="0" y="486000"/>
-                </a:lnTo>
-                <a:lnTo>
-                  <a:pt x="0" y="0"/>
-                </a:lnTo>
-                <a:close/>
-              </a:path>
-            </a:pathLst>
-          </a:custGeom>
-          <a:blipFill>
-            <a:blip r:embed="rId2"/>
-            <a:stretch>
-              <a:fillRect l="-53" t="0" r="-53" b="0"/>
-            </a:stretch>
-          </a:blipFill>
-        </p:spPr>
-      </p:sp>
-      <p:sp>
-        <p:nvSpPr>
-          <p:cNvPr name="Freeform 6" id="6"/>
-          <p:cNvSpPr/>
-          <p:nvPr/>
-        </p:nvSpPr>
-        <p:spPr>
-          <a:xfrm flipH="false" flipV="false" rot="0">
-            <a:off x="16382397" y="9473664"/>
-            <a:ext cx="1455718" cy="540000"/>
-          </a:xfrm>
-          <a:custGeom>
-            <a:avLst/>
-            <a:gdLst/>
-            <a:ahLst/>
-            <a:cxnLst/>
-            <a:rect r="r" b="b" t="t" l="l"/>
-            <a:pathLst>
-              <a:path h="540000" w="1455718">
-                <a:moveTo>
-                  <a:pt x="0" y="0"/>
-                </a:moveTo>
-                <a:lnTo>
-                  <a:pt x="1455719" y="0"/>
-                </a:lnTo>
-                <a:lnTo>
-                  <a:pt x="1455719" y="540000"/>
-                </a:lnTo>
-                <a:lnTo>
-                  <a:pt x="0" y="540000"/>
-                </a:lnTo>
-                <a:lnTo>
-                  <a:pt x="0" y="0"/>
-                </a:lnTo>
-                <a:close/>
-              </a:path>
-            </a:pathLst>
-          </a:custGeom>
-          <a:blipFill>
-            <a:blip r:embed="rId3"/>
-            <a:stretch>
-              <a:fillRect l="0" t="-328" r="0" b="-328"/>
-            </a:stretch>
-          </a:blipFill>
-        </p:spPr>
-      </p:sp>
       <p:grpSp>
         <p:nvGrpSpPr>
-          <p:cNvPr name="Group 7" id="7"/>
+          <p:cNvPr id="7" name="Group 7"/>
           <p:cNvGrpSpPr/>
           <p:nvPr/>
         </p:nvGrpSpPr>
         <p:grpSpPr>
-          <a:xfrm rot="0">
-            <a:off x="1312068" y="519112"/>
-            <a:ext cx="15871030" cy="1026319"/>
+          <a:xfrm>
+            <a:off x="1208484" y="2892847"/>
+            <a:ext cx="15871032" cy="547776"/>
             <a:chOff x="0" y="0"/>
-            <a:chExt cx="21161374" cy="1368426"/>
+            <a:chExt cx="21161376" cy="730368"/>
           </a:xfrm>
         </p:grpSpPr>
         <p:sp>
           <p:nvSpPr>
-            <p:cNvPr name="Freeform 8" id="8"/>
+            <p:cNvPr id="8" name="Freeform 8"/>
             <p:cNvSpPr/>
             <p:nvPr/>
           </p:nvSpPr>
           <p:spPr>
-            <a:xfrm flipH="false" flipV="false" rot="0">
+            <a:xfrm>
               <a:off x="0" y="0"/>
-              <a:ext cx="21161373" cy="1368426"/>
+              <a:ext cx="21161377" cy="730369"/>
             </a:xfrm>
             <a:custGeom>
               <a:avLst/>
               <a:gdLst/>
               <a:ahLst/>
               <a:cxnLst/>
-              <a:rect r="r" b="b" t="t" l="l"/>
+              <a:rect l="l" t="t" r="r" b="b"/>
               <a:pathLst>
-                <a:path h="1368426" w="21161373">
+                <a:path w="21161377" h="730369">
                   <a:moveTo>
                     <a:pt x="0" y="0"/>
                   </a:moveTo>
                   <a:lnTo>
-                    <a:pt x="21161373" y="0"/>
-                  </a:lnTo>
-                  <a:lnTo>
-                    <a:pt x="21161373" y="1368426"/>
-                  </a:lnTo>
-                  <a:lnTo>
-                    <a:pt x="0" y="1368426"/>
+                    <a:pt x="21161377" y="0"/>
+                  </a:lnTo>
+                  <a:lnTo>
+                    <a:pt x="21161377" y="730369"/>
+                  </a:lnTo>
+                  <a:lnTo>
+                    <a:pt x="0" y="730369"/>
                   </a:lnTo>
                   <a:close/>
                 </a:path>
@@ -6816,132 +7388,29 @@
         </p:sp>
         <p:sp>
           <p:nvSpPr>
-            <p:cNvPr name="TextBox 9" id="9"/>
-            <p:cNvSpPr txBox="true"/>
+            <p:cNvPr id="9" name="TextBox 9"/>
+            <p:cNvSpPr txBox="1"/>
             <p:nvPr/>
           </p:nvSpPr>
           <p:spPr>
             <a:xfrm>
-              <a:off x="0" y="0"/>
-              <a:ext cx="21161374" cy="1368426"/>
+              <a:off x="0" y="9525"/>
+              <a:ext cx="21161376" cy="720843"/>
             </a:xfrm>
             <a:prstGeom prst="rect">
               <a:avLst/>
             </a:prstGeom>
           </p:spPr>
           <p:txBody>
-            <a:bodyPr anchor="t" rtlCol="false" tIns="0" lIns="0" bIns="0" rIns="0"/>
+            <a:bodyPr lIns="0" tIns="0" rIns="0" bIns="0" rtlCol="0" anchor="t"/>
             <a:lstStyle/>
             <a:p>
-              <a:pPr algn="l">
-                <a:lnSpc>
-                  <a:spcPts val="4320"/>
-                </a:lnSpc>
-              </a:pPr>
-              <a:r>
-                <a:rPr lang="en-US" sz="3600" b="true">
-                  <a:solidFill>
-                    <a:srgbClr val="00305D"/>
-                  </a:solidFill>
-                  <a:latin typeface="Open Sans Bold"/>
-                  <a:ea typeface="Open Sans Bold"/>
-                  <a:cs typeface="Open Sans Bold"/>
-                  <a:sym typeface="Open Sans Bold"/>
-                </a:rPr>
-                <a:t>Contents -Phase 1</a:t>
-              </a:r>
-            </a:p>
-          </p:txBody>
-        </p:sp>
-      </p:grpSp>
-      <p:grpSp>
-        <p:nvGrpSpPr>
-          <p:cNvPr name="Group 10" id="10"/>
-          <p:cNvGrpSpPr/>
-          <p:nvPr/>
-        </p:nvGrpSpPr>
-        <p:grpSpPr>
-          <a:xfrm rot="0">
-            <a:off x="1388268" y="2250808"/>
-            <a:ext cx="15871032" cy="6517481"/>
-            <a:chOff x="0" y="0"/>
-            <a:chExt cx="21161376" cy="8689974"/>
-          </a:xfrm>
-        </p:grpSpPr>
-        <p:sp>
-          <p:nvSpPr>
-            <p:cNvPr name="Freeform 11" id="11"/>
-            <p:cNvSpPr/>
-            <p:nvPr/>
-          </p:nvSpPr>
-          <p:spPr>
-            <a:xfrm flipH="false" flipV="false" rot="0">
-              <a:off x="0" y="0"/>
-              <a:ext cx="21161377" cy="8689974"/>
-            </a:xfrm>
-            <a:custGeom>
-              <a:avLst/>
-              <a:gdLst/>
-              <a:ahLst/>
-              <a:cxnLst/>
-              <a:rect r="r" b="b" t="t" l="l"/>
-              <a:pathLst>
-                <a:path h="8689974" w="21161377">
-                  <a:moveTo>
-                    <a:pt x="0" y="0"/>
-                  </a:moveTo>
-                  <a:lnTo>
-                    <a:pt x="21161377" y="0"/>
-                  </a:lnTo>
-                  <a:lnTo>
-                    <a:pt x="21161377" y="8689974"/>
-                  </a:lnTo>
-                  <a:lnTo>
-                    <a:pt x="0" y="8689974"/>
-                  </a:lnTo>
-                  <a:close/>
-                </a:path>
-              </a:pathLst>
-            </a:custGeom>
-            <a:solidFill>
-              <a:srgbClr val="000000">
-                <a:alpha val="0"/>
-              </a:srgbClr>
-            </a:solidFill>
-          </p:spPr>
-        </p:sp>
-        <p:sp>
-          <p:nvSpPr>
-            <p:cNvPr name="TextBox 12" id="12"/>
-            <p:cNvSpPr txBox="true"/>
-            <p:nvPr/>
-          </p:nvSpPr>
-          <p:spPr>
-            <a:xfrm>
-              <a:off x="0" y="-85725"/>
-              <a:ext cx="21161376" cy="8775699"/>
-            </a:xfrm>
-            <a:prstGeom prst="rect">
-              <a:avLst/>
-            </a:prstGeom>
-          </p:spPr>
-          <p:txBody>
-            <a:bodyPr anchor="t" rtlCol="false" tIns="0" lIns="0" bIns="0" rIns="0"/>
-            <a:lstStyle/>
-            <a:p>
-              <a:pPr algn="l">
-                <a:lnSpc>
-                  <a:spcPts val="3816"/>
-                </a:lnSpc>
-              </a:pPr>
-            </a:p>
-            <a:p>
-              <a:pPr algn="l" marL="518160" indent="-129540" lvl="3">
-                <a:lnSpc>
-                  <a:spcPts val="3816"/>
+              <a:pPr marL="518160" lvl="1" indent="-259080" algn="l">
+                <a:lnSpc>
+                  <a:spcPts val="2879"/>
                 </a:lnSpc>
                 <a:buFont typeface="Arial"/>
-                <a:buChar char="￭"/>
+                <a:buChar char="•"/>
               </a:pPr>
               <a:r>
                 <a:rPr lang="en-US" sz="2400">
@@ -6953,361 +7422,7 @@
                   <a:cs typeface="Open Sans"/>
                   <a:sym typeface="Open Sans"/>
                 </a:rPr>
-                <a:t>I</a:t>
-              </a:r>
-              <a:r>
-                <a:rPr lang="en-US" sz="2400">
-                  <a:solidFill>
-                    <a:srgbClr val="00305D"/>
-                  </a:solidFill>
-                  <a:latin typeface="Open Sans"/>
-                  <a:ea typeface="Open Sans"/>
-                  <a:cs typeface="Open Sans"/>
-                  <a:sym typeface="Open Sans"/>
-                </a:rPr>
-                <a:t>ntroduc</a:t>
-              </a:r>
-              <a:r>
-                <a:rPr lang="en-US" sz="2400">
-                  <a:solidFill>
-                    <a:srgbClr val="00305D"/>
-                  </a:solidFill>
-                  <a:latin typeface="Open Sans"/>
-                  <a:ea typeface="Open Sans"/>
-                  <a:cs typeface="Open Sans"/>
-                  <a:sym typeface="Open Sans"/>
-                </a:rPr>
-                <a:t>t</a:t>
-              </a:r>
-              <a:r>
-                <a:rPr lang="en-US" sz="2400">
-                  <a:solidFill>
-                    <a:srgbClr val="00305D"/>
-                  </a:solidFill>
-                  <a:latin typeface="Open Sans"/>
-                  <a:ea typeface="Open Sans"/>
-                  <a:cs typeface="Open Sans"/>
-                  <a:sym typeface="Open Sans"/>
-                </a:rPr>
-                <a:t>ion </a:t>
-              </a:r>
-              <a:r>
-                <a:rPr lang="en-US" sz="2400">
-                  <a:solidFill>
-                    <a:srgbClr val="00305D"/>
-                  </a:solidFill>
-                  <a:latin typeface="Open Sans"/>
-                  <a:ea typeface="Open Sans"/>
-                  <a:cs typeface="Open Sans"/>
-                  <a:sym typeface="Open Sans"/>
-                </a:rPr>
-                <a:t>t</a:t>
-              </a:r>
-              <a:r>
-                <a:rPr lang="en-US" sz="2400">
-                  <a:solidFill>
-                    <a:srgbClr val="00305D"/>
-                  </a:solidFill>
-                  <a:latin typeface="Open Sans"/>
-                  <a:ea typeface="Open Sans"/>
-                  <a:cs typeface="Open Sans"/>
-                  <a:sym typeface="Open Sans"/>
-                </a:rPr>
-                <a:t>o</a:t>
-              </a:r>
-              <a:r>
-                <a:rPr lang="en-US" sz="2400">
-                  <a:solidFill>
-                    <a:srgbClr val="00305D"/>
-                  </a:solidFill>
-                  <a:latin typeface="Open Sans"/>
-                  <a:ea typeface="Open Sans"/>
-                  <a:cs typeface="Open Sans"/>
-                  <a:sym typeface="Open Sans"/>
-                </a:rPr>
-                <a:t> </a:t>
-              </a:r>
-              <a:r>
-                <a:rPr lang="en-US" sz="2400">
-                  <a:solidFill>
-                    <a:srgbClr val="00305D"/>
-                  </a:solidFill>
-                  <a:latin typeface="Open Sans"/>
-                  <a:ea typeface="Open Sans"/>
-                  <a:cs typeface="Open Sans"/>
-                  <a:sym typeface="Open Sans"/>
-                </a:rPr>
-                <a:t>hyp</a:t>
-              </a:r>
-              <a:r>
-                <a:rPr lang="en-US" sz="2400">
-                  <a:solidFill>
-                    <a:srgbClr val="00305D"/>
-                  </a:solidFill>
-                  <a:latin typeface="Open Sans"/>
-                  <a:ea typeface="Open Sans"/>
-                  <a:cs typeface="Open Sans"/>
-                  <a:sym typeface="Open Sans"/>
-                </a:rPr>
-                <a:t>e</a:t>
-              </a:r>
-              <a:r>
-                <a:rPr lang="en-US" sz="2400">
-                  <a:solidFill>
-                    <a:srgbClr val="00305D"/>
-                  </a:solidFill>
-                  <a:latin typeface="Open Sans"/>
-                  <a:ea typeface="Open Sans"/>
-                  <a:cs typeface="Open Sans"/>
-                  <a:sym typeface="Open Sans"/>
-                </a:rPr>
-                <a:t>run</a:t>
-              </a:r>
-              <a:r>
-                <a:rPr lang="en-US" sz="2400">
-                  <a:solidFill>
-                    <a:srgbClr val="00305D"/>
-                  </a:solidFill>
-                  <a:latin typeface="Open Sans"/>
-                  <a:ea typeface="Open Sans"/>
-                  <a:cs typeface="Open Sans"/>
-                  <a:sym typeface="Open Sans"/>
-                </a:rPr>
-                <a:t>i</a:t>
-              </a:r>
-              <a:r>
-                <a:rPr lang="en-US" sz="2400">
-                  <a:solidFill>
-                    <a:srgbClr val="00305D"/>
-                  </a:solidFill>
-                  <a:latin typeface="Open Sans"/>
-                  <a:ea typeface="Open Sans"/>
-                  <a:cs typeface="Open Sans"/>
-                  <a:sym typeface="Open Sans"/>
-                </a:rPr>
-                <a:t>form</a:t>
-              </a:r>
-              <a:r>
-                <a:rPr lang="en-US" sz="2400">
-                  <a:solidFill>
-                    <a:srgbClr val="00305D"/>
-                  </a:solidFill>
-                  <a:latin typeface="Open Sans"/>
-                  <a:ea typeface="Open Sans"/>
-                  <a:cs typeface="Open Sans"/>
-                  <a:sym typeface="Open Sans"/>
-                </a:rPr>
-                <a:t>ity</a:t>
-              </a:r>
-            </a:p>
-            <a:p>
-              <a:pPr algn="l" marL="518160" indent="-129540" lvl="3">
-                <a:lnSpc>
-                  <a:spcPts val="3816"/>
-                </a:lnSpc>
-                <a:buFont typeface="Arial"/>
-                <a:buChar char="￭"/>
-              </a:pPr>
-              <a:r>
-                <a:rPr lang="en-US" sz="2400">
-                  <a:solidFill>
-                    <a:srgbClr val="00305D"/>
-                  </a:solidFill>
-                  <a:latin typeface="Open Sans"/>
-                  <a:ea typeface="Open Sans"/>
-                  <a:cs typeface="Open Sans"/>
-                  <a:sym typeface="Open Sans"/>
-                </a:rPr>
-                <a:t>G</a:t>
-              </a:r>
-              <a:r>
-                <a:rPr lang="en-US" sz="2400">
-                  <a:solidFill>
-                    <a:srgbClr val="00305D"/>
-                  </a:solidFill>
-                  <a:latin typeface="Open Sans"/>
-                  <a:ea typeface="Open Sans"/>
-                  <a:cs typeface="Open Sans"/>
-                  <a:sym typeface="Open Sans"/>
-                </a:rPr>
-                <a:t>en</a:t>
-              </a:r>
-              <a:r>
-                <a:rPr lang="en-US" sz="2400">
-                  <a:solidFill>
-                    <a:srgbClr val="00305D"/>
-                  </a:solidFill>
-                  <a:latin typeface="Open Sans"/>
-                  <a:ea typeface="Open Sans"/>
-                  <a:cs typeface="Open Sans"/>
-                  <a:sym typeface="Open Sans"/>
-                </a:rPr>
-                <a:t>eration of hyperuniform structures and their analysis</a:t>
-              </a:r>
-            </a:p>
-            <a:p>
-              <a:pPr algn="l" marL="1036320" indent="-345440" lvl="2">
-                <a:lnSpc>
-                  <a:spcPts val="3816"/>
-                </a:lnSpc>
-                <a:buFont typeface="Arial"/>
-                <a:buChar char="⚬"/>
-              </a:pPr>
-              <a:r>
-                <a:rPr lang="en-US" sz="2400">
-                  <a:solidFill>
-                    <a:srgbClr val="00305D"/>
-                  </a:solidFill>
-                  <a:latin typeface="Open Sans"/>
-                  <a:ea typeface="Open Sans"/>
-                  <a:cs typeface="Open Sans"/>
-                  <a:sym typeface="Open Sans"/>
-                </a:rPr>
-                <a:t>G</a:t>
-              </a:r>
-              <a:r>
-                <a:rPr lang="en-US" sz="2400">
-                  <a:solidFill>
-                    <a:srgbClr val="00305D"/>
-                  </a:solidFill>
-                  <a:latin typeface="Open Sans"/>
-                  <a:ea typeface="Open Sans"/>
-                  <a:cs typeface="Open Sans"/>
-                  <a:sym typeface="Open Sans"/>
-                </a:rPr>
-                <a:t>e</a:t>
-              </a:r>
-              <a:r>
-                <a:rPr lang="en-US" sz="2400">
-                  <a:solidFill>
-                    <a:srgbClr val="00305D"/>
-                  </a:solidFill>
-                  <a:latin typeface="Open Sans"/>
-                  <a:ea typeface="Open Sans"/>
-                  <a:cs typeface="Open Sans"/>
-                  <a:sym typeface="Open Sans"/>
-                </a:rPr>
-                <a:t>neration of HU point</a:t>
-              </a:r>
-              <a:r>
-                <a:rPr lang="en-US" sz="2400">
-                  <a:solidFill>
-                    <a:srgbClr val="00305D"/>
-                  </a:solidFill>
-                  <a:latin typeface="Open Sans"/>
-                  <a:ea typeface="Open Sans"/>
-                  <a:cs typeface="Open Sans"/>
-                  <a:sym typeface="Open Sans"/>
-                </a:rPr>
-                <a:t> pa</a:t>
-              </a:r>
-              <a:r>
-                <a:rPr lang="en-US" sz="2400">
-                  <a:solidFill>
-                    <a:srgbClr val="00305D"/>
-                  </a:solidFill>
-                  <a:latin typeface="Open Sans"/>
-                  <a:ea typeface="Open Sans"/>
-                  <a:cs typeface="Open Sans"/>
-                  <a:sym typeface="Open Sans"/>
-                </a:rPr>
-                <a:t>tte</a:t>
-              </a:r>
-              <a:r>
-                <a:rPr lang="en-US" sz="2400">
-                  <a:solidFill>
-                    <a:srgbClr val="00305D"/>
-                  </a:solidFill>
-                  <a:latin typeface="Open Sans"/>
-                  <a:ea typeface="Open Sans"/>
-                  <a:cs typeface="Open Sans"/>
-                  <a:sym typeface="Open Sans"/>
-                </a:rPr>
-                <a:t>rns</a:t>
-              </a:r>
-            </a:p>
-            <a:p>
-              <a:pPr algn="l" marL="1036320" indent="-345440" lvl="2">
-                <a:lnSpc>
-                  <a:spcPts val="3816"/>
-                </a:lnSpc>
-                <a:buFont typeface="Arial"/>
-                <a:buChar char="⚬"/>
-              </a:pPr>
-              <a:r>
-                <a:rPr lang="en-US" sz="2400">
-                  <a:solidFill>
-                    <a:srgbClr val="00305D"/>
-                  </a:solidFill>
-                  <a:latin typeface="Open Sans"/>
-                  <a:ea typeface="Open Sans"/>
-                  <a:cs typeface="Open Sans"/>
-                  <a:sym typeface="Open Sans"/>
-                </a:rPr>
-                <a:t>...</a:t>
-              </a:r>
-            </a:p>
-            <a:p>
-              <a:pPr algn="l" marL="1036320" indent="-345440" lvl="2">
-                <a:lnSpc>
-                  <a:spcPts val="3816"/>
-                </a:lnSpc>
-                <a:buFont typeface="Arial"/>
-                <a:buChar char="⚬"/>
-              </a:pPr>
-              <a:r>
-                <a:rPr lang="en-US" sz="2400">
-                  <a:solidFill>
-                    <a:srgbClr val="00305D"/>
-                  </a:solidFill>
-                  <a:latin typeface="Open Sans"/>
-                  <a:ea typeface="Open Sans"/>
-                  <a:cs typeface="Open Sans"/>
-                  <a:sym typeface="Open Sans"/>
-                </a:rPr>
-                <a:t>...</a:t>
-              </a:r>
-            </a:p>
-            <a:p>
-              <a:pPr algn="l" marL="1036320" indent="-345440" lvl="2">
-                <a:lnSpc>
-                  <a:spcPts val="3816"/>
-                </a:lnSpc>
-                <a:buFont typeface="Arial"/>
-                <a:buChar char="⚬"/>
-              </a:pPr>
-              <a:r>
-                <a:rPr lang="en-US" sz="2400">
-                  <a:solidFill>
-                    <a:srgbClr val="00305D"/>
-                  </a:solidFill>
-                  <a:latin typeface="Open Sans"/>
-                  <a:ea typeface="Open Sans"/>
-                  <a:cs typeface="Open Sans"/>
-                  <a:sym typeface="Open Sans"/>
-                </a:rPr>
-                <a:t>...</a:t>
-              </a:r>
-            </a:p>
-            <a:p>
-              <a:pPr algn="l" marL="434340" indent="-108585" lvl="3">
-                <a:lnSpc>
-                  <a:spcPts val="3816"/>
-                </a:lnSpc>
-                <a:buFont typeface="Arial"/>
-                <a:buChar char="￭"/>
-              </a:pPr>
-              <a:r>
-                <a:rPr lang="en-US" sz="2400">
-                  <a:solidFill>
-                    <a:srgbClr val="00305D"/>
-                  </a:solidFill>
-                  <a:latin typeface="Open Sans"/>
-                  <a:ea typeface="Open Sans"/>
-                  <a:cs typeface="Open Sans"/>
-                  <a:sym typeface="Open Sans"/>
-                </a:rPr>
-                <a:t>Literature </a:t>
+                <a:t>The number variance inside an observation window grows more slowly than its radius:</a:t>
               </a:r>
             </a:p>
           </p:txBody>
@@ -7315,12 +7430,12 @@
       </p:grpSp>
       <p:sp>
         <p:nvSpPr>
-          <p:cNvPr name="TextBox 13" id="13"/>
-          <p:cNvSpPr txBox="true"/>
+          <p:cNvPr id="10" name="TextBox 10"/>
+          <p:cNvSpPr txBox="1"/>
           <p:nvPr/>
         </p:nvSpPr>
         <p:spPr>
-          <a:xfrm rot="0">
+          <a:xfrm>
             <a:off x="10993470" y="9635487"/>
             <a:ext cx="152400" cy="171450"/>
           </a:xfrm>
@@ -7329,7 +7444,7 @@
           </a:prstGeom>
         </p:spPr>
         <p:txBody>
-          <a:bodyPr anchor="t" rtlCol="false" tIns="0" lIns="0" bIns="0" rIns="0" wrap="none">
+          <a:bodyPr wrap="none" lIns="0" tIns="0" rIns="0" bIns="0" rtlCol="0" anchor="t">
             <a:spAutoFit/>
           </a:bodyPr>
           <a:lstStyle/>
@@ -7352,7 +7467,395 @@
                 <a:cs typeface="Canva Sans"/>
                 <a:sym typeface="Canva Sans"/>
               </a:rPr>
-              <a:t>Page 2 of 14</a:t>
+              <a:t>Page 3 of 17</a:t>
+            </a:r>
+          </a:p>
+        </p:txBody>
+      </p:sp>
+      <p:sp>
+        <p:nvSpPr>
+          <p:cNvPr id="11" name="Freeform 11"/>
+          <p:cNvSpPr/>
+          <p:nvPr/>
+        </p:nvSpPr>
+        <p:spPr>
+          <a:xfrm>
+            <a:off x="7302614" y="3542975"/>
+            <a:ext cx="3726476" cy="3791285"/>
+          </a:xfrm>
+          <a:custGeom>
+            <a:avLst/>
+            <a:gdLst/>
+            <a:ahLst/>
+            <a:cxnLst/>
+            <a:rect l="l" t="t" r="r" b="b"/>
+            <a:pathLst>
+              <a:path w="3726476" h="3791285">
+                <a:moveTo>
+                  <a:pt x="0" y="0"/>
+                </a:moveTo>
+                <a:lnTo>
+                  <a:pt x="3726476" y="0"/>
+                </a:lnTo>
+                <a:lnTo>
+                  <a:pt x="3726476" y="3791284"/>
+                </a:lnTo>
+                <a:lnTo>
+                  <a:pt x="0" y="3791284"/>
+                </a:lnTo>
+                <a:lnTo>
+                  <a:pt x="0" y="0"/>
+                </a:lnTo>
+                <a:close/>
+              </a:path>
+            </a:pathLst>
+          </a:custGeom>
+          <a:blipFill>
+            <a:blip r:embed="rId4"/>
+            <a:stretch>
+              <a:fillRect/>
+            </a:stretch>
+          </a:blipFill>
+        </p:spPr>
+      </p:sp>
+      <p:sp>
+        <p:nvSpPr>
+          <p:cNvPr id="12" name="Freeform 12"/>
+          <p:cNvSpPr/>
+          <p:nvPr/>
+        </p:nvSpPr>
+        <p:spPr>
+          <a:xfrm>
+            <a:off x="1808006" y="3542975"/>
+            <a:ext cx="3813136" cy="3791285"/>
+          </a:xfrm>
+          <a:custGeom>
+            <a:avLst/>
+            <a:gdLst/>
+            <a:ahLst/>
+            <a:cxnLst/>
+            <a:rect l="l" t="t" r="r" b="b"/>
+            <a:pathLst>
+              <a:path w="3813136" h="3791285">
+                <a:moveTo>
+                  <a:pt x="0" y="0"/>
+                </a:moveTo>
+                <a:lnTo>
+                  <a:pt x="3813137" y="0"/>
+                </a:lnTo>
+                <a:lnTo>
+                  <a:pt x="3813137" y="3791284"/>
+                </a:lnTo>
+                <a:lnTo>
+                  <a:pt x="0" y="3791284"/>
+                </a:lnTo>
+                <a:lnTo>
+                  <a:pt x="0" y="0"/>
+                </a:lnTo>
+                <a:close/>
+              </a:path>
+            </a:pathLst>
+          </a:custGeom>
+          <a:blipFill>
+            <a:blip r:embed="rId5"/>
+            <a:stretch>
+              <a:fillRect/>
+            </a:stretch>
+          </a:blipFill>
+        </p:spPr>
+      </p:sp>
+      <p:sp>
+        <p:nvSpPr>
+          <p:cNvPr id="13" name="Freeform 13"/>
+          <p:cNvSpPr/>
+          <p:nvPr/>
+        </p:nvSpPr>
+        <p:spPr>
+          <a:xfrm>
+            <a:off x="12710561" y="3542975"/>
+            <a:ext cx="3769433" cy="3791285"/>
+          </a:xfrm>
+          <a:custGeom>
+            <a:avLst/>
+            <a:gdLst/>
+            <a:ahLst/>
+            <a:cxnLst/>
+            <a:rect l="l" t="t" r="r" b="b"/>
+            <a:pathLst>
+              <a:path w="3769433" h="3791285">
+                <a:moveTo>
+                  <a:pt x="0" y="0"/>
+                </a:moveTo>
+                <a:lnTo>
+                  <a:pt x="3769433" y="0"/>
+                </a:lnTo>
+                <a:lnTo>
+                  <a:pt x="3769433" y="3791284"/>
+                </a:lnTo>
+                <a:lnTo>
+                  <a:pt x="0" y="3791284"/>
+                </a:lnTo>
+                <a:lnTo>
+                  <a:pt x="0" y="0"/>
+                </a:lnTo>
+                <a:close/>
+              </a:path>
+            </a:pathLst>
+          </a:custGeom>
+          <a:blipFill>
+            <a:blip r:embed="rId6"/>
+            <a:stretch>
+              <a:fillRect/>
+            </a:stretch>
+          </a:blipFill>
+        </p:spPr>
+      </p:sp>
+      <p:pic>
+        <p:nvPicPr>
+          <p:cNvPr id="14" name="Picture 14"/>
+          <p:cNvPicPr>
+            <a:picLocks noChangeAspect="1"/>
+          </p:cNvPicPr>
+          <p:nvPr/>
+        </p:nvPicPr>
+        <p:blipFill>
+          <a:blip r:embed="rId7"/>
+          <a:stretch>
+            <a:fillRect/>
+          </a:stretch>
+        </p:blipFill>
+        <p:spPr>
+          <a:xfrm>
+            <a:off x="13095012" y="7383073"/>
+            <a:ext cx="3000533" cy="1326682"/>
+          </a:xfrm>
+          <a:prstGeom prst="rect">
+            <a:avLst/>
+          </a:prstGeom>
+        </p:spPr>
+      </p:pic>
+      <p:pic>
+        <p:nvPicPr>
+          <p:cNvPr id="15" name="Picture 15"/>
+          <p:cNvPicPr>
+            <a:picLocks noChangeAspect="1"/>
+          </p:cNvPicPr>
+          <p:nvPr/>
+        </p:nvPicPr>
+        <p:blipFill>
+          <a:blip r:embed="rId8"/>
+          <a:stretch>
+            <a:fillRect/>
+          </a:stretch>
+        </p:blipFill>
+        <p:spPr>
+          <a:xfrm>
+            <a:off x="7665586" y="7383073"/>
+            <a:ext cx="3000533" cy="1326682"/>
+          </a:xfrm>
+          <a:prstGeom prst="rect">
+            <a:avLst/>
+          </a:prstGeom>
+        </p:spPr>
+      </p:pic>
+      <p:pic>
+        <p:nvPicPr>
+          <p:cNvPr id="16" name="Picture 16"/>
+          <p:cNvPicPr>
+            <a:picLocks noChangeAspect="1"/>
+          </p:cNvPicPr>
+          <p:nvPr/>
+        </p:nvPicPr>
+        <p:blipFill>
+          <a:blip r:embed="rId9"/>
+          <a:stretch>
+            <a:fillRect/>
+          </a:stretch>
+        </p:blipFill>
+        <p:spPr>
+          <a:xfrm>
+            <a:off x="1784707" y="7303513"/>
+            <a:ext cx="3955247" cy="1485801"/>
+          </a:xfrm>
+          <a:prstGeom prst="rect">
+            <a:avLst/>
+          </a:prstGeom>
+        </p:spPr>
+      </p:pic>
+      <p:grpSp>
+        <p:nvGrpSpPr>
+          <p:cNvPr id="17" name="Group 17"/>
+          <p:cNvGrpSpPr/>
+          <p:nvPr/>
+        </p:nvGrpSpPr>
+        <p:grpSpPr>
+          <a:xfrm>
+            <a:off x="3716655" y="9479695"/>
+            <a:ext cx="6727507" cy="610270"/>
+            <a:chOff x="0" y="0"/>
+            <a:chExt cx="8970010" cy="813693"/>
+          </a:xfrm>
+        </p:grpSpPr>
+        <p:sp>
+          <p:nvSpPr>
+            <p:cNvPr id="18" name="Freeform 18"/>
+            <p:cNvSpPr/>
+            <p:nvPr/>
+          </p:nvSpPr>
+          <p:spPr>
+            <a:xfrm>
+              <a:off x="0" y="0"/>
+              <a:ext cx="8970010" cy="813693"/>
+            </a:xfrm>
+            <a:custGeom>
+              <a:avLst/>
+              <a:gdLst/>
+              <a:ahLst/>
+              <a:cxnLst/>
+              <a:rect l="l" t="t" r="r" b="b"/>
+              <a:pathLst>
+                <a:path w="8970010" h="813693">
+                  <a:moveTo>
+                    <a:pt x="0" y="0"/>
+                  </a:moveTo>
+                  <a:lnTo>
+                    <a:pt x="8970010" y="0"/>
+                  </a:lnTo>
+                  <a:lnTo>
+                    <a:pt x="8970010" y="813693"/>
+                  </a:lnTo>
+                  <a:lnTo>
+                    <a:pt x="0" y="813693"/>
+                  </a:lnTo>
+                  <a:close/>
+                </a:path>
+              </a:pathLst>
+            </a:custGeom>
+            <a:solidFill>
+              <a:srgbClr val="000000">
+                <a:alpha val="0"/>
+              </a:srgbClr>
+            </a:solidFill>
+          </p:spPr>
+        </p:sp>
+        <p:sp>
+          <p:nvSpPr>
+            <p:cNvPr id="19" name="TextBox 19"/>
+            <p:cNvSpPr txBox="1"/>
+            <p:nvPr/>
+          </p:nvSpPr>
+          <p:spPr>
+            <a:xfrm>
+              <a:off x="0" y="0"/>
+              <a:ext cx="8970010" cy="813693"/>
+            </a:xfrm>
+            <a:prstGeom prst="rect">
+              <a:avLst/>
+            </a:prstGeom>
+          </p:spPr>
+          <p:txBody>
+            <a:bodyPr lIns="0" tIns="0" rIns="0" bIns="0" rtlCol="0" anchor="b"/>
+            <a:lstStyle/>
+            <a:p>
+              <a:pPr algn="l">
+                <a:lnSpc>
+                  <a:spcPts val="1439"/>
+                </a:lnSpc>
+              </a:pPr>
+              <a:r>
+                <a:rPr lang="en-US" sz="1200">
+                  <a:solidFill>
+                    <a:srgbClr val="727277"/>
+                  </a:solidFill>
+                  <a:latin typeface="Open Sans"/>
+                  <a:ea typeface="Open Sans"/>
+                  <a:cs typeface="Open Sans"/>
+                  <a:sym typeface="Open Sans"/>
+                </a:rPr>
+                <a:t>Hyperuniformity</a:t>
+              </a:r>
+            </a:p>
+            <a:p>
+              <a:pPr algn="l">
+                <a:lnSpc>
+                  <a:spcPts val="1439"/>
+                </a:lnSpc>
+              </a:pPr>
+              <a:r>
+                <a:rPr lang="en-US" sz="1200">
+                  <a:solidFill>
+                    <a:srgbClr val="727277"/>
+                  </a:solidFill>
+                  <a:latin typeface="Open Sans"/>
+                  <a:ea typeface="Open Sans"/>
+                  <a:cs typeface="Open Sans"/>
+                  <a:sym typeface="Open Sans"/>
+                </a:rPr>
+                <a:t>Generation of hyperuniform structures and their analysis</a:t>
+              </a:r>
+            </a:p>
+            <a:p>
+              <a:pPr algn="l">
+                <a:lnSpc>
+                  <a:spcPts val="1439"/>
+                </a:lnSpc>
+              </a:pPr>
+              <a:r>
+                <a:rPr lang="en-US" sz="1200">
+                  <a:solidFill>
+                    <a:srgbClr val="727277"/>
+                  </a:solidFill>
+                  <a:latin typeface="Open Sans"/>
+                  <a:ea typeface="Open Sans"/>
+                  <a:cs typeface="Open Sans"/>
+                  <a:sym typeface="Open Sans"/>
+                </a:rPr>
+                <a:t>MOD-SEM SuSe25 // May 12, 2025</a:t>
+              </a:r>
+            </a:p>
+          </p:txBody>
+        </p:sp>
+      </p:grpSp>
+      <p:sp>
+        <p:nvSpPr>
+          <p:cNvPr id="20" name="TextBox 20"/>
+          <p:cNvSpPr txBox="1"/>
+          <p:nvPr/>
+        </p:nvSpPr>
+        <p:spPr>
+          <a:xfrm>
+            <a:off x="15249552" y="9654537"/>
+            <a:ext cx="595947" cy="180975"/>
+          </a:xfrm>
+          <a:prstGeom prst="rect">
+            <a:avLst/>
+          </a:prstGeom>
+        </p:spPr>
+        <p:txBody>
+          <a:bodyPr lIns="0" tIns="0" rIns="0" bIns="0" rtlCol="0" anchor="t">
+            <a:spAutoFit/>
+          </a:bodyPr>
+          <a:lstStyle/>
+          <a:p>
+            <a:pPr algn="ctr">
+              <a:lnSpc>
+                <a:spcPts val="1440"/>
+              </a:lnSpc>
+              <a:spcBef>
+                <a:spcPct val="0"/>
+              </a:spcBef>
+            </a:pPr>
+            <a:r>
+              <a:rPr lang="en-US" sz="1200">
+                <a:solidFill>
+                  <a:srgbClr val="727277"/>
+                </a:solidFill>
+                <a:latin typeface="Open Sans"/>
+                <a:ea typeface="Open Sans"/>
+                <a:cs typeface="Open Sans"/>
+                <a:sym typeface="Open Sans"/>
+              </a:rPr>
+              <a:t>*[Tor18]</a:t>
             </a:r>
           </a:p>
         </p:txBody>
@@ -7365,8 +7868,8 @@
 </p:sld>
 </file>
 
-<file path=ppt/slides/slide3.xml><?xml version="1.0" encoding="utf-8"?>
-<p:sld xmlns:p="http://schemas.openxmlformats.org/presentationml/2006/main" xmlns:a="http://schemas.openxmlformats.org/drawingml/2006/main" xmlns:r="http://schemas.openxmlformats.org/officeDocument/2006/relationships">
+<file path=ppt/slides/slide4.xml><?xml version="1.0" encoding="utf-8"?>
+<p:sld xmlns:a="http://schemas.openxmlformats.org/drawingml/2006/main" xmlns:r="http://schemas.openxmlformats.org/officeDocument/2006/relationships" xmlns:p="http://schemas.openxmlformats.org/presentationml/2006/main">
   <p:cSld>
     <p:spTree>
       <p:nvGrpSpPr>
@@ -7384,12 +7887,12 @@
       </p:grpSpPr>
       <p:sp>
         <p:nvSpPr>
-          <p:cNvPr name="Freeform 2" id="2"/>
+          <p:cNvPr id="2" name="Freeform 2"/>
           <p:cNvSpPr/>
           <p:nvPr/>
         </p:nvSpPr>
         <p:spPr>
-          <a:xfrm flipH="false" flipV="false" rot="0">
+          <a:xfrm>
             <a:off x="757300" y="9501072"/>
             <a:ext cx="1674276" cy="486000"/>
           </a:xfrm>
@@ -7398,9 +7901,9 @@
             <a:gdLst/>
             <a:ahLst/>
             <a:cxnLst/>
-            <a:rect r="r" b="b" t="t" l="l"/>
+            <a:rect l="l" t="t" r="r" b="b"/>
             <a:pathLst>
-              <a:path h="486000" w="1674276">
+              <a:path w="1674276" h="486000">
                 <a:moveTo>
                   <a:pt x="0" y="0"/>
                 </a:moveTo>
@@ -7423,19 +7926,19 @@
           <a:blipFill>
             <a:blip r:embed="rId2"/>
             <a:stretch>
-              <a:fillRect l="-53" t="0" r="-53" b="0"/>
+              <a:fillRect l="-53" r="-53"/>
             </a:stretch>
           </a:blipFill>
         </p:spPr>
       </p:sp>
       <p:sp>
         <p:nvSpPr>
-          <p:cNvPr name="Freeform 3" id="3"/>
+          <p:cNvPr id="3" name="Freeform 3"/>
           <p:cNvSpPr/>
           <p:nvPr/>
         </p:nvSpPr>
         <p:spPr>
-          <a:xfrm flipH="false" flipV="false" rot="0">
+          <a:xfrm>
             <a:off x="16382397" y="9473664"/>
             <a:ext cx="1455718" cy="540000"/>
           </a:xfrm>
@@ -7444,9 +7947,9 @@
             <a:gdLst/>
             <a:ahLst/>
             <a:cxnLst/>
-            <a:rect r="r" b="b" t="t" l="l"/>
+            <a:rect l="l" t="t" r="r" b="b"/>
             <a:pathLst>
-              <a:path h="540000" w="1455718">
+              <a:path w="1455718" h="540000">
                 <a:moveTo>
                   <a:pt x="0" y="0"/>
                 </a:moveTo>
@@ -7469,44 +7972,44 @@
           <a:blipFill>
             <a:blip r:embed="rId3"/>
             <a:stretch>
-              <a:fillRect l="0" t="-328" r="0" b="-328"/>
+              <a:fillRect t="-328" b="-328"/>
             </a:stretch>
           </a:blipFill>
         </p:spPr>
       </p:sp>
       <p:grpSp>
         <p:nvGrpSpPr>
-          <p:cNvPr name="Group 4" id="4"/>
+          <p:cNvPr id="4" name="Group 4"/>
           <p:cNvGrpSpPr/>
           <p:nvPr/>
         </p:nvGrpSpPr>
         <p:grpSpPr>
-          <a:xfrm rot="0">
+          <a:xfrm>
             <a:off x="1312068" y="519112"/>
-            <a:ext cx="15871030" cy="1830809"/>
+            <a:ext cx="15871030" cy="1295399"/>
             <a:chOff x="0" y="0"/>
-            <a:chExt cx="21161374" cy="2441079"/>
+            <a:chExt cx="21161374" cy="1727199"/>
           </a:xfrm>
         </p:grpSpPr>
         <p:sp>
           <p:nvSpPr>
-            <p:cNvPr name="Freeform 5" id="5"/>
+            <p:cNvPr id="5" name="Freeform 5"/>
             <p:cNvSpPr/>
             <p:nvPr/>
           </p:nvSpPr>
           <p:spPr>
-            <a:xfrm flipH="false" flipV="false" rot="0">
+            <a:xfrm>
               <a:off x="0" y="0"/>
-              <a:ext cx="21161373" cy="2441079"/>
+              <a:ext cx="21161373" cy="1727199"/>
             </a:xfrm>
             <a:custGeom>
               <a:avLst/>
               <a:gdLst/>
               <a:ahLst/>
               <a:cxnLst/>
-              <a:rect r="r" b="b" t="t" l="l"/>
+              <a:rect l="l" t="t" r="r" b="b"/>
               <a:pathLst>
-                <a:path h="2441079" w="21161373">
+                <a:path w="21161373" h="1727199">
                   <a:moveTo>
                     <a:pt x="0" y="0"/>
                   </a:moveTo>
@@ -7514,10 +8017,10 @@
                     <a:pt x="21161373" y="0"/>
                   </a:lnTo>
                   <a:lnTo>
-                    <a:pt x="21161373" y="2441079"/>
-                  </a:lnTo>
-                  <a:lnTo>
-                    <a:pt x="0" y="2441079"/>
+                    <a:pt x="21161373" y="1727199"/>
+                  </a:lnTo>
+                  <a:lnTo>
+                    <a:pt x="0" y="1727199"/>
                   </a:lnTo>
                   <a:close/>
                 </a:path>
@@ -7532,21 +8035,21 @@
         </p:sp>
         <p:sp>
           <p:nvSpPr>
-            <p:cNvPr name="TextBox 6" id="6"/>
-            <p:cNvSpPr txBox="true"/>
+            <p:cNvPr id="6" name="TextBox 6"/>
+            <p:cNvSpPr txBox="1"/>
             <p:nvPr/>
           </p:nvSpPr>
           <p:spPr>
             <a:xfrm>
               <a:off x="0" y="0"/>
-              <a:ext cx="21161374" cy="2441079"/>
+              <a:ext cx="21161374" cy="1727199"/>
             </a:xfrm>
             <a:prstGeom prst="rect">
               <a:avLst/>
             </a:prstGeom>
           </p:spPr>
           <p:txBody>
-            <a:bodyPr anchor="t" rtlCol="false" tIns="0" lIns="0" bIns="0" rIns="0"/>
+            <a:bodyPr lIns="0" tIns="0" rIns="0" bIns="0" rtlCol="0" anchor="t"/>
             <a:lstStyle/>
             <a:p>
               <a:pPr algn="l">
@@ -7555,7 +8058,7 @@
                 </a:lnSpc>
               </a:pPr>
               <a:r>
-                <a:rPr lang="en-US" sz="3600" b="true">
+                <a:rPr lang="en-US" sz="3600" b="1">
                   <a:solidFill>
                     <a:srgbClr val="00305D"/>
                   </a:solidFill>
@@ -7574,16 +8077,16 @@
                 </a:lnSpc>
               </a:pPr>
               <a:r>
-                <a:rPr lang="en-US" sz="3600" i="true">
+                <a:rPr lang="en-US" sz="3600">
                   <a:solidFill>
                     <a:srgbClr val="00305D"/>
                   </a:solidFill>
-                  <a:latin typeface="Open Sans Italics"/>
-                  <a:ea typeface="Open Sans Italics"/>
-                  <a:cs typeface="Open Sans Italics"/>
-                  <a:sym typeface="Open Sans Italics"/>
+                  <a:latin typeface="Open Sans"/>
+                  <a:ea typeface="Open Sans"/>
+                  <a:cs typeface="Open Sans"/>
+                  <a:sym typeface="Open Sans"/>
                 </a:rPr>
-                <a:t>Hyperuniform systems are defined by the suppression of density fluctuations over large spatial scales.</a:t>
+                <a:t>The Structure Factor</a:t>
               </a:r>
             </a:p>
           </p:txBody>
@@ -7591,48 +8094,48 @@
       </p:grpSp>
       <p:grpSp>
         <p:nvGrpSpPr>
-          <p:cNvPr name="Group 7" id="7"/>
+          <p:cNvPr id="7" name="Group 7"/>
           <p:cNvGrpSpPr/>
           <p:nvPr/>
         </p:nvGrpSpPr>
         <p:grpSpPr>
-          <a:xfrm rot="0">
-            <a:off x="1208484" y="2892847"/>
-            <a:ext cx="15871032" cy="547776"/>
+          <a:xfrm>
+            <a:off x="1312068" y="2084033"/>
+            <a:ext cx="11718481" cy="4840039"/>
             <a:chOff x="0" y="0"/>
-            <a:chExt cx="21161376" cy="730368"/>
+            <a:chExt cx="15624642" cy="6453386"/>
           </a:xfrm>
         </p:grpSpPr>
         <p:sp>
           <p:nvSpPr>
-            <p:cNvPr name="Freeform 8" id="8"/>
+            <p:cNvPr id="8" name="Freeform 8"/>
             <p:cNvSpPr/>
             <p:nvPr/>
           </p:nvSpPr>
           <p:spPr>
-            <a:xfrm flipH="false" flipV="false" rot="0">
+            <a:xfrm>
               <a:off x="0" y="0"/>
-              <a:ext cx="21161377" cy="730369"/>
+              <a:ext cx="15624643" cy="6453386"/>
             </a:xfrm>
             <a:custGeom>
               <a:avLst/>
               <a:gdLst/>
               <a:ahLst/>
               <a:cxnLst/>
-              <a:rect r="r" b="b" t="t" l="l"/>
+              <a:rect l="l" t="t" r="r" b="b"/>
               <a:pathLst>
-                <a:path h="730369" w="21161377">
+                <a:path w="15624643" h="6453386">
                   <a:moveTo>
                     <a:pt x="0" y="0"/>
                   </a:moveTo>
                   <a:lnTo>
-                    <a:pt x="21161377" y="0"/>
-                  </a:lnTo>
-                  <a:lnTo>
-                    <a:pt x="21161377" y="730369"/>
-                  </a:lnTo>
-                  <a:lnTo>
-                    <a:pt x="0" y="730369"/>
+                    <a:pt x="15624643" y="0"/>
+                  </a:lnTo>
+                  <a:lnTo>
+                    <a:pt x="15624643" y="6453386"/>
+                  </a:lnTo>
+                  <a:lnTo>
+                    <a:pt x="0" y="6453386"/>
                   </a:lnTo>
                   <a:close/>
                 </a:path>
@@ -7647,24 +8150,24 @@
         </p:sp>
         <p:sp>
           <p:nvSpPr>
-            <p:cNvPr name="TextBox 9" id="9"/>
-            <p:cNvSpPr txBox="true"/>
+            <p:cNvPr id="9" name="TextBox 9"/>
+            <p:cNvSpPr txBox="1"/>
             <p:nvPr/>
           </p:nvSpPr>
           <p:spPr>
             <a:xfrm>
               <a:off x="0" y="9525"/>
-              <a:ext cx="21161376" cy="720843"/>
+              <a:ext cx="15624642" cy="6443861"/>
             </a:xfrm>
             <a:prstGeom prst="rect">
               <a:avLst/>
             </a:prstGeom>
           </p:spPr>
           <p:txBody>
-            <a:bodyPr anchor="t" rtlCol="false" tIns="0" lIns="0" bIns="0" rIns="0"/>
+            <a:bodyPr lIns="0" tIns="0" rIns="0" bIns="0" rtlCol="0" anchor="t"/>
             <a:lstStyle/>
             <a:p>
-              <a:pPr algn="l" marL="518160" indent="-259080" lvl="1">
+              <a:pPr marL="518160" lvl="1" indent="-259080" algn="l">
                 <a:lnSpc>
                   <a:spcPts val="2879"/>
                 </a:lnSpc>
@@ -7681,20 +8184,167 @@
                   <a:cs typeface="Open Sans"/>
                   <a:sym typeface="Open Sans"/>
                 </a:rPr>
-                <a:t>The number variance inside an observation window grows more slowly than its radius:</a:t>
+                <a:t>Equivalently, one can derive from internal correlation and fourier transform [Tor18] that hyperuniformity may be characterized by a vanishing structure factor for small wave vectors</a:t>
               </a:r>
+            </a:p>
+            <a:p>
+              <a:pPr algn="l">
+                <a:lnSpc>
+                  <a:spcPts val="2879"/>
+                </a:lnSpc>
+              </a:pPr>
+              <a:endParaRPr lang="en-US" sz="2400">
+                <a:solidFill>
+                  <a:srgbClr val="00305D"/>
+                </a:solidFill>
+                <a:latin typeface="Open Sans"/>
+                <a:ea typeface="Open Sans"/>
+                <a:cs typeface="Open Sans"/>
+                <a:sym typeface="Open Sans"/>
+              </a:endParaRPr>
+            </a:p>
+            <a:p>
+              <a:pPr algn="l">
+                <a:lnSpc>
+                  <a:spcPts val="2879"/>
+                </a:lnSpc>
+              </a:pPr>
+              <a:endParaRPr lang="en-US" sz="2400">
+                <a:solidFill>
+                  <a:srgbClr val="00305D"/>
+                </a:solidFill>
+                <a:latin typeface="Open Sans"/>
+                <a:ea typeface="Open Sans"/>
+                <a:cs typeface="Open Sans"/>
+                <a:sym typeface="Open Sans"/>
+              </a:endParaRPr>
+            </a:p>
+            <a:p>
+              <a:pPr algn="l">
+                <a:lnSpc>
+                  <a:spcPts val="2879"/>
+                </a:lnSpc>
+              </a:pPr>
+              <a:endParaRPr lang="en-US" sz="2400">
+                <a:solidFill>
+                  <a:srgbClr val="00305D"/>
+                </a:solidFill>
+                <a:latin typeface="Open Sans"/>
+                <a:ea typeface="Open Sans"/>
+                <a:cs typeface="Open Sans"/>
+                <a:sym typeface="Open Sans"/>
+              </a:endParaRPr>
+            </a:p>
+            <a:p>
+              <a:pPr algn="l">
+                <a:lnSpc>
+                  <a:spcPts val="2879"/>
+                </a:lnSpc>
+              </a:pPr>
+              <a:endParaRPr lang="en-US" sz="2400">
+                <a:solidFill>
+                  <a:srgbClr val="00305D"/>
+                </a:solidFill>
+                <a:latin typeface="Open Sans"/>
+                <a:ea typeface="Open Sans"/>
+                <a:cs typeface="Open Sans"/>
+                <a:sym typeface="Open Sans"/>
+              </a:endParaRPr>
+            </a:p>
+            <a:p>
+              <a:pPr algn="l">
+                <a:lnSpc>
+                  <a:spcPts val="2879"/>
+                </a:lnSpc>
+              </a:pPr>
+              <a:endParaRPr lang="en-US" sz="2400">
+                <a:solidFill>
+                  <a:srgbClr val="00305D"/>
+                </a:solidFill>
+                <a:latin typeface="Open Sans"/>
+                <a:ea typeface="Open Sans"/>
+                <a:cs typeface="Open Sans"/>
+                <a:sym typeface="Open Sans"/>
+              </a:endParaRPr>
+            </a:p>
+            <a:p>
+              <a:pPr algn="l">
+                <a:lnSpc>
+                  <a:spcPts val="2879"/>
+                </a:lnSpc>
+              </a:pPr>
+              <a:r>
+                <a:rPr lang="en-US" sz="2400">
+                  <a:solidFill>
+                    <a:srgbClr val="00305D"/>
+                  </a:solidFill>
+                  <a:latin typeface="Open Sans"/>
+                  <a:ea typeface="Open Sans"/>
+                  <a:cs typeface="Open Sans"/>
+                  <a:sym typeface="Open Sans"/>
+                </a:rPr>
+                <a:t>For a single periodic configuration with a finite number of N points, the structure factor is identical to [Tor18]:</a:t>
+              </a:r>
+            </a:p>
+            <a:p>
+              <a:pPr algn="l">
+                <a:lnSpc>
+                  <a:spcPts val="2879"/>
+                </a:lnSpc>
+              </a:pPr>
+              <a:endParaRPr lang="en-US" sz="2400">
+                <a:solidFill>
+                  <a:srgbClr val="00305D"/>
+                </a:solidFill>
+                <a:latin typeface="Open Sans"/>
+                <a:ea typeface="Open Sans"/>
+                <a:cs typeface="Open Sans"/>
+                <a:sym typeface="Open Sans"/>
+              </a:endParaRPr>
+            </a:p>
+            <a:p>
+              <a:pPr algn="l">
+                <a:lnSpc>
+                  <a:spcPts val="2879"/>
+                </a:lnSpc>
+              </a:pPr>
+              <a:endParaRPr lang="en-US" sz="2400">
+                <a:solidFill>
+                  <a:srgbClr val="00305D"/>
+                </a:solidFill>
+                <a:latin typeface="Open Sans"/>
+                <a:ea typeface="Open Sans"/>
+                <a:cs typeface="Open Sans"/>
+                <a:sym typeface="Open Sans"/>
+              </a:endParaRPr>
+            </a:p>
+            <a:p>
+              <a:pPr algn="l">
+                <a:lnSpc>
+                  <a:spcPts val="2879"/>
+                </a:lnSpc>
+              </a:pPr>
+              <a:endParaRPr lang="en-US" sz="2400">
+                <a:solidFill>
+                  <a:srgbClr val="00305D"/>
+                </a:solidFill>
+                <a:latin typeface="Open Sans"/>
+                <a:ea typeface="Open Sans"/>
+                <a:cs typeface="Open Sans"/>
+                <a:sym typeface="Open Sans"/>
+              </a:endParaRPr>
             </a:p>
           </p:txBody>
         </p:sp>
       </p:grpSp>
       <p:sp>
         <p:nvSpPr>
-          <p:cNvPr name="TextBox 10" id="10"/>
-          <p:cNvSpPr txBox="true"/>
+          <p:cNvPr id="10" name="TextBox 10"/>
+          <p:cNvSpPr txBox="1"/>
           <p:nvPr/>
         </p:nvSpPr>
         <p:spPr>
-          <a:xfrm rot="0">
+          <a:xfrm>
             <a:off x="10993470" y="9635487"/>
             <a:ext cx="152400" cy="171450"/>
           </a:xfrm>
@@ -7703,7 +8353,7 @@
           </a:prstGeom>
         </p:spPr>
         <p:txBody>
-          <a:bodyPr anchor="t" rtlCol="false" tIns="0" lIns="0" bIns="0" rIns="0" wrap="none">
+          <a:bodyPr wrap="none" lIns="0" tIns="0" rIns="0" bIns="0" rtlCol="0" anchor="t">
             <a:spAutoFit/>
           </a:bodyPr>
           <a:lstStyle/>
@@ -7726,229 +8376,19 @@
                 <a:cs typeface="Canva Sans"/>
                 <a:sym typeface="Canva Sans"/>
               </a:rPr>
-              <a:t>Page 3 of 14</a:t>
+              <a:t>Page 4 of 17</a:t>
             </a:r>
           </a:p>
         </p:txBody>
       </p:sp>
-      <p:sp>
-        <p:nvSpPr>
-          <p:cNvPr name="Freeform 11" id="11"/>
-          <p:cNvSpPr/>
-          <p:nvPr/>
-        </p:nvSpPr>
-        <p:spPr>
-          <a:xfrm flipH="false" flipV="false" rot="0">
-            <a:off x="7302614" y="3542975"/>
-            <a:ext cx="3726476" cy="3791285"/>
-          </a:xfrm>
-          <a:custGeom>
-            <a:avLst/>
-            <a:gdLst/>
-            <a:ahLst/>
-            <a:cxnLst/>
-            <a:rect r="r" b="b" t="t" l="l"/>
-            <a:pathLst>
-              <a:path h="3791285" w="3726476">
-                <a:moveTo>
-                  <a:pt x="0" y="0"/>
-                </a:moveTo>
-                <a:lnTo>
-                  <a:pt x="3726476" y="0"/>
-                </a:lnTo>
-                <a:lnTo>
-                  <a:pt x="3726476" y="3791284"/>
-                </a:lnTo>
-                <a:lnTo>
-                  <a:pt x="0" y="3791284"/>
-                </a:lnTo>
-                <a:lnTo>
-                  <a:pt x="0" y="0"/>
-                </a:lnTo>
-                <a:close/>
-              </a:path>
-            </a:pathLst>
-          </a:custGeom>
-          <a:blipFill>
-            <a:blip r:embed="rId4"/>
-            <a:stretch>
-              <a:fillRect l="0" t="0" r="0" b="0"/>
-            </a:stretch>
-          </a:blipFill>
-        </p:spPr>
-      </p:sp>
-      <p:sp>
-        <p:nvSpPr>
-          <p:cNvPr name="Freeform 12" id="12"/>
-          <p:cNvSpPr/>
-          <p:nvPr/>
-        </p:nvSpPr>
-        <p:spPr>
-          <a:xfrm flipH="false" flipV="false" rot="0">
-            <a:off x="1808006" y="3542975"/>
-            <a:ext cx="3813136" cy="3791285"/>
-          </a:xfrm>
-          <a:custGeom>
-            <a:avLst/>
-            <a:gdLst/>
-            <a:ahLst/>
-            <a:cxnLst/>
-            <a:rect r="r" b="b" t="t" l="l"/>
-            <a:pathLst>
-              <a:path h="3791285" w="3813136">
-                <a:moveTo>
-                  <a:pt x="0" y="0"/>
-                </a:moveTo>
-                <a:lnTo>
-                  <a:pt x="3813137" y="0"/>
-                </a:lnTo>
-                <a:lnTo>
-                  <a:pt x="3813137" y="3791284"/>
-                </a:lnTo>
-                <a:lnTo>
-                  <a:pt x="0" y="3791284"/>
-                </a:lnTo>
-                <a:lnTo>
-                  <a:pt x="0" y="0"/>
-                </a:lnTo>
-                <a:close/>
-              </a:path>
-            </a:pathLst>
-          </a:custGeom>
-          <a:blipFill>
-            <a:blip r:embed="rId5"/>
-            <a:stretch>
-              <a:fillRect l="0" t="0" r="0" b="0"/>
-            </a:stretch>
-          </a:blipFill>
-        </p:spPr>
-      </p:sp>
-      <p:sp>
-        <p:nvSpPr>
-          <p:cNvPr name="Freeform 13" id="13"/>
-          <p:cNvSpPr/>
-          <p:nvPr/>
-        </p:nvSpPr>
-        <p:spPr>
-          <a:xfrm flipH="false" flipV="false" rot="0">
-            <a:off x="12710561" y="3542975"/>
-            <a:ext cx="3769433" cy="3791285"/>
-          </a:xfrm>
-          <a:custGeom>
-            <a:avLst/>
-            <a:gdLst/>
-            <a:ahLst/>
-            <a:cxnLst/>
-            <a:rect r="r" b="b" t="t" l="l"/>
-            <a:pathLst>
-              <a:path h="3791285" w="3769433">
-                <a:moveTo>
-                  <a:pt x="0" y="0"/>
-                </a:moveTo>
-                <a:lnTo>
-                  <a:pt x="3769433" y="0"/>
-                </a:lnTo>
-                <a:lnTo>
-                  <a:pt x="3769433" y="3791284"/>
-                </a:lnTo>
-                <a:lnTo>
-                  <a:pt x="0" y="3791284"/>
-                </a:lnTo>
-                <a:lnTo>
-                  <a:pt x="0" y="0"/>
-                </a:lnTo>
-                <a:close/>
-              </a:path>
-            </a:pathLst>
-          </a:custGeom>
-          <a:blipFill>
-            <a:blip r:embed="rId6"/>
-            <a:stretch>
-              <a:fillRect l="0" t="0" r="0" b="0"/>
-            </a:stretch>
-          </a:blipFill>
-        </p:spPr>
-      </p:sp>
-      <p:pic>
-        <p:nvPicPr>
-          <p:cNvPr name="Picture 14" id="14"/>
-          <p:cNvPicPr>
-            <a:picLocks noChangeAspect="true"/>
-          </p:cNvPicPr>
-          <p:nvPr/>
-        </p:nvPicPr>
-        <p:blipFill>
-          <a:blip r:embed="rId7"/>
-          <a:stretch>
-            <a:fillRect/>
-          </a:stretch>
-        </p:blipFill>
-        <p:spPr>
-          <a:xfrm rot="0">
-            <a:off x="13095012" y="7383073"/>
-            <a:ext cx="3000533" cy="1326682"/>
-          </a:xfrm>
-          <a:prstGeom prst="rect">
-            <a:avLst/>
-          </a:prstGeom>
-        </p:spPr>
-      </p:pic>
-      <p:pic>
-        <p:nvPicPr>
-          <p:cNvPr name="Picture 15" id="15"/>
-          <p:cNvPicPr>
-            <a:picLocks noChangeAspect="true"/>
-          </p:cNvPicPr>
-          <p:nvPr/>
-        </p:nvPicPr>
-        <p:blipFill>
-          <a:blip r:embed="rId8"/>
-          <a:stretch>
-            <a:fillRect/>
-          </a:stretch>
-        </p:blipFill>
-        <p:spPr>
-          <a:xfrm rot="0">
-            <a:off x="7665586" y="7383073"/>
-            <a:ext cx="3000533" cy="1326682"/>
-          </a:xfrm>
-          <a:prstGeom prst="rect">
-            <a:avLst/>
-          </a:prstGeom>
-        </p:spPr>
-      </p:pic>
-      <p:pic>
-        <p:nvPicPr>
-          <p:cNvPr name="Picture 16" id="16"/>
-          <p:cNvPicPr>
-            <a:picLocks noChangeAspect="true"/>
-          </p:cNvPicPr>
-          <p:nvPr/>
-        </p:nvPicPr>
-        <p:blipFill>
-          <a:blip r:embed="rId9"/>
-          <a:stretch>
-            <a:fillRect/>
-          </a:stretch>
-        </p:blipFill>
-        <p:spPr>
-          <a:xfrm rot="0">
-            <a:off x="1784707" y="7303513"/>
-            <a:ext cx="3955247" cy="1485801"/>
-          </a:xfrm>
-          <a:prstGeom prst="rect">
-            <a:avLst/>
-          </a:prstGeom>
-        </p:spPr>
-      </p:pic>
       <p:grpSp>
         <p:nvGrpSpPr>
-          <p:cNvPr name="Group 17" id="17"/>
+          <p:cNvPr id="11" name="Group 11"/>
           <p:cNvGrpSpPr/>
           <p:nvPr/>
         </p:nvGrpSpPr>
         <p:grpSpPr>
-          <a:xfrm rot="0">
+          <a:xfrm>
             <a:off x="3716655" y="9479695"/>
             <a:ext cx="6727507" cy="610270"/>
             <a:chOff x="0" y="0"/>
@@ -7957,12 +8397,12 @@
         </p:grpSpPr>
         <p:sp>
           <p:nvSpPr>
-            <p:cNvPr name="Freeform 18" id="18"/>
+            <p:cNvPr id="12" name="Freeform 12"/>
             <p:cNvSpPr/>
             <p:nvPr/>
           </p:nvSpPr>
           <p:spPr>
-            <a:xfrm flipH="false" flipV="false" rot="0">
+            <a:xfrm>
               <a:off x="0" y="0"/>
               <a:ext cx="8970010" cy="813693"/>
             </a:xfrm>
@@ -7971,9 +8411,9 @@
               <a:gdLst/>
               <a:ahLst/>
               <a:cxnLst/>
-              <a:rect r="r" b="b" t="t" l="l"/>
+              <a:rect l="l" t="t" r="r" b="b"/>
               <a:pathLst>
-                <a:path h="813693" w="8970010">
+                <a:path w="8970010" h="813693">
                   <a:moveTo>
                     <a:pt x="0" y="0"/>
                   </a:moveTo>
@@ -7999,8 +8439,8 @@
         </p:sp>
         <p:sp>
           <p:nvSpPr>
-            <p:cNvPr name="TextBox 19" id="19"/>
-            <p:cNvSpPr txBox="true"/>
+            <p:cNvPr id="13" name="TextBox 13"/>
+            <p:cNvSpPr txBox="1"/>
             <p:nvPr/>
           </p:nvSpPr>
           <p:spPr>
@@ -8013,7 +8453,7 @@
             </a:prstGeom>
           </p:spPr>
           <p:txBody>
-            <a:bodyPr anchor="b" rtlCol="false" tIns="0" lIns="0" bIns="0" rIns="0"/>
+            <a:bodyPr lIns="0" tIns="0" rIns="0" bIns="0" rtlCol="0" anchor="b"/>
             <a:lstStyle/>
             <a:p>
               <a:pPr algn="l">
@@ -8077,662 +8517,23 @@
       </p:grpSp>
       <p:sp>
         <p:nvSpPr>
-          <p:cNvPr name="TextBox 20" id="20"/>
-          <p:cNvSpPr txBox="true"/>
-          <p:nvPr/>
-        </p:nvSpPr>
-        <p:spPr>
-          <a:xfrm rot="0">
-            <a:off x="15249552" y="9654537"/>
-            <a:ext cx="595947" cy="180975"/>
-          </a:xfrm>
-          <a:prstGeom prst="rect">
-            <a:avLst/>
-          </a:prstGeom>
-        </p:spPr>
-        <p:txBody>
-          <a:bodyPr anchor="t" rtlCol="false" tIns="0" lIns="0" bIns="0" rIns="0">
-            <a:spAutoFit/>
-          </a:bodyPr>
-          <a:lstStyle/>
-          <a:p>
-            <a:pPr algn="ctr">
-              <a:lnSpc>
-                <a:spcPts val="1440"/>
-              </a:lnSpc>
-              <a:spcBef>
-                <a:spcPct val="0"/>
-              </a:spcBef>
-            </a:pPr>
-            <a:r>
-              <a:rPr lang="en-US" sz="1200">
-                <a:solidFill>
-                  <a:srgbClr val="727277"/>
-                </a:solidFill>
-                <a:latin typeface="Open Sans"/>
-                <a:ea typeface="Open Sans"/>
-                <a:cs typeface="Open Sans"/>
-                <a:sym typeface="Open Sans"/>
-              </a:rPr>
-              <a:t>*[T</a:t>
-            </a:r>
-            <a:r>
-              <a:rPr lang="en-US" sz="1200">
-                <a:solidFill>
-                  <a:srgbClr val="727277"/>
-                </a:solidFill>
-                <a:latin typeface="Open Sans"/>
-                <a:ea typeface="Open Sans"/>
-                <a:cs typeface="Open Sans"/>
-                <a:sym typeface="Open Sans"/>
-              </a:rPr>
-              <a:t>or18]</a:t>
-            </a:r>
-          </a:p>
-        </p:txBody>
-      </p:sp>
-    </p:spTree>
-  </p:cSld>
-  <p:clrMapOvr>
-    <a:masterClrMapping/>
-  </p:clrMapOvr>
-</p:sld>
-</file>
-
-<file path=ppt/slides/slide4.xml><?xml version="1.0" encoding="utf-8"?>
-<p:sld xmlns:p="http://schemas.openxmlformats.org/presentationml/2006/main" xmlns:a="http://schemas.openxmlformats.org/drawingml/2006/main" xmlns:r="http://schemas.openxmlformats.org/officeDocument/2006/relationships">
-  <p:cSld>
-    <p:spTree>
-      <p:nvGrpSpPr>
-        <p:cNvPr id="1" name=""/>
-        <p:cNvGrpSpPr/>
-        <p:nvPr/>
-      </p:nvGrpSpPr>
-      <p:grpSpPr>
-        <a:xfrm>
-          <a:off x="0" y="0"/>
-          <a:ext cx="0" cy="0"/>
-          <a:chOff x="0" y="0"/>
-          <a:chExt cx="0" cy="0"/>
-        </a:xfrm>
-      </p:grpSpPr>
-      <p:sp>
-        <p:nvSpPr>
-          <p:cNvPr name="Freeform 2" id="2"/>
+          <p:cNvPr id="14" name="Freeform 14"/>
           <p:cNvSpPr/>
           <p:nvPr/>
         </p:nvSpPr>
         <p:spPr>
-          <a:xfrm flipH="false" flipV="false" rot="0">
-            <a:off x="757300" y="9501072"/>
-            <a:ext cx="1674276" cy="486000"/>
+          <a:xfrm>
+            <a:off x="13321075" y="1814512"/>
+            <a:ext cx="3938225" cy="3386874"/>
           </a:xfrm>
           <a:custGeom>
             <a:avLst/>
             <a:gdLst/>
             <a:ahLst/>
             <a:cxnLst/>
-            <a:rect r="r" b="b" t="t" l="l"/>
+            <a:rect l="l" t="t" r="r" b="b"/>
             <a:pathLst>
-              <a:path h="486000" w="1674276">
-                <a:moveTo>
-                  <a:pt x="0" y="0"/>
-                </a:moveTo>
-                <a:lnTo>
-                  <a:pt x="1674276" y="0"/>
-                </a:lnTo>
-                <a:lnTo>
-                  <a:pt x="1674276" y="486000"/>
-                </a:lnTo>
-                <a:lnTo>
-                  <a:pt x="0" y="486000"/>
-                </a:lnTo>
-                <a:lnTo>
-                  <a:pt x="0" y="0"/>
-                </a:lnTo>
-                <a:close/>
-              </a:path>
-            </a:pathLst>
-          </a:custGeom>
-          <a:blipFill>
-            <a:blip r:embed="rId2"/>
-            <a:stretch>
-              <a:fillRect l="-53" t="0" r="-53" b="0"/>
-            </a:stretch>
-          </a:blipFill>
-        </p:spPr>
-      </p:sp>
-      <p:sp>
-        <p:nvSpPr>
-          <p:cNvPr name="Freeform 3" id="3"/>
-          <p:cNvSpPr/>
-          <p:nvPr/>
-        </p:nvSpPr>
-        <p:spPr>
-          <a:xfrm flipH="false" flipV="false" rot="0">
-            <a:off x="16382397" y="9473664"/>
-            <a:ext cx="1455718" cy="540000"/>
-          </a:xfrm>
-          <a:custGeom>
-            <a:avLst/>
-            <a:gdLst/>
-            <a:ahLst/>
-            <a:cxnLst/>
-            <a:rect r="r" b="b" t="t" l="l"/>
-            <a:pathLst>
-              <a:path h="540000" w="1455718">
-                <a:moveTo>
-                  <a:pt x="0" y="0"/>
-                </a:moveTo>
-                <a:lnTo>
-                  <a:pt x="1455719" y="0"/>
-                </a:lnTo>
-                <a:lnTo>
-                  <a:pt x="1455719" y="540000"/>
-                </a:lnTo>
-                <a:lnTo>
-                  <a:pt x="0" y="540000"/>
-                </a:lnTo>
-                <a:lnTo>
-                  <a:pt x="0" y="0"/>
-                </a:lnTo>
-                <a:close/>
-              </a:path>
-            </a:pathLst>
-          </a:custGeom>
-          <a:blipFill>
-            <a:blip r:embed="rId3"/>
-            <a:stretch>
-              <a:fillRect l="0" t="-328" r="0" b="-328"/>
-            </a:stretch>
-          </a:blipFill>
-        </p:spPr>
-      </p:sp>
-      <p:grpSp>
-        <p:nvGrpSpPr>
-          <p:cNvPr name="Group 4" id="4"/>
-          <p:cNvGrpSpPr/>
-          <p:nvPr/>
-        </p:nvGrpSpPr>
-        <p:grpSpPr>
-          <a:xfrm rot="0">
-            <a:off x="1312068" y="519112"/>
-            <a:ext cx="15871030" cy="1295399"/>
-            <a:chOff x="0" y="0"/>
-            <a:chExt cx="21161374" cy="1727199"/>
-          </a:xfrm>
-        </p:grpSpPr>
-        <p:sp>
-          <p:nvSpPr>
-            <p:cNvPr name="Freeform 5" id="5"/>
-            <p:cNvSpPr/>
-            <p:nvPr/>
-          </p:nvSpPr>
-          <p:spPr>
-            <a:xfrm flipH="false" flipV="false" rot="0">
-              <a:off x="0" y="0"/>
-              <a:ext cx="21161373" cy="1727199"/>
-            </a:xfrm>
-            <a:custGeom>
-              <a:avLst/>
-              <a:gdLst/>
-              <a:ahLst/>
-              <a:cxnLst/>
-              <a:rect r="r" b="b" t="t" l="l"/>
-              <a:pathLst>
-                <a:path h="1727199" w="21161373">
-                  <a:moveTo>
-                    <a:pt x="0" y="0"/>
-                  </a:moveTo>
-                  <a:lnTo>
-                    <a:pt x="21161373" y="0"/>
-                  </a:lnTo>
-                  <a:lnTo>
-                    <a:pt x="21161373" y="1727199"/>
-                  </a:lnTo>
-                  <a:lnTo>
-                    <a:pt x="0" y="1727199"/>
-                  </a:lnTo>
-                  <a:close/>
-                </a:path>
-              </a:pathLst>
-            </a:custGeom>
-            <a:solidFill>
-              <a:srgbClr val="000000">
-                <a:alpha val="0"/>
-              </a:srgbClr>
-            </a:solidFill>
-          </p:spPr>
-        </p:sp>
-        <p:sp>
-          <p:nvSpPr>
-            <p:cNvPr name="TextBox 6" id="6"/>
-            <p:cNvSpPr txBox="true"/>
-            <p:nvPr/>
-          </p:nvSpPr>
-          <p:spPr>
-            <a:xfrm>
-              <a:off x="0" y="0"/>
-              <a:ext cx="21161374" cy="1727199"/>
-            </a:xfrm>
-            <a:prstGeom prst="rect">
-              <a:avLst/>
-            </a:prstGeom>
-          </p:spPr>
-          <p:txBody>
-            <a:bodyPr anchor="t" rtlCol="false" tIns="0" lIns="0" bIns="0" rIns="0"/>
-            <a:lstStyle/>
-            <a:p>
-              <a:pPr algn="l">
-                <a:lnSpc>
-                  <a:spcPts val="4320"/>
-                </a:lnSpc>
-              </a:pPr>
-              <a:r>
-                <a:rPr lang="en-US" sz="3600" b="true">
-                  <a:solidFill>
-                    <a:srgbClr val="00305D"/>
-                  </a:solidFill>
-                  <a:latin typeface="Open Sans Bold"/>
-                  <a:ea typeface="Open Sans Bold"/>
-                  <a:cs typeface="Open Sans Bold"/>
-                  <a:sym typeface="Open Sans Bold"/>
-                </a:rPr>
-                <a:t>Introduction</a:t>
-              </a:r>
-            </a:p>
-            <a:p>
-              <a:pPr algn="l">
-                <a:lnSpc>
-                  <a:spcPts val="4320"/>
-                </a:lnSpc>
-              </a:pPr>
-              <a:r>
-                <a:rPr lang="en-US" sz="3600">
-                  <a:solidFill>
-                    <a:srgbClr val="00305D"/>
-                  </a:solidFill>
-                  <a:latin typeface="Open Sans"/>
-                  <a:ea typeface="Open Sans"/>
-                  <a:cs typeface="Open Sans"/>
-                  <a:sym typeface="Open Sans"/>
-                </a:rPr>
-                <a:t>The Structure Factor</a:t>
-              </a:r>
-            </a:p>
-          </p:txBody>
-        </p:sp>
-      </p:grpSp>
-      <p:grpSp>
-        <p:nvGrpSpPr>
-          <p:cNvPr name="Group 7" id="7"/>
-          <p:cNvGrpSpPr/>
-          <p:nvPr/>
-        </p:nvGrpSpPr>
-        <p:grpSpPr>
-          <a:xfrm rot="0">
-            <a:off x="1312068" y="2084033"/>
-            <a:ext cx="11718481" cy="4840039"/>
-            <a:chOff x="0" y="0"/>
-            <a:chExt cx="15624642" cy="6453386"/>
-          </a:xfrm>
-        </p:grpSpPr>
-        <p:sp>
-          <p:nvSpPr>
-            <p:cNvPr name="Freeform 8" id="8"/>
-            <p:cNvSpPr/>
-            <p:nvPr/>
-          </p:nvSpPr>
-          <p:spPr>
-            <a:xfrm flipH="false" flipV="false" rot="0">
-              <a:off x="0" y="0"/>
-              <a:ext cx="15624643" cy="6453386"/>
-            </a:xfrm>
-            <a:custGeom>
-              <a:avLst/>
-              <a:gdLst/>
-              <a:ahLst/>
-              <a:cxnLst/>
-              <a:rect r="r" b="b" t="t" l="l"/>
-              <a:pathLst>
-                <a:path h="6453386" w="15624643">
-                  <a:moveTo>
-                    <a:pt x="0" y="0"/>
-                  </a:moveTo>
-                  <a:lnTo>
-                    <a:pt x="15624643" y="0"/>
-                  </a:lnTo>
-                  <a:lnTo>
-                    <a:pt x="15624643" y="6453386"/>
-                  </a:lnTo>
-                  <a:lnTo>
-                    <a:pt x="0" y="6453386"/>
-                  </a:lnTo>
-                  <a:close/>
-                </a:path>
-              </a:pathLst>
-            </a:custGeom>
-            <a:solidFill>
-              <a:srgbClr val="000000">
-                <a:alpha val="0"/>
-              </a:srgbClr>
-            </a:solidFill>
-          </p:spPr>
-        </p:sp>
-        <p:sp>
-          <p:nvSpPr>
-            <p:cNvPr name="TextBox 9" id="9"/>
-            <p:cNvSpPr txBox="true"/>
-            <p:nvPr/>
-          </p:nvSpPr>
-          <p:spPr>
-            <a:xfrm>
-              <a:off x="0" y="9525"/>
-              <a:ext cx="15624642" cy="6443861"/>
-            </a:xfrm>
-            <a:prstGeom prst="rect">
-              <a:avLst/>
-            </a:prstGeom>
-          </p:spPr>
-          <p:txBody>
-            <a:bodyPr anchor="t" rtlCol="false" tIns="0" lIns="0" bIns="0" rIns="0"/>
-            <a:lstStyle/>
-            <a:p>
-              <a:pPr algn="l" marL="518160" indent="-259080" lvl="1">
-                <a:lnSpc>
-                  <a:spcPts val="2879"/>
-                </a:lnSpc>
-                <a:buFont typeface="Arial"/>
-                <a:buChar char="•"/>
-              </a:pPr>
-              <a:r>
-                <a:rPr lang="en-US" sz="2400">
-                  <a:solidFill>
-                    <a:srgbClr val="00305D"/>
-                  </a:solidFill>
-                  <a:latin typeface="Open Sans"/>
-                  <a:ea typeface="Open Sans"/>
-                  <a:cs typeface="Open Sans"/>
-                  <a:sym typeface="Open Sans"/>
-                </a:rPr>
-                <a:t>Equivalently, one can derive from internal correlation and fourier transform [Tor18] that hyperuniformity may be characterized by a vanishing structure factor for small wave vectors</a:t>
-              </a:r>
-            </a:p>
-            <a:p>
-              <a:pPr algn="l">
-                <a:lnSpc>
-                  <a:spcPts val="2879"/>
-                </a:lnSpc>
-              </a:pPr>
-            </a:p>
-            <a:p>
-              <a:pPr algn="l">
-                <a:lnSpc>
-                  <a:spcPts val="2879"/>
-                </a:lnSpc>
-              </a:pPr>
-            </a:p>
-            <a:p>
-              <a:pPr algn="l">
-                <a:lnSpc>
-                  <a:spcPts val="2879"/>
-                </a:lnSpc>
-              </a:pPr>
-            </a:p>
-            <a:p>
-              <a:pPr algn="l">
-                <a:lnSpc>
-                  <a:spcPts val="2879"/>
-                </a:lnSpc>
-              </a:pPr>
-            </a:p>
-            <a:p>
-              <a:pPr algn="l">
-                <a:lnSpc>
-                  <a:spcPts val="2879"/>
-                </a:lnSpc>
-              </a:pPr>
-            </a:p>
-            <a:p>
-              <a:pPr algn="l">
-                <a:lnSpc>
-                  <a:spcPts val="2879"/>
-                </a:lnSpc>
-              </a:pPr>
-              <a:r>
-                <a:rPr lang="en-US" sz="2400">
-                  <a:solidFill>
-                    <a:srgbClr val="00305D"/>
-                  </a:solidFill>
-                  <a:latin typeface="Open Sans"/>
-                  <a:ea typeface="Open Sans"/>
-                  <a:cs typeface="Open Sans"/>
-                  <a:sym typeface="Open Sans"/>
-                </a:rPr>
-                <a:t>For a single periodic configuration with a finite number of N points, the structure factor is identical to [Tor18]:</a:t>
-              </a:r>
-            </a:p>
-            <a:p>
-              <a:pPr algn="l">
-                <a:lnSpc>
-                  <a:spcPts val="2879"/>
-                </a:lnSpc>
-              </a:pPr>
-            </a:p>
-            <a:p>
-              <a:pPr algn="l">
-                <a:lnSpc>
-                  <a:spcPts val="2879"/>
-                </a:lnSpc>
-              </a:pPr>
-            </a:p>
-            <a:p>
-              <a:pPr algn="l">
-                <a:lnSpc>
-                  <a:spcPts val="2879"/>
-                </a:lnSpc>
-              </a:pPr>
-            </a:p>
-          </p:txBody>
-        </p:sp>
-      </p:grpSp>
-      <p:sp>
-        <p:nvSpPr>
-          <p:cNvPr name="TextBox 10" id="10"/>
-          <p:cNvSpPr txBox="true"/>
-          <p:nvPr/>
-        </p:nvSpPr>
-        <p:spPr>
-          <a:xfrm rot="0">
-            <a:off x="10993470" y="9635487"/>
-            <a:ext cx="152400" cy="171450"/>
-          </a:xfrm>
-          <a:prstGeom prst="rect">
-            <a:avLst/>
-          </a:prstGeom>
-        </p:spPr>
-        <p:txBody>
-          <a:bodyPr anchor="t" rtlCol="false" tIns="0" lIns="0" bIns="0" rIns="0" wrap="none">
-            <a:spAutoFit/>
-          </a:bodyPr>
-          <a:lstStyle/>
-          <a:p>
-            <a:pPr algn="ctr">
-              <a:lnSpc>
-                <a:spcPts val="1680"/>
-              </a:lnSpc>
-              <a:spcBef>
-                <a:spcPct val="0"/>
-              </a:spcBef>
-            </a:pPr>
-            <a:r>
-              <a:rPr lang="en-US" sz="1200">
-                <a:solidFill>
-                  <a:srgbClr val="727277"/>
-                </a:solidFill>
-                <a:latin typeface="Canva Sans"/>
-                <a:ea typeface="Canva Sans"/>
-                <a:cs typeface="Canva Sans"/>
-                <a:sym typeface="Canva Sans"/>
-              </a:rPr>
-              <a:t>Page 4 of 14</a:t>
-            </a:r>
-          </a:p>
-        </p:txBody>
-      </p:sp>
-      <p:grpSp>
-        <p:nvGrpSpPr>
-          <p:cNvPr name="Group 11" id="11"/>
-          <p:cNvGrpSpPr/>
-          <p:nvPr/>
-        </p:nvGrpSpPr>
-        <p:grpSpPr>
-          <a:xfrm rot="0">
-            <a:off x="3716655" y="9479695"/>
-            <a:ext cx="6727507" cy="610270"/>
-            <a:chOff x="0" y="0"/>
-            <a:chExt cx="8970010" cy="813693"/>
-          </a:xfrm>
-        </p:grpSpPr>
-        <p:sp>
-          <p:nvSpPr>
-            <p:cNvPr name="Freeform 12" id="12"/>
-            <p:cNvSpPr/>
-            <p:nvPr/>
-          </p:nvSpPr>
-          <p:spPr>
-            <a:xfrm flipH="false" flipV="false" rot="0">
-              <a:off x="0" y="0"/>
-              <a:ext cx="8970010" cy="813693"/>
-            </a:xfrm>
-            <a:custGeom>
-              <a:avLst/>
-              <a:gdLst/>
-              <a:ahLst/>
-              <a:cxnLst/>
-              <a:rect r="r" b="b" t="t" l="l"/>
-              <a:pathLst>
-                <a:path h="813693" w="8970010">
-                  <a:moveTo>
-                    <a:pt x="0" y="0"/>
-                  </a:moveTo>
-                  <a:lnTo>
-                    <a:pt x="8970010" y="0"/>
-                  </a:lnTo>
-                  <a:lnTo>
-                    <a:pt x="8970010" y="813693"/>
-                  </a:lnTo>
-                  <a:lnTo>
-                    <a:pt x="0" y="813693"/>
-                  </a:lnTo>
-                  <a:close/>
-                </a:path>
-              </a:pathLst>
-            </a:custGeom>
-            <a:solidFill>
-              <a:srgbClr val="000000">
-                <a:alpha val="0"/>
-              </a:srgbClr>
-            </a:solidFill>
-          </p:spPr>
-        </p:sp>
-        <p:sp>
-          <p:nvSpPr>
-            <p:cNvPr name="TextBox 13" id="13"/>
-            <p:cNvSpPr txBox="true"/>
-            <p:nvPr/>
-          </p:nvSpPr>
-          <p:spPr>
-            <a:xfrm>
-              <a:off x="0" y="0"/>
-              <a:ext cx="8970010" cy="813693"/>
-            </a:xfrm>
-            <a:prstGeom prst="rect">
-              <a:avLst/>
-            </a:prstGeom>
-          </p:spPr>
-          <p:txBody>
-            <a:bodyPr anchor="b" rtlCol="false" tIns="0" lIns="0" bIns="0" rIns="0"/>
-            <a:lstStyle/>
-            <a:p>
-              <a:pPr algn="l">
-                <a:lnSpc>
-                  <a:spcPts val="1439"/>
-                </a:lnSpc>
-              </a:pPr>
-              <a:r>
-                <a:rPr lang="en-US" sz="1200">
-                  <a:solidFill>
-                    <a:srgbClr val="727277"/>
-                  </a:solidFill>
-                  <a:latin typeface="Open Sans"/>
-                  <a:ea typeface="Open Sans"/>
-                  <a:cs typeface="Open Sans"/>
-                  <a:sym typeface="Open Sans"/>
-                </a:rPr>
-                <a:t>Hyperuniformity</a:t>
-              </a:r>
-            </a:p>
-            <a:p>
-              <a:pPr algn="l">
-                <a:lnSpc>
-                  <a:spcPts val="1439"/>
-                </a:lnSpc>
-              </a:pPr>
-              <a:r>
-                <a:rPr lang="en-US" sz="1200">
-                  <a:solidFill>
-                    <a:srgbClr val="727277"/>
-                  </a:solidFill>
-                  <a:latin typeface="Open Sans"/>
-                  <a:ea typeface="Open Sans"/>
-                  <a:cs typeface="Open Sans"/>
-                  <a:sym typeface="Open Sans"/>
-                </a:rPr>
-                <a:t>Generation of hyperuniform structures and their analysis</a:t>
-              </a:r>
-            </a:p>
-            <a:p>
-              <a:pPr algn="l">
-                <a:lnSpc>
-                  <a:spcPts val="1439"/>
-                </a:lnSpc>
-              </a:pPr>
-              <a:r>
-                <a:rPr lang="en-US" sz="1200">
-                  <a:solidFill>
-                    <a:srgbClr val="727277"/>
-                  </a:solidFill>
-                  <a:latin typeface="Open Sans"/>
-                  <a:ea typeface="Open Sans"/>
-                  <a:cs typeface="Open Sans"/>
-                  <a:sym typeface="Open Sans"/>
-                </a:rPr>
-                <a:t>MOD-SEM SuSe25 // May 12, 2025</a:t>
-              </a:r>
-            </a:p>
-          </p:txBody>
-        </p:sp>
-      </p:grpSp>
-      <p:sp>
-        <p:nvSpPr>
-          <p:cNvPr name="Freeform 14" id="14"/>
-          <p:cNvSpPr/>
-          <p:nvPr/>
-        </p:nvSpPr>
-        <p:spPr>
-          <a:xfrm flipH="false" flipV="false" rot="0">
-            <a:off x="13321075" y="1814512"/>
-            <a:ext cx="3938225" cy="3386874"/>
-          </a:xfrm>
-          <a:custGeom>
-            <a:avLst/>
-            <a:gdLst/>
-            <a:ahLst/>
-            <a:cxnLst/>
-            <a:rect r="r" b="b" t="t" l="l"/>
-            <a:pathLst>
-              <a:path h="3386874" w="3938225">
+              <a:path w="3938225" h="3386874">
                 <a:moveTo>
                   <a:pt x="0" y="0"/>
                 </a:moveTo>
@@ -8755,19 +8556,19 @@
           <a:blipFill>
             <a:blip r:embed="rId4"/>
             <a:stretch>
-              <a:fillRect l="0" t="0" r="0" b="0"/>
+              <a:fillRect/>
             </a:stretch>
           </a:blipFill>
         </p:spPr>
       </p:sp>
       <p:sp>
         <p:nvSpPr>
-          <p:cNvPr name="Freeform 15" id="15"/>
+          <p:cNvPr id="15" name="Freeform 15"/>
           <p:cNvSpPr/>
           <p:nvPr/>
         </p:nvSpPr>
         <p:spPr>
-          <a:xfrm flipH="false" flipV="false" rot="0">
+          <a:xfrm>
             <a:off x="13321075" y="5388613"/>
             <a:ext cx="3938225" cy="3381951"/>
           </a:xfrm>
@@ -8776,9 +8577,9 @@
             <a:gdLst/>
             <a:ahLst/>
             <a:cxnLst/>
-            <a:rect r="r" b="b" t="t" l="l"/>
+            <a:rect l="l" t="t" r="r" b="b"/>
             <a:pathLst>
-              <a:path h="3381951" w="3938225">
+              <a:path w="3938225" h="3381951">
                 <a:moveTo>
                   <a:pt x="0" y="0"/>
                 </a:moveTo>
@@ -8801,16 +8602,16 @@
           <a:blipFill>
             <a:blip r:embed="rId5"/>
             <a:stretch>
-              <a:fillRect l="0" t="0" r="0" b="0"/>
+              <a:fillRect/>
             </a:stretch>
           </a:blipFill>
         </p:spPr>
       </p:sp>
       <p:pic>
         <p:nvPicPr>
-          <p:cNvPr name="Picture 16" id="16"/>
+          <p:cNvPr id="16" name="Picture 16"/>
           <p:cNvPicPr>
-            <a:picLocks noChangeAspect="true"/>
+            <a:picLocks noChangeAspect="1"/>
           </p:cNvPicPr>
           <p:nvPr/>
         </p:nvPicPr>
@@ -8821,7 +8622,7 @@
           </a:stretch>
         </p:blipFill>
         <p:spPr>
-          <a:xfrm rot="0">
+          <a:xfrm>
             <a:off x="5065769" y="3666268"/>
             <a:ext cx="2588269" cy="1077154"/>
           </a:xfrm>
@@ -8832,12 +8633,12 @@
       </p:pic>
       <p:sp>
         <p:nvSpPr>
-          <p:cNvPr name="TextBox 17" id="17"/>
-          <p:cNvSpPr txBox="true"/>
+          <p:cNvPr id="17" name="TextBox 17"/>
+          <p:cNvSpPr txBox="1"/>
           <p:nvPr/>
         </p:nvSpPr>
         <p:spPr>
-          <a:xfrm rot="0">
+          <a:xfrm>
             <a:off x="15258045" y="9654537"/>
             <a:ext cx="578961" cy="180975"/>
           </a:xfrm>
@@ -8846,7 +8647,7 @@
           </a:prstGeom>
         </p:spPr>
         <p:txBody>
-          <a:bodyPr anchor="t" rtlCol="false" tIns="0" lIns="0" bIns="0" rIns="0">
+          <a:bodyPr lIns="0" tIns="0" rIns="0" bIns="0" rtlCol="0" anchor="t">
             <a:spAutoFit/>
           </a:bodyPr>
           <a:lstStyle/>
@@ -8876,9 +8677,9 @@
       </p:sp>
       <p:pic>
         <p:nvPicPr>
-          <p:cNvPr name="Picture 18" id="18"/>
+          <p:cNvPr id="18" name="Picture 18"/>
           <p:cNvPicPr>
-            <a:picLocks noChangeAspect="true"/>
+            <a:picLocks noChangeAspect="1"/>
           </p:cNvPicPr>
           <p:nvPr/>
         </p:nvPicPr>
@@ -8889,7 +8690,7 @@
           </a:stretch>
         </p:blipFill>
         <p:spPr>
-          <a:xfrm rot="0">
+          <a:xfrm>
             <a:off x="1175712" y="5263323"/>
             <a:ext cx="11437979" cy="3053228"/>
           </a:xfrm>
@@ -8907,7 +8708,7 @@
 </file>
 
 <file path=ppt/slides/slide5.xml><?xml version="1.0" encoding="utf-8"?>
-<p:sld xmlns:p="http://schemas.openxmlformats.org/presentationml/2006/main" xmlns:a="http://schemas.openxmlformats.org/drawingml/2006/main" xmlns:r="http://schemas.openxmlformats.org/officeDocument/2006/relationships">
+<p:sld xmlns:a="http://schemas.openxmlformats.org/drawingml/2006/main" xmlns:r="http://schemas.openxmlformats.org/officeDocument/2006/relationships" xmlns:p="http://schemas.openxmlformats.org/presentationml/2006/main">
   <p:cSld>
     <p:spTree>
       <p:nvGrpSpPr>
@@ -8925,12 +8726,12 @@
       </p:grpSpPr>
       <p:sp>
         <p:nvSpPr>
-          <p:cNvPr name="Freeform 2" id="2"/>
+          <p:cNvPr id="2" name="Freeform 2"/>
           <p:cNvSpPr/>
           <p:nvPr/>
         </p:nvSpPr>
         <p:spPr>
-          <a:xfrm flipH="false" flipV="false" rot="0">
+          <a:xfrm>
             <a:off x="757300" y="9501072"/>
             <a:ext cx="1674276" cy="486000"/>
           </a:xfrm>
@@ -8939,9 +8740,9 @@
             <a:gdLst/>
             <a:ahLst/>
             <a:cxnLst/>
-            <a:rect r="r" b="b" t="t" l="l"/>
+            <a:rect l="l" t="t" r="r" b="b"/>
             <a:pathLst>
-              <a:path h="486000" w="1674276">
+              <a:path w="1674276" h="486000">
                 <a:moveTo>
                   <a:pt x="0" y="0"/>
                 </a:moveTo>
@@ -8964,19 +8765,19 @@
           <a:blipFill>
             <a:blip r:embed="rId2"/>
             <a:stretch>
-              <a:fillRect l="-53" t="0" r="-53" b="0"/>
+              <a:fillRect l="-53" r="-53"/>
             </a:stretch>
           </a:blipFill>
         </p:spPr>
       </p:sp>
       <p:sp>
         <p:nvSpPr>
-          <p:cNvPr name="Freeform 3" id="3"/>
+          <p:cNvPr id="3" name="Freeform 3"/>
           <p:cNvSpPr/>
           <p:nvPr/>
         </p:nvSpPr>
         <p:spPr>
-          <a:xfrm flipH="false" flipV="false" rot="0">
+          <a:xfrm>
             <a:off x="16382397" y="9473664"/>
             <a:ext cx="1455718" cy="540000"/>
           </a:xfrm>
@@ -8985,9 +8786,9 @@
             <a:gdLst/>
             <a:ahLst/>
             <a:cxnLst/>
-            <a:rect r="r" b="b" t="t" l="l"/>
+            <a:rect l="l" t="t" r="r" b="b"/>
             <a:pathLst>
-              <a:path h="540000" w="1455718">
+              <a:path w="1455718" h="540000">
                 <a:moveTo>
                   <a:pt x="0" y="0"/>
                 </a:moveTo>
@@ -9010,19 +8811,19 @@
           <a:blipFill>
             <a:blip r:embed="rId3"/>
             <a:stretch>
-              <a:fillRect l="0" t="-328" r="0" b="-328"/>
+              <a:fillRect t="-328" b="-328"/>
             </a:stretch>
           </a:blipFill>
         </p:spPr>
       </p:sp>
       <p:grpSp>
         <p:nvGrpSpPr>
-          <p:cNvPr name="Group 4" id="4"/>
+          <p:cNvPr id="4" name="Group 4"/>
           <p:cNvGrpSpPr/>
           <p:nvPr/>
         </p:nvGrpSpPr>
         <p:grpSpPr>
-          <a:xfrm rot="0">
+          <a:xfrm>
             <a:off x="0" y="3"/>
             <a:ext cx="18288000" cy="9194004"/>
             <a:chOff x="0" y="0"/>
@@ -9031,12 +8832,12 @@
         </p:grpSpPr>
         <p:sp>
           <p:nvSpPr>
-            <p:cNvPr name="Freeform 5" id="5"/>
+            <p:cNvPr id="5" name="Freeform 5"/>
             <p:cNvSpPr/>
             <p:nvPr/>
           </p:nvSpPr>
           <p:spPr>
-            <a:xfrm flipH="false" flipV="false" rot="0">
+            <a:xfrm>
               <a:off x="0" y="0"/>
               <a:ext cx="24384000" cy="12258675"/>
             </a:xfrm>
@@ -9045,9 +8846,9 @@
               <a:gdLst/>
               <a:ahLst/>
               <a:cxnLst/>
-              <a:rect r="r" b="b" t="t" l="l"/>
+              <a:rect l="l" t="t" r="r" b="b"/>
               <a:pathLst>
-                <a:path h="12258675" w="24384000">
+                <a:path w="24384000" h="12258675">
                   <a:moveTo>
                     <a:pt x="0" y="0"/>
                   </a:moveTo>
@@ -9064,7 +8865,7 @@
                 </a:path>
               </a:pathLst>
             </a:custGeom>
-            <a:gradFill rotWithShape="true">
+            <a:gradFill rotWithShape="1">
               <a:gsLst>
                 <a:gs pos="14000">
                   <a:srgbClr val="0069B4">
@@ -9084,12 +8885,12 @@
       </p:grpSp>
       <p:grpSp>
         <p:nvGrpSpPr>
-          <p:cNvPr name="Group 6" id="6"/>
+          <p:cNvPr id="6" name="Group 6"/>
           <p:cNvGrpSpPr/>
           <p:nvPr/>
         </p:nvGrpSpPr>
         <p:grpSpPr>
-          <a:xfrm rot="0">
+          <a:xfrm>
             <a:off x="1312068" y="5080889"/>
             <a:ext cx="15871030" cy="1797736"/>
             <a:chOff x="0" y="0"/>
@@ -9098,12 +8899,12 @@
         </p:grpSpPr>
         <p:sp>
           <p:nvSpPr>
-            <p:cNvPr name="Freeform 7" id="7"/>
+            <p:cNvPr id="7" name="Freeform 7"/>
             <p:cNvSpPr/>
             <p:nvPr/>
           </p:nvSpPr>
           <p:spPr>
-            <a:xfrm flipH="false" flipV="false" rot="0">
+            <a:xfrm>
               <a:off x="0" y="0"/>
               <a:ext cx="21161373" cy="2396982"/>
             </a:xfrm>
@@ -9112,9 +8913,9 @@
               <a:gdLst/>
               <a:ahLst/>
               <a:cxnLst/>
-              <a:rect r="r" b="b" t="t" l="l"/>
+              <a:rect l="l" t="t" r="r" b="b"/>
               <a:pathLst>
-                <a:path h="2396982" w="21161373">
+                <a:path w="21161373" h="2396982">
                   <a:moveTo>
                     <a:pt x="0" y="0"/>
                   </a:moveTo>
@@ -9140,8 +8941,8 @@
         </p:sp>
         <p:sp>
           <p:nvSpPr>
-            <p:cNvPr name="TextBox 8" id="8"/>
-            <p:cNvSpPr txBox="true"/>
+            <p:cNvPr id="8" name="TextBox 8"/>
+            <p:cNvSpPr txBox="1"/>
             <p:nvPr/>
           </p:nvSpPr>
           <p:spPr>
@@ -9154,7 +8955,7 @@
             </a:prstGeom>
           </p:spPr>
           <p:txBody>
-            <a:bodyPr anchor="t" rtlCol="false" tIns="0" lIns="0" bIns="0" rIns="0"/>
+            <a:bodyPr lIns="0" tIns="0" rIns="0" bIns="0" rtlCol="0" anchor="t"/>
             <a:lstStyle/>
             <a:p>
               <a:pPr algn="l">
@@ -9163,7 +8964,7 @@
                 </a:lnSpc>
               </a:pPr>
               <a:r>
-                <a:rPr lang="en-US" sz="5400" b="true">
+                <a:rPr lang="en-US" sz="5400" b="1" dirty="0">
                   <a:solidFill>
                     <a:srgbClr val="FFFFFF"/>
                   </a:solidFill>
@@ -9172,20 +8973,84 @@
                   <a:cs typeface="Open Sans Bold"/>
                   <a:sym typeface="Open Sans Bold"/>
                 </a:rPr>
-                <a:t>Generating hyperuniform structures</a:t>
+                <a:t>Generating </a:t>
               </a:r>
+              <a:r>
+                <a:rPr lang="en-US" sz="5400" b="1" dirty="0" err="1">
+                  <a:solidFill>
+                    <a:srgbClr val="FFFFFF"/>
+                  </a:solidFill>
+                  <a:latin typeface="Open Sans Bold"/>
+                  <a:ea typeface="Open Sans Bold"/>
+                  <a:cs typeface="Open Sans Bold"/>
+                  <a:sym typeface="Open Sans Bold"/>
+                </a:rPr>
+                <a:t>hyperuniform</a:t>
+              </a:r>
+              <a:r>
+                <a:rPr lang="en-US" sz="5400" b="1" dirty="0">
+                  <a:solidFill>
+                    <a:srgbClr val="FFFFFF"/>
+                  </a:solidFill>
+                  <a:latin typeface="Open Sans Bold"/>
+                  <a:ea typeface="Open Sans Bold"/>
+                  <a:cs typeface="Open Sans Bold"/>
+                  <a:sym typeface="Open Sans Bold"/>
+                </a:rPr>
+                <a:t> </a:t>
+              </a:r>
+              <a:r>
+                <a:rPr lang="en-US" sz="5400" b="1" dirty="0" smtClean="0">
+                  <a:solidFill>
+                    <a:srgbClr val="FFFFFF"/>
+                  </a:solidFill>
+                  <a:latin typeface="Open Sans Bold"/>
+                  <a:ea typeface="Open Sans Bold"/>
+                  <a:cs typeface="Open Sans Bold"/>
+                  <a:sym typeface="Open Sans Bold"/>
+                </a:rPr>
+                <a:t>structures</a:t>
+              </a:r>
+            </a:p>
+            <a:p>
+              <a:pPr algn="l">
+                <a:lnSpc>
+                  <a:spcPts val="6480"/>
+                </a:lnSpc>
+              </a:pPr>
+              <a:r>
+                <a:rPr lang="en-US" sz="5400" b="1" dirty="0" smtClean="0">
+                  <a:solidFill>
+                    <a:srgbClr val="FFFFFF"/>
+                  </a:solidFill>
+                  <a:latin typeface="Open Sans Bold"/>
+                  <a:ea typeface="Open Sans Bold"/>
+                  <a:cs typeface="Open Sans Bold"/>
+                  <a:sym typeface="Open Sans Bold"/>
+                </a:rPr>
+                <a:t>(Responsible: Enno)</a:t>
+              </a:r>
+              <a:endParaRPr lang="en-US" sz="5400" b="1" dirty="0">
+                <a:solidFill>
+                  <a:srgbClr val="FFFFFF"/>
+                </a:solidFill>
+                <a:latin typeface="Open Sans Bold"/>
+                <a:ea typeface="Open Sans Bold"/>
+                <a:cs typeface="Open Sans Bold"/>
+                <a:sym typeface="Open Sans Bold"/>
+              </a:endParaRPr>
             </a:p>
           </p:txBody>
         </p:sp>
       </p:grpSp>
       <p:sp>
         <p:nvSpPr>
-          <p:cNvPr name="TextBox 9" id="9"/>
-          <p:cNvSpPr txBox="true"/>
+          <p:cNvPr id="9" name="TextBox 9"/>
+          <p:cNvSpPr txBox="1"/>
           <p:nvPr/>
         </p:nvSpPr>
         <p:spPr>
-          <a:xfrm rot="0">
+          <a:xfrm>
             <a:off x="10993470" y="9635487"/>
             <a:ext cx="152400" cy="171450"/>
           </a:xfrm>
@@ -9194,7 +9059,7 @@
           </a:prstGeom>
         </p:spPr>
         <p:txBody>
-          <a:bodyPr anchor="t" rtlCol="false" tIns="0" lIns="0" bIns="0" rIns="0" wrap="none">
+          <a:bodyPr wrap="none" lIns="0" tIns="0" rIns="0" bIns="0" rtlCol="0" anchor="t">
             <a:spAutoFit/>
           </a:bodyPr>
           <a:lstStyle/>
@@ -9217,19 +9082,19 @@
                 <a:cs typeface="Canva Sans"/>
                 <a:sym typeface="Canva Sans"/>
               </a:rPr>
-              <a:t>Page 5 of 14</a:t>
+              <a:t>Page 5 of 17</a:t>
             </a:r>
           </a:p>
         </p:txBody>
       </p:sp>
       <p:grpSp>
         <p:nvGrpSpPr>
-          <p:cNvPr name="Group 10" id="10"/>
+          <p:cNvPr id="10" name="Group 10"/>
           <p:cNvGrpSpPr/>
           <p:nvPr/>
         </p:nvGrpSpPr>
         <p:grpSpPr>
-          <a:xfrm rot="0">
+          <a:xfrm>
             <a:off x="3716655" y="9479695"/>
             <a:ext cx="6727507" cy="610270"/>
             <a:chOff x="0" y="0"/>
@@ -9238,12 +9103,12 @@
         </p:grpSpPr>
         <p:sp>
           <p:nvSpPr>
-            <p:cNvPr name="Freeform 11" id="11"/>
+            <p:cNvPr id="11" name="Freeform 11"/>
             <p:cNvSpPr/>
             <p:nvPr/>
           </p:nvSpPr>
           <p:spPr>
-            <a:xfrm flipH="false" flipV="false" rot="0">
+            <a:xfrm>
               <a:off x="0" y="0"/>
               <a:ext cx="8970010" cy="813693"/>
             </a:xfrm>
@@ -9252,9 +9117,9 @@
               <a:gdLst/>
               <a:ahLst/>
               <a:cxnLst/>
-              <a:rect r="r" b="b" t="t" l="l"/>
+              <a:rect l="l" t="t" r="r" b="b"/>
               <a:pathLst>
-                <a:path h="813693" w="8970010">
+                <a:path w="8970010" h="813693">
                   <a:moveTo>
                     <a:pt x="0" y="0"/>
                   </a:moveTo>
@@ -9280,8 +9145,8 @@
         </p:sp>
         <p:sp>
           <p:nvSpPr>
-            <p:cNvPr name="TextBox 12" id="12"/>
-            <p:cNvSpPr txBox="true"/>
+            <p:cNvPr id="12" name="TextBox 12"/>
+            <p:cNvSpPr txBox="1"/>
             <p:nvPr/>
           </p:nvSpPr>
           <p:spPr>
@@ -9294,7 +9159,7 @@
             </a:prstGeom>
           </p:spPr>
           <p:txBody>
-            <a:bodyPr anchor="b" rtlCol="false" tIns="0" lIns="0" bIns="0" rIns="0"/>
+            <a:bodyPr lIns="0" tIns="0" rIns="0" bIns="0" rtlCol="0" anchor="b"/>
             <a:lstStyle/>
             <a:p>
               <a:pPr algn="l">
@@ -9356,114 +9221,6 @@
           </p:txBody>
         </p:sp>
       </p:grpSp>
-      <p:grpSp>
-        <p:nvGrpSpPr>
-          <p:cNvPr name="Group 13" id="13"/>
-          <p:cNvGrpSpPr/>
-          <p:nvPr/>
-        </p:nvGrpSpPr>
-        <p:grpSpPr>
-          <a:xfrm rot="0">
-            <a:off x="1312068" y="6095253"/>
-            <a:ext cx="12064456" cy="496639"/>
-            <a:chOff x="0" y="0"/>
-            <a:chExt cx="16085942" cy="662186"/>
-          </a:xfrm>
-        </p:grpSpPr>
-        <p:sp>
-          <p:nvSpPr>
-            <p:cNvPr name="Freeform 14" id="14"/>
-            <p:cNvSpPr/>
-            <p:nvPr/>
-          </p:nvSpPr>
-          <p:spPr>
-            <a:xfrm flipH="false" flipV="false" rot="0">
-              <a:off x="0" y="0"/>
-              <a:ext cx="16085942" cy="662186"/>
-            </a:xfrm>
-            <a:custGeom>
-              <a:avLst/>
-              <a:gdLst/>
-              <a:ahLst/>
-              <a:cxnLst/>
-              <a:rect r="r" b="b" t="t" l="l"/>
-              <a:pathLst>
-                <a:path h="662186" w="16085942">
-                  <a:moveTo>
-                    <a:pt x="0" y="0"/>
-                  </a:moveTo>
-                  <a:lnTo>
-                    <a:pt x="16085942" y="0"/>
-                  </a:lnTo>
-                  <a:lnTo>
-                    <a:pt x="16085942" y="662186"/>
-                  </a:lnTo>
-                  <a:lnTo>
-                    <a:pt x="0" y="662186"/>
-                  </a:lnTo>
-                  <a:close/>
-                </a:path>
-              </a:pathLst>
-            </a:custGeom>
-            <a:solidFill>
-              <a:srgbClr val="000000">
-                <a:alpha val="0"/>
-              </a:srgbClr>
-            </a:solidFill>
-          </p:spPr>
-        </p:sp>
-        <p:sp>
-          <p:nvSpPr>
-            <p:cNvPr name="TextBox 15" id="15"/>
-            <p:cNvSpPr txBox="true"/>
-            <p:nvPr/>
-          </p:nvSpPr>
-          <p:spPr>
-            <a:xfrm>
-              <a:off x="0" y="9525"/>
-              <a:ext cx="16085942" cy="652661"/>
-            </a:xfrm>
-            <a:prstGeom prst="rect">
-              <a:avLst/>
-            </a:prstGeom>
-          </p:spPr>
-          <p:txBody>
-            <a:bodyPr anchor="t" rtlCol="false" tIns="0" lIns="0" bIns="0" rIns="0"/>
-            <a:lstStyle/>
-            <a:p>
-              <a:pPr algn="l">
-                <a:lnSpc>
-                  <a:spcPts val="2879"/>
-                </a:lnSpc>
-              </a:pPr>
-              <a:r>
-                <a:rPr lang="en-US" sz="2400">
-                  <a:solidFill>
-                    <a:srgbClr val="FFFFFF"/>
-                  </a:solidFill>
-                  <a:latin typeface="Open Sans"/>
-                  <a:ea typeface="Open Sans"/>
-                  <a:cs typeface="Open Sans"/>
-                  <a:sym typeface="Open Sans"/>
-                </a:rPr>
-                <a:t>→Resp</a:t>
-              </a:r>
-              <a:r>
-                <a:rPr lang="en-US" sz="2400">
-                  <a:solidFill>
-                    <a:srgbClr val="FFFFFF"/>
-                  </a:solidFill>
-                  <a:latin typeface="Open Sans"/>
-                  <a:ea typeface="Open Sans"/>
-                  <a:cs typeface="Open Sans"/>
-                  <a:sym typeface="Open Sans"/>
-                </a:rPr>
-                <a:t>onsibility: Enno</a:t>
-              </a:r>
-            </a:p>
-          </p:txBody>
-        </p:sp>
-      </p:grpSp>
     </p:spTree>
   </p:cSld>
   <p:clrMapOvr>
@@ -9473,7 +9230,7 @@
 </file>
 
 <file path=ppt/slides/slide6.xml><?xml version="1.0" encoding="utf-8"?>
-<p:sld xmlns:p="http://schemas.openxmlformats.org/presentationml/2006/main" xmlns:a="http://schemas.openxmlformats.org/drawingml/2006/main" xmlns:r="http://schemas.openxmlformats.org/officeDocument/2006/relationships">
+<p:sld xmlns:a="http://schemas.openxmlformats.org/drawingml/2006/main" xmlns:r="http://schemas.openxmlformats.org/officeDocument/2006/relationships" xmlns:p="http://schemas.openxmlformats.org/presentationml/2006/main">
   <p:cSld>
     <p:spTree>
       <p:nvGrpSpPr>
@@ -9491,12 +9248,12 @@
       </p:grpSpPr>
       <p:sp>
         <p:nvSpPr>
-          <p:cNvPr name="Freeform 2" id="2"/>
+          <p:cNvPr id="2" name="Freeform 2"/>
           <p:cNvSpPr/>
           <p:nvPr/>
         </p:nvSpPr>
         <p:spPr>
-          <a:xfrm flipH="false" flipV="false" rot="0">
+          <a:xfrm>
             <a:off x="757300" y="9501072"/>
             <a:ext cx="1674276" cy="486000"/>
           </a:xfrm>
@@ -9505,9 +9262,9 @@
             <a:gdLst/>
             <a:ahLst/>
             <a:cxnLst/>
-            <a:rect r="r" b="b" t="t" l="l"/>
+            <a:rect l="l" t="t" r="r" b="b"/>
             <a:pathLst>
-              <a:path h="486000" w="1674276">
+              <a:path w="1674276" h="486000">
                 <a:moveTo>
                   <a:pt x="0" y="0"/>
                 </a:moveTo>
@@ -9530,19 +9287,19 @@
           <a:blipFill>
             <a:blip r:embed="rId2"/>
             <a:stretch>
-              <a:fillRect l="-53" t="0" r="-53" b="0"/>
+              <a:fillRect l="-53" r="-53"/>
             </a:stretch>
           </a:blipFill>
         </p:spPr>
       </p:sp>
       <p:sp>
         <p:nvSpPr>
-          <p:cNvPr name="Freeform 3" id="3"/>
+          <p:cNvPr id="3" name="Freeform 3"/>
           <p:cNvSpPr/>
           <p:nvPr/>
         </p:nvSpPr>
         <p:spPr>
-          <a:xfrm flipH="false" flipV="false" rot="0">
+          <a:xfrm>
             <a:off x="16382397" y="9473664"/>
             <a:ext cx="1455718" cy="540000"/>
           </a:xfrm>
@@ -9551,9 +9308,9 @@
             <a:gdLst/>
             <a:ahLst/>
             <a:cxnLst/>
-            <a:rect r="r" b="b" t="t" l="l"/>
+            <a:rect l="l" t="t" r="r" b="b"/>
             <a:pathLst>
-              <a:path h="540000" w="1455718">
+              <a:path w="1455718" h="540000">
                 <a:moveTo>
                   <a:pt x="0" y="0"/>
                 </a:moveTo>
@@ -9576,19 +9333,19 @@
           <a:blipFill>
             <a:blip r:embed="rId3"/>
             <a:stretch>
-              <a:fillRect l="0" t="-328" r="0" b="-328"/>
+              <a:fillRect t="-328" b="-328"/>
             </a:stretch>
           </a:blipFill>
         </p:spPr>
       </p:sp>
       <p:grpSp>
         <p:nvGrpSpPr>
-          <p:cNvPr name="Group 4" id="4"/>
+          <p:cNvPr id="4" name="Group 4"/>
           <p:cNvGrpSpPr/>
           <p:nvPr/>
         </p:nvGrpSpPr>
         <p:grpSpPr>
-          <a:xfrm rot="0">
+          <a:xfrm>
             <a:off x="1312068" y="519112"/>
             <a:ext cx="15871030" cy="1295399"/>
             <a:chOff x="0" y="0"/>
@@ -9597,12 +9354,12 @@
         </p:grpSpPr>
         <p:sp>
           <p:nvSpPr>
-            <p:cNvPr name="Freeform 5" id="5"/>
+            <p:cNvPr id="5" name="Freeform 5"/>
             <p:cNvSpPr/>
             <p:nvPr/>
           </p:nvSpPr>
           <p:spPr>
-            <a:xfrm flipH="false" flipV="false" rot="0">
+            <a:xfrm>
               <a:off x="0" y="0"/>
               <a:ext cx="21161373" cy="1727199"/>
             </a:xfrm>
@@ -9611,9 +9368,9 @@
               <a:gdLst/>
               <a:ahLst/>
               <a:cxnLst/>
-              <a:rect r="r" b="b" t="t" l="l"/>
+              <a:rect l="l" t="t" r="r" b="b"/>
               <a:pathLst>
-                <a:path h="1727199" w="21161373">
+                <a:path w="21161373" h="1727199">
                   <a:moveTo>
                     <a:pt x="0" y="0"/>
                   </a:moveTo>
@@ -9639,8 +9396,8 @@
         </p:sp>
         <p:sp>
           <p:nvSpPr>
-            <p:cNvPr name="TextBox 6" id="6"/>
-            <p:cNvSpPr txBox="true"/>
+            <p:cNvPr id="6" name="TextBox 6"/>
+            <p:cNvSpPr txBox="1"/>
             <p:nvPr/>
           </p:nvSpPr>
           <p:spPr>
@@ -9653,7 +9410,7 @@
             </a:prstGeom>
           </p:spPr>
           <p:txBody>
-            <a:bodyPr anchor="t" rtlCol="false" tIns="0" lIns="0" bIns="0" rIns="0"/>
+            <a:bodyPr lIns="0" tIns="0" rIns="0" bIns="0" rtlCol="0" anchor="t"/>
             <a:lstStyle/>
             <a:p>
               <a:pPr algn="l">
@@ -9662,7 +9419,7 @@
                 </a:lnSpc>
               </a:pPr>
               <a:r>
-                <a:rPr lang="en-US" sz="3600" b="true">
+                <a:rPr lang="en-US" sz="3600" b="1">
                   <a:solidFill>
                     <a:srgbClr val="00305D"/>
                   </a:solidFill>
@@ -9698,12 +9455,12 @@
       </p:grpSp>
       <p:grpSp>
         <p:nvGrpSpPr>
-          <p:cNvPr name="Group 7" id="7"/>
+          <p:cNvPr id="7" name="Group 7"/>
           <p:cNvGrpSpPr/>
           <p:nvPr/>
         </p:nvGrpSpPr>
         <p:grpSpPr>
-          <a:xfrm rot="0">
+          <a:xfrm>
             <a:off x="1312067" y="2226470"/>
             <a:ext cx="15871032" cy="6517481"/>
             <a:chOff x="0" y="0"/>
@@ -9712,12 +9469,12 @@
         </p:grpSpPr>
         <p:sp>
           <p:nvSpPr>
-            <p:cNvPr name="Freeform 8" id="8"/>
+            <p:cNvPr id="8" name="Freeform 8"/>
             <p:cNvSpPr/>
             <p:nvPr/>
           </p:nvSpPr>
           <p:spPr>
-            <a:xfrm flipH="false" flipV="false" rot="0">
+            <a:xfrm>
               <a:off x="0" y="0"/>
               <a:ext cx="21161377" cy="8689974"/>
             </a:xfrm>
@@ -9726,9 +9483,9 @@
               <a:gdLst/>
               <a:ahLst/>
               <a:cxnLst/>
-              <a:rect r="r" b="b" t="t" l="l"/>
+              <a:rect l="l" t="t" r="r" b="b"/>
               <a:pathLst>
-                <a:path h="8689974" w="21161377">
+                <a:path w="21161377" h="8689974">
                   <a:moveTo>
                     <a:pt x="0" y="0"/>
                   </a:moveTo>
@@ -9754,8 +9511,8 @@
         </p:sp>
         <p:sp>
           <p:nvSpPr>
-            <p:cNvPr name="TextBox 9" id="9"/>
-            <p:cNvSpPr txBox="true"/>
+            <p:cNvPr id="9" name="TextBox 9"/>
+            <p:cNvSpPr txBox="1"/>
             <p:nvPr/>
           </p:nvSpPr>
           <p:spPr>
@@ -9768,10 +9525,10 @@
             </a:prstGeom>
           </p:spPr>
           <p:txBody>
-            <a:bodyPr anchor="t" rtlCol="false" tIns="0" lIns="0" bIns="0" rIns="0"/>
+            <a:bodyPr lIns="0" tIns="0" rIns="0" bIns="0" rtlCol="0" anchor="t"/>
             <a:lstStyle/>
             <a:p>
-              <a:pPr algn="l" marL="518160" indent="-259080" lvl="1">
+              <a:pPr marL="518160" lvl="1" indent="-259080" algn="l">
                 <a:lnSpc>
                   <a:spcPts val="2879"/>
                 </a:lnSpc>
@@ -9797,6 +9554,15 @@
                   <a:spcPts val="2879"/>
                 </a:lnSpc>
               </a:pPr>
+              <a:endParaRPr lang="en-US" sz="2400">
+                <a:solidFill>
+                  <a:srgbClr val="00305D"/>
+                </a:solidFill>
+                <a:latin typeface="Open Sans"/>
+                <a:ea typeface="Open Sans"/>
+                <a:cs typeface="Open Sans"/>
+                <a:sym typeface="Open Sans"/>
+              </a:endParaRPr>
             </a:p>
             <a:p>
               <a:pPr algn="l">
@@ -9804,6 +9570,15 @@
                   <a:spcPts val="2879"/>
                 </a:lnSpc>
               </a:pPr>
+              <a:endParaRPr lang="en-US" sz="2400">
+                <a:solidFill>
+                  <a:srgbClr val="00305D"/>
+                </a:solidFill>
+                <a:latin typeface="Open Sans"/>
+                <a:ea typeface="Open Sans"/>
+                <a:cs typeface="Open Sans"/>
+                <a:sym typeface="Open Sans"/>
+              </a:endParaRPr>
             </a:p>
             <a:p>
               <a:pPr algn="l">
@@ -9811,6 +9586,15 @@
                   <a:spcPts val="2879"/>
                 </a:lnSpc>
               </a:pPr>
+              <a:endParaRPr lang="en-US" sz="2400">
+                <a:solidFill>
+                  <a:srgbClr val="00305D"/>
+                </a:solidFill>
+                <a:latin typeface="Open Sans"/>
+                <a:ea typeface="Open Sans"/>
+                <a:cs typeface="Open Sans"/>
+                <a:sym typeface="Open Sans"/>
+              </a:endParaRPr>
             </a:p>
             <a:p>
               <a:pPr algn="l">
@@ -9818,6 +9602,15 @@
                   <a:spcPts val="2879"/>
                 </a:lnSpc>
               </a:pPr>
+              <a:endParaRPr lang="en-US" sz="2400">
+                <a:solidFill>
+                  <a:srgbClr val="00305D"/>
+                </a:solidFill>
+                <a:latin typeface="Open Sans"/>
+                <a:ea typeface="Open Sans"/>
+                <a:cs typeface="Open Sans"/>
+                <a:sym typeface="Open Sans"/>
+              </a:endParaRPr>
             </a:p>
             <a:p>
               <a:pPr algn="l">
@@ -9826,7 +9619,7 @@
                 </a:lnSpc>
               </a:pPr>
               <a:r>
-                <a:rPr lang="en-US" sz="2400" u="sng" b="true">
+                <a:rPr lang="en-US" sz="2400" b="1" u="sng">
                   <a:solidFill>
                     <a:srgbClr val="00305D"/>
                   </a:solidFill>
@@ -9856,9 +9649,18 @@
                   <a:spcPts val="2879"/>
                 </a:lnSpc>
               </a:pPr>
-            </a:p>
-            <a:p>
-              <a:pPr algn="l" marL="518160" indent="-259080" lvl="1">
+              <a:endParaRPr lang="en-US" sz="2400">
+                <a:solidFill>
+                  <a:srgbClr val="00305D"/>
+                </a:solidFill>
+                <a:latin typeface="Open Sans"/>
+                <a:ea typeface="Open Sans"/>
+                <a:cs typeface="Open Sans"/>
+                <a:sym typeface="Open Sans"/>
+              </a:endParaRPr>
+            </a:p>
+            <a:p>
+              <a:pPr marL="518160" lvl="1" indent="-259080" algn="l">
                 <a:lnSpc>
                   <a:spcPts val="2879"/>
                 </a:lnSpc>
@@ -9879,7 +9681,7 @@
               </a:r>
             </a:p>
             <a:p>
-              <a:pPr algn="l" marL="1036320" indent="-345440" lvl="2">
+              <a:pPr marL="1036320" lvl="2" indent="-345440" algn="l">
                 <a:lnSpc>
                   <a:spcPts val="2879"/>
                 </a:lnSpc>
@@ -9904,12 +9706,12 @@
       </p:grpSp>
       <p:grpSp>
         <p:nvGrpSpPr>
-          <p:cNvPr name="Group 10" id="10"/>
+          <p:cNvPr id="10" name="Group 10"/>
           <p:cNvGrpSpPr/>
           <p:nvPr/>
         </p:nvGrpSpPr>
         <p:grpSpPr>
-          <a:xfrm rot="0">
+          <a:xfrm>
             <a:off x="3716655" y="9479695"/>
             <a:ext cx="6727507" cy="610270"/>
             <a:chOff x="0" y="0"/>
@@ -9918,12 +9720,12 @@
         </p:grpSpPr>
         <p:sp>
           <p:nvSpPr>
-            <p:cNvPr name="Freeform 11" id="11"/>
+            <p:cNvPr id="11" name="Freeform 11"/>
             <p:cNvSpPr/>
             <p:nvPr/>
           </p:nvSpPr>
           <p:spPr>
-            <a:xfrm flipH="false" flipV="false" rot="0">
+            <a:xfrm>
               <a:off x="0" y="0"/>
               <a:ext cx="8970010" cy="813693"/>
             </a:xfrm>
@@ -9932,9 +9734,9 @@
               <a:gdLst/>
               <a:ahLst/>
               <a:cxnLst/>
-              <a:rect r="r" b="b" t="t" l="l"/>
+              <a:rect l="l" t="t" r="r" b="b"/>
               <a:pathLst>
-                <a:path h="813693" w="8970010">
+                <a:path w="8970010" h="813693">
                   <a:moveTo>
                     <a:pt x="0" y="0"/>
                   </a:moveTo>
@@ -9960,8 +9762,8 @@
         </p:sp>
         <p:sp>
           <p:nvSpPr>
-            <p:cNvPr name="TextBox 12" id="12"/>
-            <p:cNvSpPr txBox="true"/>
+            <p:cNvPr id="12" name="TextBox 12"/>
+            <p:cNvSpPr txBox="1"/>
             <p:nvPr/>
           </p:nvSpPr>
           <p:spPr>
@@ -9974,7 +9776,7 @@
             </a:prstGeom>
           </p:spPr>
           <p:txBody>
-            <a:bodyPr anchor="b" rtlCol="false" tIns="0" lIns="0" bIns="0" rIns="0"/>
+            <a:bodyPr lIns="0" tIns="0" rIns="0" bIns="0" rtlCol="0" anchor="b"/>
             <a:lstStyle/>
             <a:p>
               <a:pPr algn="l">
@@ -10038,9 +9840,9 @@
       </p:grpSp>
       <p:pic>
         <p:nvPicPr>
-          <p:cNvPr name="Picture 13" id="13"/>
+          <p:cNvPr id="13" name="Picture 13"/>
           <p:cNvPicPr>
-            <a:picLocks noChangeAspect="true"/>
+            <a:picLocks noChangeAspect="1"/>
           </p:cNvPicPr>
           <p:nvPr/>
         </p:nvPicPr>
@@ -10051,7 +9853,7 @@
           </a:stretch>
         </p:blipFill>
         <p:spPr>
-          <a:xfrm rot="0">
+          <a:xfrm>
             <a:off x="6583596" y="2601680"/>
             <a:ext cx="4810771" cy="1612889"/>
           </a:xfrm>
@@ -10062,12 +9864,12 @@
       </p:pic>
       <p:sp>
         <p:nvSpPr>
-          <p:cNvPr name="Freeform 14" id="14"/>
+          <p:cNvPr id="14" name="Freeform 14"/>
           <p:cNvSpPr/>
           <p:nvPr/>
         </p:nvSpPr>
         <p:spPr>
-          <a:xfrm flipH="false" flipV="false" rot="0">
+          <a:xfrm>
             <a:off x="4050191" y="5652561"/>
             <a:ext cx="5270646" cy="3546392"/>
           </a:xfrm>
@@ -10076,9 +9878,9 @@
             <a:gdLst/>
             <a:ahLst/>
             <a:cxnLst/>
-            <a:rect r="r" b="b" t="t" l="l"/>
+            <a:rect l="l" t="t" r="r" b="b"/>
             <a:pathLst>
-              <a:path h="3546392" w="5270646">
+              <a:path w="5270646" h="3546392">
                 <a:moveTo>
                   <a:pt x="0" y="0"/>
                 </a:moveTo>
@@ -10101,19 +9903,19 @@
           <a:blipFill>
             <a:blip r:embed="rId5"/>
             <a:stretch>
-              <a:fillRect l="0" t="0" r="0" b="0"/>
+              <a:fillRect/>
             </a:stretch>
           </a:blipFill>
         </p:spPr>
       </p:sp>
       <p:sp>
         <p:nvSpPr>
-          <p:cNvPr name="Freeform 15" id="15"/>
+          <p:cNvPr id="15" name="Freeform 15"/>
           <p:cNvSpPr/>
           <p:nvPr/>
         </p:nvSpPr>
         <p:spPr>
-          <a:xfrm flipH="false" flipV="false" rot="0">
+          <a:xfrm>
             <a:off x="509871" y="5555114"/>
             <a:ext cx="3540321" cy="3643839"/>
           </a:xfrm>
@@ -10122,9 +9924,9 @@
             <a:gdLst/>
             <a:ahLst/>
             <a:cxnLst/>
-            <a:rect r="r" b="b" t="t" l="l"/>
+            <a:rect l="l" t="t" r="r" b="b"/>
             <a:pathLst>
-              <a:path h="3643839" w="3540321">
+              <a:path w="3540321" h="3643839">
                 <a:moveTo>
                   <a:pt x="0" y="0"/>
                 </a:moveTo>
@@ -10147,19 +9949,19 @@
           <a:blipFill>
             <a:blip r:embed="rId6"/>
             <a:stretch>
-              <a:fillRect l="0" t="0" r="0" b="0"/>
+              <a:fillRect/>
             </a:stretch>
           </a:blipFill>
         </p:spPr>
       </p:sp>
       <p:sp>
         <p:nvSpPr>
-          <p:cNvPr name="Freeform 16" id="16"/>
+          <p:cNvPr id="16" name="Freeform 16"/>
           <p:cNvSpPr/>
           <p:nvPr/>
         </p:nvSpPr>
         <p:spPr>
-          <a:xfrm flipH="false" flipV="false" rot="0">
+          <a:xfrm>
             <a:off x="12879062" y="5750008"/>
             <a:ext cx="5202881" cy="3546392"/>
           </a:xfrm>
@@ -10168,9 +9970,9 @@
             <a:gdLst/>
             <a:ahLst/>
             <a:cxnLst/>
-            <a:rect r="r" b="b" t="t" l="l"/>
+            <a:rect l="l" t="t" r="r" b="b"/>
             <a:pathLst>
-              <a:path h="3546392" w="5202881">
+              <a:path w="5202881" h="3546392">
                 <a:moveTo>
                   <a:pt x="0" y="0"/>
                 </a:moveTo>
@@ -10193,19 +9995,19 @@
           <a:blipFill>
             <a:blip r:embed="rId7"/>
             <a:stretch>
-              <a:fillRect l="0" t="0" r="0" b="0"/>
+              <a:fillRect/>
             </a:stretch>
           </a:blipFill>
         </p:spPr>
       </p:sp>
       <p:sp>
         <p:nvSpPr>
-          <p:cNvPr name="Freeform 17" id="17"/>
+          <p:cNvPr id="17" name="Freeform 17"/>
           <p:cNvSpPr/>
           <p:nvPr/>
         </p:nvSpPr>
         <p:spPr>
-          <a:xfrm flipH="false" flipV="false" rot="0">
+          <a:xfrm>
             <a:off x="9367029" y="5652561"/>
             <a:ext cx="3464407" cy="3643839"/>
           </a:xfrm>
@@ -10214,9 +10016,9 @@
             <a:gdLst/>
             <a:ahLst/>
             <a:cxnLst/>
-            <a:rect r="r" b="b" t="t" l="l"/>
+            <a:rect l="l" t="t" r="r" b="b"/>
             <a:pathLst>
-              <a:path h="3643839" w="3464407">
+              <a:path w="3464407" h="3643839">
                 <a:moveTo>
                   <a:pt x="0" y="0"/>
                 </a:moveTo>
@@ -10239,19 +10041,19 @@
           <a:blipFill>
             <a:blip r:embed="rId8"/>
             <a:stretch>
-              <a:fillRect l="0" t="0" r="0" b="0"/>
+              <a:fillRect/>
             </a:stretch>
           </a:blipFill>
         </p:spPr>
       </p:sp>
       <p:sp>
         <p:nvSpPr>
-          <p:cNvPr name="TextBox 18" id="18"/>
-          <p:cNvSpPr txBox="true"/>
+          <p:cNvPr id="18" name="TextBox 18"/>
+          <p:cNvSpPr txBox="1"/>
           <p:nvPr/>
         </p:nvSpPr>
         <p:spPr>
-          <a:xfrm rot="0">
+          <a:xfrm>
             <a:off x="10993470" y="9635487"/>
             <a:ext cx="152400" cy="171450"/>
           </a:xfrm>
@@ -10260,7 +10062,7 @@
           </a:prstGeom>
         </p:spPr>
         <p:txBody>
-          <a:bodyPr anchor="t" rtlCol="false" tIns="0" lIns="0" bIns="0" rIns="0" wrap="none">
+          <a:bodyPr wrap="none" lIns="0" tIns="0" rIns="0" bIns="0" rtlCol="0" anchor="t">
             <a:spAutoFit/>
           </a:bodyPr>
           <a:lstStyle/>
@@ -10283,7 +10085,7 @@
                 <a:cs typeface="Canva Sans"/>
                 <a:sym typeface="Canva Sans"/>
               </a:rPr>
-              <a:t>Page 6 of 14</a:t>
+              <a:t>Page 6 of 17</a:t>
             </a:r>
           </a:p>
         </p:txBody>
@@ -10297,7 +10099,7 @@
 </file>
 
 <file path=ppt/slides/slide7.xml><?xml version="1.0" encoding="utf-8"?>
-<p:sld xmlns:p="http://schemas.openxmlformats.org/presentationml/2006/main" xmlns:a="http://schemas.openxmlformats.org/drawingml/2006/main" xmlns:r="http://schemas.openxmlformats.org/officeDocument/2006/relationships">
+<p:sld xmlns:a="http://schemas.openxmlformats.org/drawingml/2006/main" xmlns:r="http://schemas.openxmlformats.org/officeDocument/2006/relationships" xmlns:p="http://schemas.openxmlformats.org/presentationml/2006/main">
   <p:cSld>
     <p:spTree>
       <p:nvGrpSpPr>
@@ -10315,12 +10117,12 @@
       </p:grpSpPr>
       <p:sp>
         <p:nvSpPr>
-          <p:cNvPr name="Freeform 2" id="2"/>
+          <p:cNvPr id="2" name="Freeform 2"/>
           <p:cNvSpPr/>
           <p:nvPr/>
         </p:nvSpPr>
         <p:spPr>
-          <a:xfrm flipH="false" flipV="false" rot="0">
+          <a:xfrm>
             <a:off x="757300" y="9501072"/>
             <a:ext cx="1674276" cy="486000"/>
           </a:xfrm>
@@ -10329,9 +10131,9 @@
             <a:gdLst/>
             <a:ahLst/>
             <a:cxnLst/>
-            <a:rect r="r" b="b" t="t" l="l"/>
+            <a:rect l="l" t="t" r="r" b="b"/>
             <a:pathLst>
-              <a:path h="486000" w="1674276">
+              <a:path w="1674276" h="486000">
                 <a:moveTo>
                   <a:pt x="0" y="0"/>
                 </a:moveTo>
@@ -10354,19 +10156,19 @@
           <a:blipFill>
             <a:blip r:embed="rId2"/>
             <a:stretch>
-              <a:fillRect l="-53" t="0" r="-53" b="0"/>
+              <a:fillRect l="-53" r="-53"/>
             </a:stretch>
           </a:blipFill>
         </p:spPr>
       </p:sp>
       <p:sp>
         <p:nvSpPr>
-          <p:cNvPr name="Freeform 3" id="3"/>
+          <p:cNvPr id="3" name="Freeform 3"/>
           <p:cNvSpPr/>
           <p:nvPr/>
         </p:nvSpPr>
         <p:spPr>
-          <a:xfrm flipH="false" flipV="false" rot="0">
+          <a:xfrm>
             <a:off x="16382397" y="9473664"/>
             <a:ext cx="1455718" cy="540000"/>
           </a:xfrm>
@@ -10375,9 +10177,9 @@
             <a:gdLst/>
             <a:ahLst/>
             <a:cxnLst/>
-            <a:rect r="r" b="b" t="t" l="l"/>
+            <a:rect l="l" t="t" r="r" b="b"/>
             <a:pathLst>
-              <a:path h="540000" w="1455718">
+              <a:path w="1455718" h="540000">
                 <a:moveTo>
                   <a:pt x="0" y="0"/>
                 </a:moveTo>
@@ -10400,19 +10202,19 @@
           <a:blipFill>
             <a:blip r:embed="rId3"/>
             <a:stretch>
-              <a:fillRect l="0" t="-328" r="0" b="-328"/>
+              <a:fillRect t="-328" b="-328"/>
             </a:stretch>
           </a:blipFill>
         </p:spPr>
       </p:sp>
       <p:grpSp>
         <p:nvGrpSpPr>
-          <p:cNvPr name="Group 4" id="4"/>
+          <p:cNvPr id="4" name="Group 4"/>
           <p:cNvGrpSpPr/>
           <p:nvPr/>
         </p:nvGrpSpPr>
         <p:grpSpPr>
-          <a:xfrm rot="0">
+          <a:xfrm>
             <a:off x="1312068" y="519112"/>
             <a:ext cx="15871030" cy="1295399"/>
             <a:chOff x="0" y="0"/>
@@ -10421,12 +10223,12 @@
         </p:grpSpPr>
         <p:sp>
           <p:nvSpPr>
-            <p:cNvPr name="Freeform 5" id="5"/>
+            <p:cNvPr id="5" name="Freeform 5"/>
             <p:cNvSpPr/>
             <p:nvPr/>
           </p:nvSpPr>
           <p:spPr>
-            <a:xfrm flipH="false" flipV="false" rot="0">
+            <a:xfrm>
               <a:off x="0" y="0"/>
               <a:ext cx="21161373" cy="1727199"/>
             </a:xfrm>
@@ -10435,9 +10237,9 @@
               <a:gdLst/>
               <a:ahLst/>
               <a:cxnLst/>
-              <a:rect r="r" b="b" t="t" l="l"/>
+              <a:rect l="l" t="t" r="r" b="b"/>
               <a:pathLst>
-                <a:path h="1727199" w="21161373">
+                <a:path w="21161373" h="1727199">
                   <a:moveTo>
                     <a:pt x="0" y="0"/>
                   </a:moveTo>
@@ -10463,8 +10265,8 @@
         </p:sp>
         <p:sp>
           <p:nvSpPr>
-            <p:cNvPr name="TextBox 6" id="6"/>
-            <p:cNvSpPr txBox="true"/>
+            <p:cNvPr id="6" name="TextBox 6"/>
+            <p:cNvSpPr txBox="1"/>
             <p:nvPr/>
           </p:nvSpPr>
           <p:spPr>
@@ -10477,7 +10279,7 @@
             </a:prstGeom>
           </p:spPr>
           <p:txBody>
-            <a:bodyPr anchor="t" rtlCol="false" tIns="0" lIns="0" bIns="0" rIns="0"/>
+            <a:bodyPr lIns="0" tIns="0" rIns="0" bIns="0" rtlCol="0" anchor="t"/>
             <a:lstStyle/>
             <a:p>
               <a:pPr algn="l">
@@ -10486,7 +10288,7 @@
                 </a:lnSpc>
               </a:pPr>
               <a:r>
-                <a:rPr lang="en-US" sz="3600" b="true">
+                <a:rPr lang="en-US" sz="3600" b="1">
                   <a:solidFill>
                     <a:srgbClr val="00305D"/>
                   </a:solidFill>
@@ -10522,12 +10324,12 @@
       </p:grpSp>
       <p:grpSp>
         <p:nvGrpSpPr>
-          <p:cNvPr name="Group 7" id="7"/>
+          <p:cNvPr id="7" name="Group 7"/>
           <p:cNvGrpSpPr/>
           <p:nvPr/>
         </p:nvGrpSpPr>
         <p:grpSpPr>
-          <a:xfrm rot="0">
+          <a:xfrm>
             <a:off x="1312067" y="2226470"/>
             <a:ext cx="15871032" cy="6517481"/>
             <a:chOff x="0" y="0"/>
@@ -10536,12 +10338,12 @@
         </p:grpSpPr>
         <p:sp>
           <p:nvSpPr>
-            <p:cNvPr name="Freeform 8" id="8"/>
+            <p:cNvPr id="8" name="Freeform 8"/>
             <p:cNvSpPr/>
             <p:nvPr/>
           </p:nvSpPr>
           <p:spPr>
-            <a:xfrm flipH="false" flipV="false" rot="0">
+            <a:xfrm>
               <a:off x="0" y="0"/>
               <a:ext cx="21161377" cy="8689974"/>
             </a:xfrm>
@@ -10550,9 +10352,9 @@
               <a:gdLst/>
               <a:ahLst/>
               <a:cxnLst/>
-              <a:rect r="r" b="b" t="t" l="l"/>
+              <a:rect l="l" t="t" r="r" b="b"/>
               <a:pathLst>
-                <a:path h="8689974" w="21161377">
+                <a:path w="21161377" h="8689974">
                   <a:moveTo>
                     <a:pt x="0" y="0"/>
                   </a:moveTo>
@@ -10578,8 +10380,8 @@
         </p:sp>
         <p:sp>
           <p:nvSpPr>
-            <p:cNvPr name="TextBox 9" id="9"/>
-            <p:cNvSpPr txBox="true"/>
+            <p:cNvPr id="9" name="TextBox 9"/>
+            <p:cNvSpPr txBox="1"/>
             <p:nvPr/>
           </p:nvSpPr>
           <p:spPr>
@@ -10592,10 +10394,10 @@
             </a:prstGeom>
           </p:spPr>
           <p:txBody>
-            <a:bodyPr anchor="t" rtlCol="false" tIns="0" lIns="0" bIns="0" rIns="0"/>
+            <a:bodyPr lIns="0" tIns="0" rIns="0" bIns="0" rtlCol="0" anchor="t"/>
             <a:lstStyle/>
             <a:p>
-              <a:pPr algn="l" marL="518160" indent="-259080" lvl="1">
+              <a:pPr marL="518160" lvl="1" indent="-259080" algn="l">
                 <a:lnSpc>
                   <a:spcPts val="2879"/>
                 </a:lnSpc>
@@ -10616,7 +10418,7 @@
               </a:r>
             </a:p>
             <a:p>
-              <a:pPr algn="l" marL="518160" indent="-259080" lvl="1">
+              <a:pPr marL="518160" lvl="1" indent="-259080" algn="l">
                 <a:lnSpc>
                   <a:spcPts val="2879"/>
                 </a:lnSpc>
@@ -10642,6 +10444,15 @@
                   <a:spcPts val="2879"/>
                 </a:lnSpc>
               </a:pPr>
+              <a:endParaRPr lang="en-US" sz="2400">
+                <a:solidFill>
+                  <a:srgbClr val="00305D"/>
+                </a:solidFill>
+                <a:latin typeface="Open Sans"/>
+                <a:ea typeface="Open Sans"/>
+                <a:cs typeface="Open Sans"/>
+                <a:sym typeface="Open Sans"/>
+              </a:endParaRPr>
             </a:p>
             <a:p>
               <a:pPr algn="l">
@@ -10649,6 +10460,15 @@
                   <a:spcPts val="2879"/>
                 </a:lnSpc>
               </a:pPr>
+              <a:endParaRPr lang="en-US" sz="2400">
+                <a:solidFill>
+                  <a:srgbClr val="00305D"/>
+                </a:solidFill>
+                <a:latin typeface="Open Sans"/>
+                <a:ea typeface="Open Sans"/>
+                <a:cs typeface="Open Sans"/>
+                <a:sym typeface="Open Sans"/>
+              </a:endParaRPr>
             </a:p>
             <a:p>
               <a:pPr algn="l">
@@ -10656,6 +10476,15 @@
                   <a:spcPts val="2879"/>
                 </a:lnSpc>
               </a:pPr>
+              <a:endParaRPr lang="en-US" sz="2400">
+                <a:solidFill>
+                  <a:srgbClr val="00305D"/>
+                </a:solidFill>
+                <a:latin typeface="Open Sans"/>
+                <a:ea typeface="Open Sans"/>
+                <a:cs typeface="Open Sans"/>
+                <a:sym typeface="Open Sans"/>
+              </a:endParaRPr>
             </a:p>
             <a:p>
               <a:pPr algn="l">
@@ -10664,7 +10493,7 @@
                 </a:lnSpc>
               </a:pPr>
               <a:r>
-                <a:rPr lang="en-US" b="true" sz="2400" u="sng">
+                <a:rPr lang="en-US" sz="2400" b="1" u="sng">
                   <a:solidFill>
                     <a:srgbClr val="00305D"/>
                   </a:solidFill>
@@ -10694,6 +10523,15 @@
                   <a:spcPts val="2879"/>
                 </a:lnSpc>
               </a:pPr>
+              <a:endParaRPr lang="en-US" sz="2400">
+                <a:solidFill>
+                  <a:srgbClr val="00305D"/>
+                </a:solidFill>
+                <a:latin typeface="Open Sans"/>
+                <a:ea typeface="Open Sans"/>
+                <a:cs typeface="Open Sans"/>
+                <a:sym typeface="Open Sans"/>
+              </a:endParaRPr>
             </a:p>
             <a:p>
               <a:pPr algn="l">
@@ -10701,18 +10539,27 @@
                   <a:spcPts val="2879"/>
                 </a:lnSpc>
               </a:pPr>
+              <a:endParaRPr lang="en-US" sz="2400">
+                <a:solidFill>
+                  <a:srgbClr val="00305D"/>
+                </a:solidFill>
+                <a:latin typeface="Open Sans"/>
+                <a:ea typeface="Open Sans"/>
+                <a:cs typeface="Open Sans"/>
+                <a:sym typeface="Open Sans"/>
+              </a:endParaRPr>
             </a:p>
           </p:txBody>
         </p:sp>
       </p:grpSp>
       <p:sp>
         <p:nvSpPr>
-          <p:cNvPr name="TextBox 10" id="10"/>
-          <p:cNvSpPr txBox="true"/>
+          <p:cNvPr id="10" name="TextBox 10"/>
+          <p:cNvSpPr txBox="1"/>
           <p:nvPr/>
         </p:nvSpPr>
         <p:spPr>
-          <a:xfrm rot="0">
+          <a:xfrm>
             <a:off x="10993470" y="9635487"/>
             <a:ext cx="152400" cy="171450"/>
           </a:xfrm>
@@ -10721,7 +10568,7 @@
           </a:prstGeom>
         </p:spPr>
         <p:txBody>
-          <a:bodyPr anchor="t" rtlCol="false" tIns="0" lIns="0" bIns="0" rIns="0" wrap="none">
+          <a:bodyPr wrap="none" lIns="0" tIns="0" rIns="0" bIns="0" rtlCol="0" anchor="t">
             <a:spAutoFit/>
           </a:bodyPr>
           <a:lstStyle/>
@@ -10744,19 +10591,19 @@
                 <a:cs typeface="Canva Sans"/>
                 <a:sym typeface="Canva Sans"/>
               </a:rPr>
-              <a:t>Page 7 of 14</a:t>
+              <a:t>Page 7 of 17</a:t>
             </a:r>
           </a:p>
         </p:txBody>
       </p:sp>
       <p:grpSp>
         <p:nvGrpSpPr>
-          <p:cNvPr name="Group 11" id="11"/>
+          <p:cNvPr id="11" name="Group 11"/>
           <p:cNvGrpSpPr/>
           <p:nvPr/>
         </p:nvGrpSpPr>
         <p:grpSpPr>
-          <a:xfrm rot="0">
+          <a:xfrm>
             <a:off x="3716655" y="9479695"/>
             <a:ext cx="6727507" cy="610270"/>
             <a:chOff x="0" y="0"/>
@@ -10765,12 +10612,12 @@
         </p:grpSpPr>
         <p:sp>
           <p:nvSpPr>
-            <p:cNvPr name="Freeform 12" id="12"/>
+            <p:cNvPr id="12" name="Freeform 12"/>
             <p:cNvSpPr/>
             <p:nvPr/>
           </p:nvSpPr>
           <p:spPr>
-            <a:xfrm flipH="false" flipV="false" rot="0">
+            <a:xfrm>
               <a:off x="0" y="0"/>
               <a:ext cx="8970010" cy="813693"/>
             </a:xfrm>
@@ -10779,9 +10626,9 @@
               <a:gdLst/>
               <a:ahLst/>
               <a:cxnLst/>
-              <a:rect r="r" b="b" t="t" l="l"/>
+              <a:rect l="l" t="t" r="r" b="b"/>
               <a:pathLst>
-                <a:path h="813693" w="8970010">
+                <a:path w="8970010" h="813693">
                   <a:moveTo>
                     <a:pt x="0" y="0"/>
                   </a:moveTo>
@@ -10807,8 +10654,8 @@
         </p:sp>
         <p:sp>
           <p:nvSpPr>
-            <p:cNvPr name="TextBox 13" id="13"/>
-            <p:cNvSpPr txBox="true"/>
+            <p:cNvPr id="13" name="TextBox 13"/>
+            <p:cNvSpPr txBox="1"/>
             <p:nvPr/>
           </p:nvSpPr>
           <p:spPr>
@@ -10821,7 +10668,7 @@
             </a:prstGeom>
           </p:spPr>
           <p:txBody>
-            <a:bodyPr anchor="b" rtlCol="false" tIns="0" lIns="0" bIns="0" rIns="0"/>
+            <a:bodyPr lIns="0" tIns="0" rIns="0" bIns="0" rtlCol="0" anchor="b"/>
             <a:lstStyle/>
             <a:p>
               <a:pPr algn="l">
@@ -10892,7 +10739,7 @@
 </file>
 
 <file path=ppt/slides/slide8.xml><?xml version="1.0" encoding="utf-8"?>
-<p:sld xmlns:p="http://schemas.openxmlformats.org/presentationml/2006/main" xmlns:a="http://schemas.openxmlformats.org/drawingml/2006/main" xmlns:r="http://schemas.openxmlformats.org/officeDocument/2006/relationships">
+<p:sld xmlns:a="http://schemas.openxmlformats.org/drawingml/2006/main" xmlns:r="http://schemas.openxmlformats.org/officeDocument/2006/relationships" xmlns:p="http://schemas.openxmlformats.org/presentationml/2006/main">
   <p:cSld>
     <p:spTree>
       <p:nvGrpSpPr>
@@ -10910,12 +10757,12 @@
       </p:grpSpPr>
       <p:sp>
         <p:nvSpPr>
-          <p:cNvPr name="Freeform 2" id="2"/>
+          <p:cNvPr id="2" name="Freeform 2"/>
           <p:cNvSpPr/>
           <p:nvPr/>
         </p:nvSpPr>
         <p:spPr>
-          <a:xfrm flipH="false" flipV="false" rot="0">
+          <a:xfrm>
             <a:off x="757300" y="9501072"/>
             <a:ext cx="1674276" cy="486000"/>
           </a:xfrm>
@@ -10924,9 +10771,9 @@
             <a:gdLst/>
             <a:ahLst/>
             <a:cxnLst/>
-            <a:rect r="r" b="b" t="t" l="l"/>
+            <a:rect l="l" t="t" r="r" b="b"/>
             <a:pathLst>
-              <a:path h="486000" w="1674276">
+              <a:path w="1674276" h="486000">
                 <a:moveTo>
                   <a:pt x="0" y="0"/>
                 </a:moveTo>
@@ -10949,19 +10796,19 @@
           <a:blipFill>
             <a:blip r:embed="rId2"/>
             <a:stretch>
-              <a:fillRect l="-53" t="0" r="-53" b="0"/>
+              <a:fillRect l="-53" r="-53"/>
             </a:stretch>
           </a:blipFill>
         </p:spPr>
       </p:sp>
       <p:sp>
         <p:nvSpPr>
-          <p:cNvPr name="Freeform 3" id="3"/>
+          <p:cNvPr id="3" name="Freeform 3"/>
           <p:cNvSpPr/>
           <p:nvPr/>
         </p:nvSpPr>
         <p:spPr>
-          <a:xfrm flipH="false" flipV="false" rot="0">
+          <a:xfrm>
             <a:off x="16382397" y="9473664"/>
             <a:ext cx="1455718" cy="540000"/>
           </a:xfrm>
@@ -10970,9 +10817,9 @@
             <a:gdLst/>
             <a:ahLst/>
             <a:cxnLst/>
-            <a:rect r="r" b="b" t="t" l="l"/>
+            <a:rect l="l" t="t" r="r" b="b"/>
             <a:pathLst>
-              <a:path h="540000" w="1455718">
+              <a:path w="1455718" h="540000">
                 <a:moveTo>
                   <a:pt x="0" y="0"/>
                 </a:moveTo>
@@ -10995,19 +10842,19 @@
           <a:blipFill>
             <a:blip r:embed="rId3"/>
             <a:stretch>
-              <a:fillRect l="0" t="-328" r="0" b="-328"/>
+              <a:fillRect t="-328" b="-328"/>
             </a:stretch>
           </a:blipFill>
         </p:spPr>
       </p:sp>
       <p:grpSp>
         <p:nvGrpSpPr>
-          <p:cNvPr name="Group 4" id="4"/>
+          <p:cNvPr id="4" name="Group 4"/>
           <p:cNvGrpSpPr/>
           <p:nvPr/>
         </p:nvGrpSpPr>
         <p:grpSpPr>
-          <a:xfrm rot="0">
+          <a:xfrm>
             <a:off x="1312068" y="519112"/>
             <a:ext cx="15871030" cy="1295399"/>
             <a:chOff x="0" y="0"/>
@@ -11016,12 +10863,12 @@
         </p:grpSpPr>
         <p:sp>
           <p:nvSpPr>
-            <p:cNvPr name="Freeform 5" id="5"/>
+            <p:cNvPr id="5" name="Freeform 5"/>
             <p:cNvSpPr/>
             <p:nvPr/>
           </p:nvSpPr>
           <p:spPr>
-            <a:xfrm flipH="false" flipV="false" rot="0">
+            <a:xfrm>
               <a:off x="0" y="0"/>
               <a:ext cx="21161373" cy="1727199"/>
             </a:xfrm>
@@ -11030,9 +10877,9 @@
               <a:gdLst/>
               <a:ahLst/>
               <a:cxnLst/>
-              <a:rect r="r" b="b" t="t" l="l"/>
+              <a:rect l="l" t="t" r="r" b="b"/>
               <a:pathLst>
-                <a:path h="1727199" w="21161373">
+                <a:path w="21161373" h="1727199">
                   <a:moveTo>
                     <a:pt x="0" y="0"/>
                   </a:moveTo>
@@ -11058,8 +10905,8 @@
         </p:sp>
         <p:sp>
           <p:nvSpPr>
-            <p:cNvPr name="TextBox 6" id="6"/>
-            <p:cNvSpPr txBox="true"/>
+            <p:cNvPr id="6" name="TextBox 6"/>
+            <p:cNvSpPr txBox="1"/>
             <p:nvPr/>
           </p:nvSpPr>
           <p:spPr>
@@ -11072,7 +10919,7 @@
             </a:prstGeom>
           </p:spPr>
           <p:txBody>
-            <a:bodyPr anchor="t" rtlCol="false" tIns="0" lIns="0" bIns="0" rIns="0"/>
+            <a:bodyPr lIns="0" tIns="0" rIns="0" bIns="0" rtlCol="0" anchor="t"/>
             <a:lstStyle/>
             <a:p>
               <a:pPr algn="l">
@@ -11081,7 +10928,7 @@
                 </a:lnSpc>
               </a:pPr>
               <a:r>
-                <a:rPr lang="en-US" sz="3600" b="true">
+                <a:rPr lang="en-US" sz="3600" b="1">
                   <a:solidFill>
                     <a:srgbClr val="00305D"/>
                   </a:solidFill>
@@ -11117,12 +10964,12 @@
       </p:grpSp>
       <p:grpSp>
         <p:nvGrpSpPr>
-          <p:cNvPr name="Group 7" id="7"/>
+          <p:cNvPr id="7" name="Group 7"/>
           <p:cNvGrpSpPr/>
           <p:nvPr/>
         </p:nvGrpSpPr>
         <p:grpSpPr>
-          <a:xfrm rot="0">
+          <a:xfrm>
             <a:off x="1312067" y="2226470"/>
             <a:ext cx="15871032" cy="6517481"/>
             <a:chOff x="0" y="0"/>
@@ -11131,12 +10978,12 @@
         </p:grpSpPr>
         <p:sp>
           <p:nvSpPr>
-            <p:cNvPr name="Freeform 8" id="8"/>
+            <p:cNvPr id="8" name="Freeform 8"/>
             <p:cNvSpPr/>
             <p:nvPr/>
           </p:nvSpPr>
           <p:spPr>
-            <a:xfrm flipH="false" flipV="false" rot="0">
+            <a:xfrm>
               <a:off x="0" y="0"/>
               <a:ext cx="21161377" cy="8689974"/>
             </a:xfrm>
@@ -11145,9 +10992,9 @@
               <a:gdLst/>
               <a:ahLst/>
               <a:cxnLst/>
-              <a:rect r="r" b="b" t="t" l="l"/>
+              <a:rect l="l" t="t" r="r" b="b"/>
               <a:pathLst>
-                <a:path h="8689974" w="21161377">
+                <a:path w="21161377" h="8689974">
                   <a:moveTo>
                     <a:pt x="0" y="0"/>
                   </a:moveTo>
@@ -11173,8 +11020,8 @@
         </p:sp>
         <p:sp>
           <p:nvSpPr>
-            <p:cNvPr name="TextBox 9" id="9"/>
-            <p:cNvSpPr txBox="true"/>
+            <p:cNvPr id="9" name="TextBox 9"/>
+            <p:cNvSpPr txBox="1"/>
             <p:nvPr/>
           </p:nvSpPr>
           <p:spPr>
@@ -11187,10 +11034,10 @@
             </a:prstGeom>
           </p:spPr>
           <p:txBody>
-            <a:bodyPr anchor="t" rtlCol="false" tIns="0" lIns="0" bIns="0" rIns="0"/>
+            <a:bodyPr lIns="0" tIns="0" rIns="0" bIns="0" rtlCol="0" anchor="t"/>
             <a:lstStyle/>
             <a:p>
-              <a:pPr algn="l" marL="518160" indent="-259080" lvl="1">
+              <a:pPr marL="518160" lvl="1" indent="-259080" algn="l">
                 <a:lnSpc>
                   <a:spcPts val="2879"/>
                 </a:lnSpc>
@@ -11211,7 +11058,7 @@
               </a:r>
             </a:p>
             <a:p>
-              <a:pPr algn="l" marL="518160" indent="-259080" lvl="1">
+              <a:pPr marL="518160" lvl="1" indent="-259080" algn="l">
                 <a:lnSpc>
                   <a:spcPts val="2879"/>
                 </a:lnSpc>
@@ -11237,6 +11084,15 @@
                   <a:spcPts val="2879"/>
                 </a:lnSpc>
               </a:pPr>
+              <a:endParaRPr lang="en-US" sz="2400">
+                <a:solidFill>
+                  <a:srgbClr val="00305D"/>
+                </a:solidFill>
+                <a:latin typeface="Open Sans"/>
+                <a:ea typeface="Open Sans"/>
+                <a:cs typeface="Open Sans"/>
+                <a:sym typeface="Open Sans"/>
+              </a:endParaRPr>
             </a:p>
             <a:p>
               <a:pPr algn="l">
@@ -11244,6 +11100,15 @@
                   <a:spcPts val="2879"/>
                 </a:lnSpc>
               </a:pPr>
+              <a:endParaRPr lang="en-US" sz="2400">
+                <a:solidFill>
+                  <a:srgbClr val="00305D"/>
+                </a:solidFill>
+                <a:latin typeface="Open Sans"/>
+                <a:ea typeface="Open Sans"/>
+                <a:cs typeface="Open Sans"/>
+                <a:sym typeface="Open Sans"/>
+              </a:endParaRPr>
             </a:p>
             <a:p>
               <a:pPr algn="l">
@@ -11251,6 +11116,15 @@
                   <a:spcPts val="2879"/>
                 </a:lnSpc>
               </a:pPr>
+              <a:endParaRPr lang="en-US" sz="2400">
+                <a:solidFill>
+                  <a:srgbClr val="00305D"/>
+                </a:solidFill>
+                <a:latin typeface="Open Sans"/>
+                <a:ea typeface="Open Sans"/>
+                <a:cs typeface="Open Sans"/>
+                <a:sym typeface="Open Sans"/>
+              </a:endParaRPr>
             </a:p>
             <a:p>
               <a:pPr algn="l">
@@ -11259,7 +11133,7 @@
                 </a:lnSpc>
               </a:pPr>
               <a:r>
-                <a:rPr lang="en-US" b="true" sz="2400" u="sng">
+                <a:rPr lang="en-US" sz="2400" b="1" u="sng">
                   <a:solidFill>
                     <a:srgbClr val="00305D"/>
                   </a:solidFill>
@@ -11289,9 +11163,18 @@
                   <a:spcPts val="2879"/>
                 </a:lnSpc>
               </a:pPr>
-            </a:p>
-            <a:p>
-              <a:pPr algn="l" marL="518160" indent="-259080" lvl="1">
+              <a:endParaRPr lang="en-US" sz="2400">
+                <a:solidFill>
+                  <a:srgbClr val="00305D"/>
+                </a:solidFill>
+                <a:latin typeface="Open Sans"/>
+                <a:ea typeface="Open Sans"/>
+                <a:cs typeface="Open Sans"/>
+                <a:sym typeface="Open Sans"/>
+              </a:endParaRPr>
+            </a:p>
+            <a:p>
+              <a:pPr marL="518160" lvl="1" indent="-259080" algn="l">
                 <a:lnSpc>
                   <a:spcPts val="2879"/>
                 </a:lnSpc>
@@ -11312,7 +11195,7 @@
               </a:r>
             </a:p>
             <a:p>
-              <a:pPr algn="l" marL="1036320" indent="-345440" lvl="2">
+              <a:pPr marL="1036320" lvl="2" indent="-345440" algn="l">
                 <a:lnSpc>
                   <a:spcPts val="2879"/>
                 </a:lnSpc>
@@ -11333,7 +11216,7 @@
               </a:r>
             </a:p>
             <a:p>
-              <a:pPr algn="l" marL="1036320" indent="-345440" lvl="2">
+              <a:pPr marL="1036320" lvl="2" indent="-345440" algn="l">
                 <a:lnSpc>
                   <a:spcPts val="2879"/>
                 </a:lnSpc>
@@ -11359,6 +11242,15 @@
                   <a:spcPts val="2879"/>
                 </a:lnSpc>
               </a:pPr>
+              <a:endParaRPr lang="en-US" sz="2400">
+                <a:solidFill>
+                  <a:srgbClr val="00305D"/>
+                </a:solidFill>
+                <a:latin typeface="Open Sans"/>
+                <a:ea typeface="Open Sans"/>
+                <a:cs typeface="Open Sans"/>
+                <a:sym typeface="Open Sans"/>
+              </a:endParaRPr>
             </a:p>
             <a:p>
               <a:pPr algn="l">
@@ -11366,6 +11258,15 @@
                   <a:spcPts val="2879"/>
                 </a:lnSpc>
               </a:pPr>
+              <a:endParaRPr lang="en-US" sz="2400">
+                <a:solidFill>
+                  <a:srgbClr val="00305D"/>
+                </a:solidFill>
+                <a:latin typeface="Open Sans"/>
+                <a:ea typeface="Open Sans"/>
+                <a:cs typeface="Open Sans"/>
+                <a:sym typeface="Open Sans"/>
+              </a:endParaRPr>
             </a:p>
             <a:p>
               <a:pPr algn="l">
@@ -11373,6 +11274,15 @@
                   <a:spcPts val="2879"/>
                 </a:lnSpc>
               </a:pPr>
+              <a:endParaRPr lang="en-US" sz="2400">
+                <a:solidFill>
+                  <a:srgbClr val="00305D"/>
+                </a:solidFill>
+                <a:latin typeface="Open Sans"/>
+                <a:ea typeface="Open Sans"/>
+                <a:cs typeface="Open Sans"/>
+                <a:sym typeface="Open Sans"/>
+              </a:endParaRPr>
             </a:p>
             <a:p>
               <a:pPr algn="l">
@@ -11380,18 +11290,27 @@
                   <a:spcPts val="2879"/>
                 </a:lnSpc>
               </a:pPr>
+              <a:endParaRPr lang="en-US" sz="2400">
+                <a:solidFill>
+                  <a:srgbClr val="00305D"/>
+                </a:solidFill>
+                <a:latin typeface="Open Sans"/>
+                <a:ea typeface="Open Sans"/>
+                <a:cs typeface="Open Sans"/>
+                <a:sym typeface="Open Sans"/>
+              </a:endParaRPr>
             </a:p>
           </p:txBody>
         </p:sp>
       </p:grpSp>
       <p:grpSp>
         <p:nvGrpSpPr>
-          <p:cNvPr name="Group 10" id="10"/>
+          <p:cNvPr id="10" name="Group 10"/>
           <p:cNvGrpSpPr/>
           <p:nvPr/>
         </p:nvGrpSpPr>
         <p:grpSpPr>
-          <a:xfrm rot="0">
+          <a:xfrm>
             <a:off x="3716655" y="9479695"/>
             <a:ext cx="6727507" cy="610270"/>
             <a:chOff x="0" y="0"/>
@@ -11400,12 +11319,12 @@
         </p:grpSpPr>
         <p:sp>
           <p:nvSpPr>
-            <p:cNvPr name="Freeform 11" id="11"/>
+            <p:cNvPr id="11" name="Freeform 11"/>
             <p:cNvSpPr/>
             <p:nvPr/>
           </p:nvSpPr>
           <p:spPr>
-            <a:xfrm flipH="false" flipV="false" rot="0">
+            <a:xfrm>
               <a:off x="0" y="0"/>
               <a:ext cx="8970010" cy="813693"/>
             </a:xfrm>
@@ -11414,9 +11333,9 @@
               <a:gdLst/>
               <a:ahLst/>
               <a:cxnLst/>
-              <a:rect r="r" b="b" t="t" l="l"/>
+              <a:rect l="l" t="t" r="r" b="b"/>
               <a:pathLst>
-                <a:path h="813693" w="8970010">
+                <a:path w="8970010" h="813693">
                   <a:moveTo>
                     <a:pt x="0" y="0"/>
                   </a:moveTo>
@@ -11442,8 +11361,8 @@
         </p:sp>
         <p:sp>
           <p:nvSpPr>
-            <p:cNvPr name="TextBox 12" id="12"/>
-            <p:cNvSpPr txBox="true"/>
+            <p:cNvPr id="12" name="TextBox 12"/>
+            <p:cNvSpPr txBox="1"/>
             <p:nvPr/>
           </p:nvSpPr>
           <p:spPr>
@@ -11456,7 +11375,7 @@
             </a:prstGeom>
           </p:spPr>
           <p:txBody>
-            <a:bodyPr anchor="b" rtlCol="false" tIns="0" lIns="0" bIns="0" rIns="0"/>
+            <a:bodyPr lIns="0" tIns="0" rIns="0" bIns="0" rtlCol="0" anchor="b"/>
             <a:lstStyle/>
             <a:p>
               <a:pPr algn="l">
@@ -11520,12 +11439,12 @@
       </p:grpSp>
       <p:sp>
         <p:nvSpPr>
-          <p:cNvPr name="TextBox 13" id="13"/>
-          <p:cNvSpPr txBox="true"/>
+          <p:cNvPr id="13" name="TextBox 13"/>
+          <p:cNvSpPr txBox="1"/>
           <p:nvPr/>
         </p:nvSpPr>
         <p:spPr>
-          <a:xfrm rot="0">
+          <a:xfrm>
             <a:off x="10993470" y="9635487"/>
             <a:ext cx="152400" cy="171450"/>
           </a:xfrm>
@@ -11534,7 +11453,7 @@
           </a:prstGeom>
         </p:spPr>
         <p:txBody>
-          <a:bodyPr anchor="t" rtlCol="false" tIns="0" lIns="0" bIns="0" rIns="0" wrap="none">
+          <a:bodyPr wrap="none" lIns="0" tIns="0" rIns="0" bIns="0" rtlCol="0" anchor="t">
             <a:spAutoFit/>
           </a:bodyPr>
           <a:lstStyle/>
@@ -11557,7 +11476,7 @@
                 <a:cs typeface="Canva Sans"/>
                 <a:sym typeface="Canva Sans"/>
               </a:rPr>
-              <a:t>Page 8 of 14</a:t>
+              <a:t>Page 8 of 17</a:t>
             </a:r>
           </a:p>
         </p:txBody>
@@ -11571,7 +11490,7 @@
 </file>
 
 <file path=ppt/slides/slide9.xml><?xml version="1.0" encoding="utf-8"?>
-<p:sld xmlns:p="http://schemas.openxmlformats.org/presentationml/2006/main" xmlns:a="http://schemas.openxmlformats.org/drawingml/2006/main" xmlns:r="http://schemas.openxmlformats.org/officeDocument/2006/relationships">
+<p:sld xmlns:a="http://schemas.openxmlformats.org/drawingml/2006/main" xmlns:r="http://schemas.openxmlformats.org/officeDocument/2006/relationships" xmlns:p="http://schemas.openxmlformats.org/presentationml/2006/main">
   <p:cSld>
     <p:spTree>
       <p:nvGrpSpPr>
@@ -11589,12 +11508,12 @@
       </p:grpSpPr>
       <p:sp>
         <p:nvSpPr>
-          <p:cNvPr name="Freeform 2" id="2"/>
+          <p:cNvPr id="2" name="Freeform 2"/>
           <p:cNvSpPr/>
           <p:nvPr/>
         </p:nvSpPr>
         <p:spPr>
-          <a:xfrm flipH="false" flipV="false" rot="0">
+          <a:xfrm>
             <a:off x="757300" y="9501072"/>
             <a:ext cx="1674276" cy="486000"/>
           </a:xfrm>
@@ -11603,9 +11522,9 @@
             <a:gdLst/>
             <a:ahLst/>
             <a:cxnLst/>
-            <a:rect r="r" b="b" t="t" l="l"/>
+            <a:rect l="l" t="t" r="r" b="b"/>
             <a:pathLst>
-              <a:path h="486000" w="1674276">
+              <a:path w="1674276" h="486000">
                 <a:moveTo>
                   <a:pt x="0" y="0"/>
                 </a:moveTo>
@@ -11628,19 +11547,19 @@
           <a:blipFill>
             <a:blip r:embed="rId2"/>
             <a:stretch>
-              <a:fillRect l="-53" t="0" r="-53" b="0"/>
+              <a:fillRect l="-53" r="-53"/>
             </a:stretch>
           </a:blipFill>
         </p:spPr>
       </p:sp>
       <p:sp>
         <p:nvSpPr>
-          <p:cNvPr name="Freeform 3" id="3"/>
+          <p:cNvPr id="3" name="Freeform 3"/>
           <p:cNvSpPr/>
           <p:nvPr/>
         </p:nvSpPr>
         <p:spPr>
-          <a:xfrm flipH="false" flipV="false" rot="0">
+          <a:xfrm>
             <a:off x="16382397" y="9473664"/>
             <a:ext cx="1455718" cy="540000"/>
           </a:xfrm>
@@ -11649,9 +11568,9 @@
             <a:gdLst/>
             <a:ahLst/>
             <a:cxnLst/>
-            <a:rect r="r" b="b" t="t" l="l"/>
+            <a:rect l="l" t="t" r="r" b="b"/>
             <a:pathLst>
-              <a:path h="540000" w="1455718">
+              <a:path w="1455718" h="540000">
                 <a:moveTo>
                   <a:pt x="0" y="0"/>
                 </a:moveTo>
@@ -11674,19 +11593,19 @@
           <a:blipFill>
             <a:blip r:embed="rId3"/>
             <a:stretch>
-              <a:fillRect l="0" t="-328" r="0" b="-328"/>
+              <a:fillRect t="-328" b="-328"/>
             </a:stretch>
           </a:blipFill>
         </p:spPr>
       </p:sp>
       <p:grpSp>
         <p:nvGrpSpPr>
-          <p:cNvPr name="Group 4" id="4"/>
+          <p:cNvPr id="4" name="Group 4"/>
           <p:cNvGrpSpPr/>
           <p:nvPr/>
         </p:nvGrpSpPr>
         <p:grpSpPr>
-          <a:xfrm rot="0">
+          <a:xfrm>
             <a:off x="1312068" y="519112"/>
             <a:ext cx="15871030" cy="1295399"/>
             <a:chOff x="0" y="0"/>
@@ -11695,12 +11614,12 @@
         </p:grpSpPr>
         <p:sp>
           <p:nvSpPr>
-            <p:cNvPr name="Freeform 5" id="5"/>
+            <p:cNvPr id="5" name="Freeform 5"/>
             <p:cNvSpPr/>
             <p:nvPr/>
           </p:nvSpPr>
           <p:spPr>
-            <a:xfrm flipH="false" flipV="false" rot="0">
+            <a:xfrm>
               <a:off x="0" y="0"/>
               <a:ext cx="21161373" cy="1727199"/>
             </a:xfrm>
@@ -11709,9 +11628,9 @@
               <a:gdLst/>
               <a:ahLst/>
               <a:cxnLst/>
-              <a:rect r="r" b="b" t="t" l="l"/>
+              <a:rect l="l" t="t" r="r" b="b"/>
               <a:pathLst>
-                <a:path h="1727199" w="21161373">
+                <a:path w="21161373" h="1727199">
                   <a:moveTo>
                     <a:pt x="0" y="0"/>
                   </a:moveTo>
@@ -11737,8 +11656,8 @@
         </p:sp>
         <p:sp>
           <p:nvSpPr>
-            <p:cNvPr name="TextBox 6" id="6"/>
-            <p:cNvSpPr txBox="true"/>
+            <p:cNvPr id="6" name="TextBox 6"/>
+            <p:cNvSpPr txBox="1"/>
             <p:nvPr/>
           </p:nvSpPr>
           <p:spPr>
@@ -11751,7 +11670,7 @@
             </a:prstGeom>
           </p:spPr>
           <p:txBody>
-            <a:bodyPr anchor="t" rtlCol="false" tIns="0" lIns="0" bIns="0" rIns="0"/>
+            <a:bodyPr lIns="0" tIns="0" rIns="0" bIns="0" rtlCol="0" anchor="t"/>
             <a:lstStyle/>
             <a:p>
               <a:pPr algn="l">
@@ -11760,7 +11679,7 @@
                 </a:lnSpc>
               </a:pPr>
               <a:r>
-                <a:rPr lang="en-US" sz="3600" b="true">
+                <a:rPr lang="en-US" sz="3600" b="1">
                   <a:solidFill>
                     <a:srgbClr val="00305D"/>
                   </a:solidFill>
@@ -11796,12 +11715,12 @@
       </p:grpSp>
       <p:grpSp>
         <p:nvGrpSpPr>
-          <p:cNvPr name="Group 7" id="7"/>
+          <p:cNvPr id="7" name="Group 7"/>
           <p:cNvGrpSpPr/>
           <p:nvPr/>
         </p:nvGrpSpPr>
         <p:grpSpPr>
-          <a:xfrm rot="0">
+          <a:xfrm>
             <a:off x="3716655" y="9479695"/>
             <a:ext cx="6727507" cy="610270"/>
             <a:chOff x="0" y="0"/>
@@ -11810,12 +11729,12 @@
         </p:grpSpPr>
         <p:sp>
           <p:nvSpPr>
-            <p:cNvPr name="Freeform 8" id="8"/>
+            <p:cNvPr id="8" name="Freeform 8"/>
             <p:cNvSpPr/>
             <p:nvPr/>
           </p:nvSpPr>
           <p:spPr>
-            <a:xfrm flipH="false" flipV="false" rot="0">
+            <a:xfrm>
               <a:off x="0" y="0"/>
               <a:ext cx="8970010" cy="813693"/>
             </a:xfrm>
@@ -11824,9 +11743,9 @@
               <a:gdLst/>
               <a:ahLst/>
               <a:cxnLst/>
-              <a:rect r="r" b="b" t="t" l="l"/>
+              <a:rect l="l" t="t" r="r" b="b"/>
               <a:pathLst>
-                <a:path h="813693" w="8970010">
+                <a:path w="8970010" h="813693">
                   <a:moveTo>
                     <a:pt x="0" y="0"/>
                   </a:moveTo>
@@ -11852,8 +11771,8 @@
         </p:sp>
         <p:sp>
           <p:nvSpPr>
-            <p:cNvPr name="TextBox 9" id="9"/>
-            <p:cNvSpPr txBox="true"/>
+            <p:cNvPr id="9" name="TextBox 9"/>
+            <p:cNvSpPr txBox="1"/>
             <p:nvPr/>
           </p:nvSpPr>
           <p:spPr>
@@ -11866,7 +11785,7 @@
             </a:prstGeom>
           </p:spPr>
           <p:txBody>
-            <a:bodyPr anchor="b" rtlCol="false" tIns="0" lIns="0" bIns="0" rIns="0"/>
+            <a:bodyPr lIns="0" tIns="0" rIns="0" bIns="0" rtlCol="0" anchor="b"/>
             <a:lstStyle/>
             <a:p>
               <a:pPr algn="l">
@@ -11930,12 +11849,12 @@
       </p:grpSp>
       <p:sp>
         <p:nvSpPr>
-          <p:cNvPr name="Freeform 10" id="10"/>
+          <p:cNvPr id="10" name="Freeform 10"/>
           <p:cNvSpPr/>
           <p:nvPr/>
         </p:nvSpPr>
         <p:spPr>
-          <a:xfrm flipH="false" flipV="false" rot="0">
+          <a:xfrm>
             <a:off x="9401568" y="1941003"/>
             <a:ext cx="5320980" cy="4457253"/>
           </a:xfrm>
@@ -11944,9 +11863,9 @@
             <a:gdLst/>
             <a:ahLst/>
             <a:cxnLst/>
-            <a:rect r="r" b="b" t="t" l="l"/>
+            <a:rect l="l" t="t" r="r" b="b"/>
             <a:pathLst>
-              <a:path h="4457253" w="5320980">
+              <a:path w="5320980" h="4457253">
                 <a:moveTo>
                   <a:pt x="0" y="0"/>
                 </a:moveTo>
@@ -11969,19 +11888,19 @@
           <a:blipFill>
             <a:blip r:embed="rId4"/>
             <a:stretch>
-              <a:fillRect l="0" t="0" r="0" b="0"/>
+              <a:fillRect/>
             </a:stretch>
           </a:blipFill>
         </p:spPr>
       </p:sp>
       <p:sp>
         <p:nvSpPr>
-          <p:cNvPr name="Freeform 11" id="11"/>
+          <p:cNvPr id="11" name="Freeform 11"/>
           <p:cNvSpPr/>
           <p:nvPr/>
         </p:nvSpPr>
         <p:spPr>
-          <a:xfrm flipH="false" flipV="false" rot="0">
+          <a:xfrm>
             <a:off x="11432334" y="5345490"/>
             <a:ext cx="3405045" cy="3368366"/>
           </a:xfrm>
@@ -11990,9 +11909,9 @@
             <a:gdLst/>
             <a:ahLst/>
             <a:cxnLst/>
-            <a:rect r="r" b="b" t="t" l="l"/>
+            <a:rect l="l" t="t" r="r" b="b"/>
             <a:pathLst>
-              <a:path h="3368366" w="3405045">
+              <a:path w="3405045" h="3368366">
                 <a:moveTo>
                   <a:pt x="0" y="0"/>
                 </a:moveTo>
@@ -12015,19 +11934,19 @@
           <a:blipFill>
             <a:blip r:embed="rId5"/>
             <a:stretch>
-              <a:fillRect l="0" t="0" r="0" b="0"/>
+              <a:fillRect/>
             </a:stretch>
           </a:blipFill>
         </p:spPr>
       </p:sp>
       <p:sp>
         <p:nvSpPr>
-          <p:cNvPr name="Freeform 12" id="12"/>
+          <p:cNvPr id="12" name="Freeform 12"/>
           <p:cNvSpPr/>
           <p:nvPr/>
         </p:nvSpPr>
         <p:spPr>
-          <a:xfrm flipH="false" flipV="false" rot="0">
+          <a:xfrm>
             <a:off x="2573526" y="1941003"/>
             <a:ext cx="5485855" cy="4595366"/>
           </a:xfrm>
@@ -12036,9 +11955,9 @@
             <a:gdLst/>
             <a:ahLst/>
             <a:cxnLst/>
-            <a:rect r="r" b="b" t="t" l="l"/>
+            <a:rect l="l" t="t" r="r" b="b"/>
             <a:pathLst>
-              <a:path h="4595366" w="5485855">
+              <a:path w="5485855" h="4595366">
                 <a:moveTo>
                   <a:pt x="0" y="0"/>
                 </a:moveTo>
@@ -12061,19 +11980,19 @@
           <a:blipFill>
             <a:blip r:embed="rId6"/>
             <a:stretch>
-              <a:fillRect l="0" t="0" r="0" b="0"/>
+              <a:fillRect/>
             </a:stretch>
           </a:blipFill>
         </p:spPr>
       </p:sp>
       <p:sp>
         <p:nvSpPr>
-          <p:cNvPr name="Freeform 13" id="13"/>
+          <p:cNvPr id="13" name="Freeform 13"/>
           <p:cNvSpPr/>
           <p:nvPr/>
         </p:nvSpPr>
         <p:spPr>
-          <a:xfrm flipH="false" flipV="false" rot="0">
+          <a:xfrm>
             <a:off x="4654336" y="5345490"/>
             <a:ext cx="3405045" cy="3368366"/>
           </a:xfrm>
@@ -12082,9 +12001,9 @@
             <a:gdLst/>
             <a:ahLst/>
             <a:cxnLst/>
-            <a:rect r="r" b="b" t="t" l="l"/>
+            <a:rect l="l" t="t" r="r" b="b"/>
             <a:pathLst>
-              <a:path h="3368366" w="3405045">
+              <a:path w="3405045" h="3368366">
                 <a:moveTo>
                   <a:pt x="0" y="0"/>
                 </a:moveTo>
@@ -12107,19 +12026,19 @@
           <a:blipFill>
             <a:blip r:embed="rId7"/>
             <a:stretch>
-              <a:fillRect l="0" t="0" r="0" b="0"/>
+              <a:fillRect/>
             </a:stretch>
           </a:blipFill>
         </p:spPr>
       </p:sp>
       <p:sp>
         <p:nvSpPr>
-          <p:cNvPr name="TextBox 14" id="14"/>
-          <p:cNvSpPr txBox="true"/>
+          <p:cNvPr id="14" name="TextBox 14"/>
+          <p:cNvSpPr txBox="1"/>
           <p:nvPr/>
         </p:nvSpPr>
         <p:spPr>
-          <a:xfrm rot="0">
+          <a:xfrm>
             <a:off x="10993470" y="9635487"/>
             <a:ext cx="152400" cy="171450"/>
           </a:xfrm>
@@ -12128,7 +12047,7 @@
           </a:prstGeom>
         </p:spPr>
         <p:txBody>
-          <a:bodyPr anchor="t" rtlCol="false" tIns="0" lIns="0" bIns="0" rIns="0" wrap="none">
+          <a:bodyPr wrap="none" lIns="0" tIns="0" rIns="0" bIns="0" rtlCol="0" anchor="t">
             <a:spAutoFit/>
           </a:bodyPr>
           <a:lstStyle/>
@@ -12151,7 +12070,7 @@
                 <a:cs typeface="Canva Sans"/>
                 <a:sym typeface="Canva Sans"/>
               </a:rPr>
-              <a:t>Page 9 of 14</a:t>
+              <a:t>Page 9 of 17</a:t>
             </a:r>
           </a:p>
         </p:txBody>
